--- a/deep-learning-in-practice-with-pytorch/2-example-cnn-rna.pptx
+++ b/deep-learning-in-practice-with-pytorch/2-example-cnn-rna.pptx
@@ -7,6 +7,15 @@
   <p:sldIdLst>
     <p:sldId id="257" r:id="rId2"/>
     <p:sldId id="258" r:id="rId3"/>
+    <p:sldId id="259" r:id="rId4"/>
+    <p:sldId id="260" r:id="rId5"/>
+    <p:sldId id="263" r:id="rId6"/>
+    <p:sldId id="261" r:id="rId7"/>
+    <p:sldId id="262" r:id="rId8"/>
+    <p:sldId id="264" r:id="rId9"/>
+    <p:sldId id="265" r:id="rId10"/>
+    <p:sldId id="266" r:id="rId11"/>
+    <p:sldId id="267" r:id="rId12"/>
   </p:sldIdLst>
   <p:sldSz cx="12192000" cy="6858000"/>
   <p:notesSz cx="6858000" cy="9144000"/>
@@ -113,6 +122,3114 @@
 </p:presentation>
 </file>
 
+<file path=ppt/charts/chart1.xml><?xml version="1.0" encoding="utf-8"?>
+<c:chartSpace xmlns:c="http://schemas.openxmlformats.org/drawingml/2006/chart" xmlns:a="http://schemas.openxmlformats.org/drawingml/2006/main" xmlns:r="http://schemas.openxmlformats.org/officeDocument/2006/relationships" xmlns:c16r2="http://schemas.microsoft.com/office/drawing/2015/06/chart">
+  <c:date1904 val="0"/>
+  <c:lang val="fr-FR"/>
+  <c:roundedCorners val="0"/>
+  <mc:AlternateContent xmlns:mc="http://schemas.openxmlformats.org/markup-compatibility/2006">
+    <mc:Choice xmlns:c14="http://schemas.microsoft.com/office/drawing/2007/8/2/chart" Requires="c14">
+      <c14:style val="102"/>
+    </mc:Choice>
+    <mc:Fallback>
+      <c:style val="2"/>
+    </mc:Fallback>
+  </mc:AlternateContent>
+  <c:chart>
+    <c:autoTitleDeleted val="1"/>
+    <c:plotArea>
+      <c:layout/>
+      <c:scatterChart>
+        <c:scatterStyle val="lineMarker"/>
+        <c:varyColors val="0"/>
+        <c:ser>
+          <c:idx val="0"/>
+          <c:order val="0"/>
+          <c:spPr>
+            <a:ln w="19050" cap="rnd">
+              <a:solidFill>
+                <a:schemeClr val="accent1"/>
+              </a:solidFill>
+              <a:round/>
+            </a:ln>
+            <a:effectLst/>
+          </c:spPr>
+          <c:marker>
+            <c:symbol val="circle"/>
+            <c:size val="5"/>
+            <c:spPr>
+              <a:solidFill>
+                <a:schemeClr val="accent1"/>
+              </a:solidFill>
+              <a:ln w="9525">
+                <a:solidFill>
+                  <a:schemeClr val="accent1"/>
+                </a:solidFill>
+              </a:ln>
+              <a:effectLst/>
+            </c:spPr>
+          </c:marker>
+          <c:xVal>
+            <c:numRef>
+              <c:f>sum!$A$1:$A$28</c:f>
+              <c:numCache>
+                <c:formatCode>General</c:formatCode>
+                <c:ptCount val="28"/>
+                <c:pt idx="0">
+                  <c:v>3827</c:v>
+                </c:pt>
+                <c:pt idx="1">
+                  <c:v>1000</c:v>
+                </c:pt>
+                <c:pt idx="2">
+                  <c:v>800</c:v>
+                </c:pt>
+                <c:pt idx="3">
+                  <c:v>640</c:v>
+                </c:pt>
+                <c:pt idx="4">
+                  <c:v>512</c:v>
+                </c:pt>
+                <c:pt idx="5">
+                  <c:v>409</c:v>
+                </c:pt>
+                <c:pt idx="6">
+                  <c:v>327</c:v>
+                </c:pt>
+                <c:pt idx="7">
+                  <c:v>261</c:v>
+                </c:pt>
+                <c:pt idx="8">
+                  <c:v>208</c:v>
+                </c:pt>
+                <c:pt idx="9">
+                  <c:v>166</c:v>
+                </c:pt>
+                <c:pt idx="10">
+                  <c:v>132</c:v>
+                </c:pt>
+                <c:pt idx="11">
+                  <c:v>105</c:v>
+                </c:pt>
+                <c:pt idx="12">
+                  <c:v>84</c:v>
+                </c:pt>
+                <c:pt idx="13">
+                  <c:v>67</c:v>
+                </c:pt>
+                <c:pt idx="14">
+                  <c:v>53</c:v>
+                </c:pt>
+                <c:pt idx="15">
+                  <c:v>42</c:v>
+                </c:pt>
+                <c:pt idx="16">
+                  <c:v>33</c:v>
+                </c:pt>
+                <c:pt idx="17">
+                  <c:v>26</c:v>
+                </c:pt>
+                <c:pt idx="18">
+                  <c:v>20</c:v>
+                </c:pt>
+                <c:pt idx="19">
+                  <c:v>16</c:v>
+                </c:pt>
+                <c:pt idx="20">
+                  <c:v>12</c:v>
+                </c:pt>
+                <c:pt idx="21">
+                  <c:v>9</c:v>
+                </c:pt>
+                <c:pt idx="22">
+                  <c:v>7</c:v>
+                </c:pt>
+                <c:pt idx="23">
+                  <c:v>5</c:v>
+                </c:pt>
+                <c:pt idx="24">
+                  <c:v>4</c:v>
+                </c:pt>
+                <c:pt idx="25">
+                  <c:v>3</c:v>
+                </c:pt>
+                <c:pt idx="26">
+                  <c:v>2</c:v>
+                </c:pt>
+                <c:pt idx="27">
+                  <c:v>1</c:v>
+                </c:pt>
+              </c:numCache>
+            </c:numRef>
+          </c:xVal>
+          <c:yVal>
+            <c:numRef>
+              <c:f>sum!$B$1:$B$28</c:f>
+              <c:numCache>
+                <c:formatCode>General</c:formatCode>
+                <c:ptCount val="28"/>
+                <c:pt idx="0">
+                  <c:v>1</c:v>
+                </c:pt>
+                <c:pt idx="1">
+                  <c:v>1</c:v>
+                </c:pt>
+                <c:pt idx="2">
+                  <c:v>1</c:v>
+                </c:pt>
+                <c:pt idx="3">
+                  <c:v>1</c:v>
+                </c:pt>
+                <c:pt idx="4">
+                  <c:v>1</c:v>
+                </c:pt>
+                <c:pt idx="5">
+                  <c:v>1</c:v>
+                </c:pt>
+                <c:pt idx="6">
+                  <c:v>1</c:v>
+                </c:pt>
+                <c:pt idx="7">
+                  <c:v>1</c:v>
+                </c:pt>
+                <c:pt idx="8">
+                  <c:v>1</c:v>
+                </c:pt>
+                <c:pt idx="9">
+                  <c:v>1</c:v>
+                </c:pt>
+                <c:pt idx="10">
+                  <c:v>1</c:v>
+                </c:pt>
+                <c:pt idx="11">
+                  <c:v>1</c:v>
+                </c:pt>
+                <c:pt idx="12">
+                  <c:v>1</c:v>
+                </c:pt>
+                <c:pt idx="13">
+                  <c:v>1</c:v>
+                </c:pt>
+                <c:pt idx="14">
+                  <c:v>1</c:v>
+                </c:pt>
+                <c:pt idx="15">
+                  <c:v>1</c:v>
+                </c:pt>
+                <c:pt idx="16">
+                  <c:v>1</c:v>
+                </c:pt>
+                <c:pt idx="17">
+                  <c:v>1</c:v>
+                </c:pt>
+                <c:pt idx="18">
+                  <c:v>1</c:v>
+                </c:pt>
+                <c:pt idx="19">
+                  <c:v>1</c:v>
+                </c:pt>
+                <c:pt idx="20">
+                  <c:v>1</c:v>
+                </c:pt>
+                <c:pt idx="21">
+                  <c:v>1</c:v>
+                </c:pt>
+                <c:pt idx="22">
+                  <c:v>1</c:v>
+                </c:pt>
+                <c:pt idx="23">
+                  <c:v>1</c:v>
+                </c:pt>
+                <c:pt idx="24">
+                  <c:v>1</c:v>
+                </c:pt>
+                <c:pt idx="25">
+                  <c:v>1</c:v>
+                </c:pt>
+                <c:pt idx="26">
+                  <c:v>1</c:v>
+                </c:pt>
+                <c:pt idx="27">
+                  <c:v>1</c:v>
+                </c:pt>
+              </c:numCache>
+            </c:numRef>
+          </c:yVal>
+          <c:smooth val="0"/>
+          <c:extLst>
+            <c:ext xmlns:c16="http://schemas.microsoft.com/office/drawing/2014/chart" uri="{C3380CC4-5D6E-409C-BE32-E72D297353CC}">
+              <c16:uniqueId val="{00000000-F385-4994-92D3-6FA389E9907C}"/>
+            </c:ext>
+          </c:extLst>
+        </c:ser>
+        <c:ser>
+          <c:idx val="1"/>
+          <c:order val="1"/>
+          <c:spPr>
+            <a:ln w="19050" cap="rnd">
+              <a:solidFill>
+                <a:schemeClr val="accent2"/>
+              </a:solidFill>
+              <a:round/>
+            </a:ln>
+            <a:effectLst/>
+          </c:spPr>
+          <c:marker>
+            <c:symbol val="circle"/>
+            <c:size val="5"/>
+            <c:spPr>
+              <a:solidFill>
+                <a:schemeClr val="accent2"/>
+              </a:solidFill>
+              <a:ln w="9525">
+                <a:solidFill>
+                  <a:schemeClr val="accent2"/>
+                </a:solidFill>
+              </a:ln>
+              <a:effectLst/>
+            </c:spPr>
+          </c:marker>
+          <c:xVal>
+            <c:numRef>
+              <c:f>sum!$A$1:$A$28</c:f>
+              <c:numCache>
+                <c:formatCode>General</c:formatCode>
+                <c:ptCount val="28"/>
+                <c:pt idx="0">
+                  <c:v>3827</c:v>
+                </c:pt>
+                <c:pt idx="1">
+                  <c:v>1000</c:v>
+                </c:pt>
+                <c:pt idx="2">
+                  <c:v>800</c:v>
+                </c:pt>
+                <c:pt idx="3">
+                  <c:v>640</c:v>
+                </c:pt>
+                <c:pt idx="4">
+                  <c:v>512</c:v>
+                </c:pt>
+                <c:pt idx="5">
+                  <c:v>409</c:v>
+                </c:pt>
+                <c:pt idx="6">
+                  <c:v>327</c:v>
+                </c:pt>
+                <c:pt idx="7">
+                  <c:v>261</c:v>
+                </c:pt>
+                <c:pt idx="8">
+                  <c:v>208</c:v>
+                </c:pt>
+                <c:pt idx="9">
+                  <c:v>166</c:v>
+                </c:pt>
+                <c:pt idx="10">
+                  <c:v>132</c:v>
+                </c:pt>
+                <c:pt idx="11">
+                  <c:v>105</c:v>
+                </c:pt>
+                <c:pt idx="12">
+                  <c:v>84</c:v>
+                </c:pt>
+                <c:pt idx="13">
+                  <c:v>67</c:v>
+                </c:pt>
+                <c:pt idx="14">
+                  <c:v>53</c:v>
+                </c:pt>
+                <c:pt idx="15">
+                  <c:v>42</c:v>
+                </c:pt>
+                <c:pt idx="16">
+                  <c:v>33</c:v>
+                </c:pt>
+                <c:pt idx="17">
+                  <c:v>26</c:v>
+                </c:pt>
+                <c:pt idx="18">
+                  <c:v>20</c:v>
+                </c:pt>
+                <c:pt idx="19">
+                  <c:v>16</c:v>
+                </c:pt>
+                <c:pt idx="20">
+                  <c:v>12</c:v>
+                </c:pt>
+                <c:pt idx="21">
+                  <c:v>9</c:v>
+                </c:pt>
+                <c:pt idx="22">
+                  <c:v>7</c:v>
+                </c:pt>
+                <c:pt idx="23">
+                  <c:v>5</c:v>
+                </c:pt>
+                <c:pt idx="24">
+                  <c:v>4</c:v>
+                </c:pt>
+                <c:pt idx="25">
+                  <c:v>3</c:v>
+                </c:pt>
+                <c:pt idx="26">
+                  <c:v>2</c:v>
+                </c:pt>
+                <c:pt idx="27">
+                  <c:v>1</c:v>
+                </c:pt>
+              </c:numCache>
+            </c:numRef>
+          </c:xVal>
+          <c:yVal>
+            <c:numRef>
+              <c:f>sum!$C$1:$C$28</c:f>
+              <c:numCache>
+                <c:formatCode>General</c:formatCode>
+                <c:ptCount val="28"/>
+                <c:pt idx="0">
+                  <c:v>1</c:v>
+                </c:pt>
+                <c:pt idx="1">
+                  <c:v>1</c:v>
+                </c:pt>
+                <c:pt idx="2">
+                  <c:v>1</c:v>
+                </c:pt>
+                <c:pt idx="3">
+                  <c:v>1</c:v>
+                </c:pt>
+                <c:pt idx="4">
+                  <c:v>1</c:v>
+                </c:pt>
+                <c:pt idx="5">
+                  <c:v>1</c:v>
+                </c:pt>
+                <c:pt idx="6">
+                  <c:v>1</c:v>
+                </c:pt>
+                <c:pt idx="7">
+                  <c:v>1</c:v>
+                </c:pt>
+                <c:pt idx="8">
+                  <c:v>1</c:v>
+                </c:pt>
+                <c:pt idx="9">
+                  <c:v>1</c:v>
+                </c:pt>
+                <c:pt idx="10">
+                  <c:v>1</c:v>
+                </c:pt>
+                <c:pt idx="11">
+                  <c:v>1</c:v>
+                </c:pt>
+                <c:pt idx="12">
+                  <c:v>1</c:v>
+                </c:pt>
+                <c:pt idx="13">
+                  <c:v>1</c:v>
+                </c:pt>
+                <c:pt idx="14">
+                  <c:v>1</c:v>
+                </c:pt>
+                <c:pt idx="15">
+                  <c:v>1</c:v>
+                </c:pt>
+                <c:pt idx="16">
+                  <c:v>1</c:v>
+                </c:pt>
+                <c:pt idx="17">
+                  <c:v>1</c:v>
+                </c:pt>
+                <c:pt idx="18">
+                  <c:v>1</c:v>
+                </c:pt>
+                <c:pt idx="19">
+                  <c:v>1</c:v>
+                </c:pt>
+                <c:pt idx="20">
+                  <c:v>1</c:v>
+                </c:pt>
+                <c:pt idx="21">
+                  <c:v>1</c:v>
+                </c:pt>
+                <c:pt idx="22">
+                  <c:v>1</c:v>
+                </c:pt>
+                <c:pt idx="23">
+                  <c:v>1</c:v>
+                </c:pt>
+                <c:pt idx="24">
+                  <c:v>1</c:v>
+                </c:pt>
+                <c:pt idx="25">
+                  <c:v>1</c:v>
+                </c:pt>
+                <c:pt idx="26">
+                  <c:v>1</c:v>
+                </c:pt>
+                <c:pt idx="27">
+                  <c:v>1</c:v>
+                </c:pt>
+              </c:numCache>
+            </c:numRef>
+          </c:yVal>
+          <c:smooth val="0"/>
+          <c:extLst>
+            <c:ext xmlns:c16="http://schemas.microsoft.com/office/drawing/2014/chart" uri="{C3380CC4-5D6E-409C-BE32-E72D297353CC}">
+              <c16:uniqueId val="{00000001-F385-4994-92D3-6FA389E9907C}"/>
+            </c:ext>
+          </c:extLst>
+        </c:ser>
+        <c:ser>
+          <c:idx val="2"/>
+          <c:order val="2"/>
+          <c:spPr>
+            <a:ln w="19050" cap="rnd">
+              <a:solidFill>
+                <a:schemeClr val="accent3"/>
+              </a:solidFill>
+              <a:round/>
+            </a:ln>
+            <a:effectLst/>
+          </c:spPr>
+          <c:marker>
+            <c:symbol val="circle"/>
+            <c:size val="5"/>
+            <c:spPr>
+              <a:solidFill>
+                <a:schemeClr val="accent3"/>
+              </a:solidFill>
+              <a:ln w="9525">
+                <a:solidFill>
+                  <a:schemeClr val="accent3"/>
+                </a:solidFill>
+              </a:ln>
+              <a:effectLst/>
+            </c:spPr>
+          </c:marker>
+          <c:xVal>
+            <c:numRef>
+              <c:f>sum!$A$1:$A$28</c:f>
+              <c:numCache>
+                <c:formatCode>General</c:formatCode>
+                <c:ptCount val="28"/>
+                <c:pt idx="0">
+                  <c:v>3827</c:v>
+                </c:pt>
+                <c:pt idx="1">
+                  <c:v>1000</c:v>
+                </c:pt>
+                <c:pt idx="2">
+                  <c:v>800</c:v>
+                </c:pt>
+                <c:pt idx="3">
+                  <c:v>640</c:v>
+                </c:pt>
+                <c:pt idx="4">
+                  <c:v>512</c:v>
+                </c:pt>
+                <c:pt idx="5">
+                  <c:v>409</c:v>
+                </c:pt>
+                <c:pt idx="6">
+                  <c:v>327</c:v>
+                </c:pt>
+                <c:pt idx="7">
+                  <c:v>261</c:v>
+                </c:pt>
+                <c:pt idx="8">
+                  <c:v>208</c:v>
+                </c:pt>
+                <c:pt idx="9">
+                  <c:v>166</c:v>
+                </c:pt>
+                <c:pt idx="10">
+                  <c:v>132</c:v>
+                </c:pt>
+                <c:pt idx="11">
+                  <c:v>105</c:v>
+                </c:pt>
+                <c:pt idx="12">
+                  <c:v>84</c:v>
+                </c:pt>
+                <c:pt idx="13">
+                  <c:v>67</c:v>
+                </c:pt>
+                <c:pt idx="14">
+                  <c:v>53</c:v>
+                </c:pt>
+                <c:pt idx="15">
+                  <c:v>42</c:v>
+                </c:pt>
+                <c:pt idx="16">
+                  <c:v>33</c:v>
+                </c:pt>
+                <c:pt idx="17">
+                  <c:v>26</c:v>
+                </c:pt>
+                <c:pt idx="18">
+                  <c:v>20</c:v>
+                </c:pt>
+                <c:pt idx="19">
+                  <c:v>16</c:v>
+                </c:pt>
+                <c:pt idx="20">
+                  <c:v>12</c:v>
+                </c:pt>
+                <c:pt idx="21">
+                  <c:v>9</c:v>
+                </c:pt>
+                <c:pt idx="22">
+                  <c:v>7</c:v>
+                </c:pt>
+                <c:pt idx="23">
+                  <c:v>5</c:v>
+                </c:pt>
+                <c:pt idx="24">
+                  <c:v>4</c:v>
+                </c:pt>
+                <c:pt idx="25">
+                  <c:v>3</c:v>
+                </c:pt>
+                <c:pt idx="26">
+                  <c:v>2</c:v>
+                </c:pt>
+                <c:pt idx="27">
+                  <c:v>1</c:v>
+                </c:pt>
+              </c:numCache>
+            </c:numRef>
+          </c:xVal>
+          <c:yVal>
+            <c:numRef>
+              <c:f>sum!$D$1:$D$28</c:f>
+              <c:numCache>
+                <c:formatCode>General</c:formatCode>
+                <c:ptCount val="28"/>
+                <c:pt idx="0">
+                  <c:v>1</c:v>
+                </c:pt>
+                <c:pt idx="1">
+                  <c:v>1</c:v>
+                </c:pt>
+                <c:pt idx="2">
+                  <c:v>1</c:v>
+                </c:pt>
+                <c:pt idx="3">
+                  <c:v>1</c:v>
+                </c:pt>
+                <c:pt idx="4">
+                  <c:v>1</c:v>
+                </c:pt>
+                <c:pt idx="5">
+                  <c:v>1</c:v>
+                </c:pt>
+                <c:pt idx="6">
+                  <c:v>1</c:v>
+                </c:pt>
+                <c:pt idx="7">
+                  <c:v>1</c:v>
+                </c:pt>
+                <c:pt idx="8">
+                  <c:v>1</c:v>
+                </c:pt>
+                <c:pt idx="9">
+                  <c:v>1</c:v>
+                </c:pt>
+                <c:pt idx="10">
+                  <c:v>1</c:v>
+                </c:pt>
+                <c:pt idx="11">
+                  <c:v>1</c:v>
+                </c:pt>
+                <c:pt idx="12">
+                  <c:v>1</c:v>
+                </c:pt>
+                <c:pt idx="13">
+                  <c:v>1</c:v>
+                </c:pt>
+                <c:pt idx="14">
+                  <c:v>1</c:v>
+                </c:pt>
+                <c:pt idx="15">
+                  <c:v>1</c:v>
+                </c:pt>
+                <c:pt idx="16">
+                  <c:v>1</c:v>
+                </c:pt>
+                <c:pt idx="17">
+                  <c:v>1</c:v>
+                </c:pt>
+                <c:pt idx="18">
+                  <c:v>1</c:v>
+                </c:pt>
+                <c:pt idx="19">
+                  <c:v>1</c:v>
+                </c:pt>
+                <c:pt idx="20">
+                  <c:v>1</c:v>
+                </c:pt>
+                <c:pt idx="21">
+                  <c:v>1</c:v>
+                </c:pt>
+                <c:pt idx="22">
+                  <c:v>1</c:v>
+                </c:pt>
+                <c:pt idx="23">
+                  <c:v>1</c:v>
+                </c:pt>
+                <c:pt idx="24">
+                  <c:v>1</c:v>
+                </c:pt>
+                <c:pt idx="25">
+                  <c:v>1</c:v>
+                </c:pt>
+                <c:pt idx="26">
+                  <c:v>1</c:v>
+                </c:pt>
+                <c:pt idx="27">
+                  <c:v>1</c:v>
+                </c:pt>
+              </c:numCache>
+            </c:numRef>
+          </c:yVal>
+          <c:smooth val="0"/>
+          <c:extLst>
+            <c:ext xmlns:c16="http://schemas.microsoft.com/office/drawing/2014/chart" uri="{C3380CC4-5D6E-409C-BE32-E72D297353CC}">
+              <c16:uniqueId val="{00000002-F385-4994-92D3-6FA389E9907C}"/>
+            </c:ext>
+          </c:extLst>
+        </c:ser>
+        <c:ser>
+          <c:idx val="3"/>
+          <c:order val="3"/>
+          <c:spPr>
+            <a:ln w="19050" cap="rnd">
+              <a:solidFill>
+                <a:schemeClr val="accent4"/>
+              </a:solidFill>
+              <a:round/>
+            </a:ln>
+            <a:effectLst/>
+          </c:spPr>
+          <c:marker>
+            <c:symbol val="circle"/>
+            <c:size val="5"/>
+            <c:spPr>
+              <a:solidFill>
+                <a:schemeClr val="accent4"/>
+              </a:solidFill>
+              <a:ln w="9525">
+                <a:solidFill>
+                  <a:schemeClr val="accent4"/>
+                </a:solidFill>
+              </a:ln>
+              <a:effectLst/>
+            </c:spPr>
+          </c:marker>
+          <c:xVal>
+            <c:numRef>
+              <c:f>sum!$A$1:$A$28</c:f>
+              <c:numCache>
+                <c:formatCode>General</c:formatCode>
+                <c:ptCount val="28"/>
+                <c:pt idx="0">
+                  <c:v>3827</c:v>
+                </c:pt>
+                <c:pt idx="1">
+                  <c:v>1000</c:v>
+                </c:pt>
+                <c:pt idx="2">
+                  <c:v>800</c:v>
+                </c:pt>
+                <c:pt idx="3">
+                  <c:v>640</c:v>
+                </c:pt>
+                <c:pt idx="4">
+                  <c:v>512</c:v>
+                </c:pt>
+                <c:pt idx="5">
+                  <c:v>409</c:v>
+                </c:pt>
+                <c:pt idx="6">
+                  <c:v>327</c:v>
+                </c:pt>
+                <c:pt idx="7">
+                  <c:v>261</c:v>
+                </c:pt>
+                <c:pt idx="8">
+                  <c:v>208</c:v>
+                </c:pt>
+                <c:pt idx="9">
+                  <c:v>166</c:v>
+                </c:pt>
+                <c:pt idx="10">
+                  <c:v>132</c:v>
+                </c:pt>
+                <c:pt idx="11">
+                  <c:v>105</c:v>
+                </c:pt>
+                <c:pt idx="12">
+                  <c:v>84</c:v>
+                </c:pt>
+                <c:pt idx="13">
+                  <c:v>67</c:v>
+                </c:pt>
+                <c:pt idx="14">
+                  <c:v>53</c:v>
+                </c:pt>
+                <c:pt idx="15">
+                  <c:v>42</c:v>
+                </c:pt>
+                <c:pt idx="16">
+                  <c:v>33</c:v>
+                </c:pt>
+                <c:pt idx="17">
+                  <c:v>26</c:v>
+                </c:pt>
+                <c:pt idx="18">
+                  <c:v>20</c:v>
+                </c:pt>
+                <c:pt idx="19">
+                  <c:v>16</c:v>
+                </c:pt>
+                <c:pt idx="20">
+                  <c:v>12</c:v>
+                </c:pt>
+                <c:pt idx="21">
+                  <c:v>9</c:v>
+                </c:pt>
+                <c:pt idx="22">
+                  <c:v>7</c:v>
+                </c:pt>
+                <c:pt idx="23">
+                  <c:v>5</c:v>
+                </c:pt>
+                <c:pt idx="24">
+                  <c:v>4</c:v>
+                </c:pt>
+                <c:pt idx="25">
+                  <c:v>3</c:v>
+                </c:pt>
+                <c:pt idx="26">
+                  <c:v>2</c:v>
+                </c:pt>
+                <c:pt idx="27">
+                  <c:v>1</c:v>
+                </c:pt>
+              </c:numCache>
+            </c:numRef>
+          </c:xVal>
+          <c:yVal>
+            <c:numRef>
+              <c:f>sum!$E$1:$E$28</c:f>
+              <c:numCache>
+                <c:formatCode>General</c:formatCode>
+                <c:ptCount val="28"/>
+                <c:pt idx="0">
+                  <c:v>1</c:v>
+                </c:pt>
+                <c:pt idx="1">
+                  <c:v>1</c:v>
+                </c:pt>
+                <c:pt idx="2">
+                  <c:v>1</c:v>
+                </c:pt>
+                <c:pt idx="3">
+                  <c:v>1</c:v>
+                </c:pt>
+                <c:pt idx="4">
+                  <c:v>1</c:v>
+                </c:pt>
+                <c:pt idx="5">
+                  <c:v>1</c:v>
+                </c:pt>
+                <c:pt idx="6">
+                  <c:v>1</c:v>
+                </c:pt>
+                <c:pt idx="7">
+                  <c:v>1</c:v>
+                </c:pt>
+                <c:pt idx="8">
+                  <c:v>1</c:v>
+                </c:pt>
+                <c:pt idx="9">
+                  <c:v>1</c:v>
+                </c:pt>
+                <c:pt idx="10">
+                  <c:v>1</c:v>
+                </c:pt>
+                <c:pt idx="11">
+                  <c:v>1</c:v>
+                </c:pt>
+                <c:pt idx="12">
+                  <c:v>1</c:v>
+                </c:pt>
+                <c:pt idx="13">
+                  <c:v>1</c:v>
+                </c:pt>
+                <c:pt idx="14">
+                  <c:v>1</c:v>
+                </c:pt>
+                <c:pt idx="15">
+                  <c:v>1</c:v>
+                </c:pt>
+                <c:pt idx="16">
+                  <c:v>1</c:v>
+                </c:pt>
+                <c:pt idx="17">
+                  <c:v>1</c:v>
+                </c:pt>
+                <c:pt idx="18">
+                  <c:v>1</c:v>
+                </c:pt>
+                <c:pt idx="19">
+                  <c:v>1</c:v>
+                </c:pt>
+                <c:pt idx="20">
+                  <c:v>1</c:v>
+                </c:pt>
+                <c:pt idx="21">
+                  <c:v>1</c:v>
+                </c:pt>
+                <c:pt idx="22">
+                  <c:v>1</c:v>
+                </c:pt>
+                <c:pt idx="23">
+                  <c:v>1</c:v>
+                </c:pt>
+                <c:pt idx="24">
+                  <c:v>1</c:v>
+                </c:pt>
+                <c:pt idx="25">
+                  <c:v>1</c:v>
+                </c:pt>
+                <c:pt idx="26">
+                  <c:v>1</c:v>
+                </c:pt>
+                <c:pt idx="27">
+                  <c:v>1</c:v>
+                </c:pt>
+              </c:numCache>
+            </c:numRef>
+          </c:yVal>
+          <c:smooth val="0"/>
+          <c:extLst>
+            <c:ext xmlns:c16="http://schemas.microsoft.com/office/drawing/2014/chart" uri="{C3380CC4-5D6E-409C-BE32-E72D297353CC}">
+              <c16:uniqueId val="{00000003-F385-4994-92D3-6FA389E9907C}"/>
+            </c:ext>
+          </c:extLst>
+        </c:ser>
+        <c:ser>
+          <c:idx val="4"/>
+          <c:order val="4"/>
+          <c:spPr>
+            <a:ln w="19050" cap="rnd">
+              <a:solidFill>
+                <a:schemeClr val="accent5"/>
+              </a:solidFill>
+              <a:round/>
+            </a:ln>
+            <a:effectLst/>
+          </c:spPr>
+          <c:marker>
+            <c:symbol val="circle"/>
+            <c:size val="5"/>
+            <c:spPr>
+              <a:solidFill>
+                <a:schemeClr val="accent5"/>
+              </a:solidFill>
+              <a:ln w="9525">
+                <a:solidFill>
+                  <a:schemeClr val="accent5"/>
+                </a:solidFill>
+              </a:ln>
+              <a:effectLst/>
+            </c:spPr>
+          </c:marker>
+          <c:xVal>
+            <c:numRef>
+              <c:f>sum!$A$1:$A$28</c:f>
+              <c:numCache>
+                <c:formatCode>General</c:formatCode>
+                <c:ptCount val="28"/>
+                <c:pt idx="0">
+                  <c:v>3827</c:v>
+                </c:pt>
+                <c:pt idx="1">
+                  <c:v>1000</c:v>
+                </c:pt>
+                <c:pt idx="2">
+                  <c:v>800</c:v>
+                </c:pt>
+                <c:pt idx="3">
+                  <c:v>640</c:v>
+                </c:pt>
+                <c:pt idx="4">
+                  <c:v>512</c:v>
+                </c:pt>
+                <c:pt idx="5">
+                  <c:v>409</c:v>
+                </c:pt>
+                <c:pt idx="6">
+                  <c:v>327</c:v>
+                </c:pt>
+                <c:pt idx="7">
+                  <c:v>261</c:v>
+                </c:pt>
+                <c:pt idx="8">
+                  <c:v>208</c:v>
+                </c:pt>
+                <c:pt idx="9">
+                  <c:v>166</c:v>
+                </c:pt>
+                <c:pt idx="10">
+                  <c:v>132</c:v>
+                </c:pt>
+                <c:pt idx="11">
+                  <c:v>105</c:v>
+                </c:pt>
+                <c:pt idx="12">
+                  <c:v>84</c:v>
+                </c:pt>
+                <c:pt idx="13">
+                  <c:v>67</c:v>
+                </c:pt>
+                <c:pt idx="14">
+                  <c:v>53</c:v>
+                </c:pt>
+                <c:pt idx="15">
+                  <c:v>42</c:v>
+                </c:pt>
+                <c:pt idx="16">
+                  <c:v>33</c:v>
+                </c:pt>
+                <c:pt idx="17">
+                  <c:v>26</c:v>
+                </c:pt>
+                <c:pt idx="18">
+                  <c:v>20</c:v>
+                </c:pt>
+                <c:pt idx="19">
+                  <c:v>16</c:v>
+                </c:pt>
+                <c:pt idx="20">
+                  <c:v>12</c:v>
+                </c:pt>
+                <c:pt idx="21">
+                  <c:v>9</c:v>
+                </c:pt>
+                <c:pt idx="22">
+                  <c:v>7</c:v>
+                </c:pt>
+                <c:pt idx="23">
+                  <c:v>5</c:v>
+                </c:pt>
+                <c:pt idx="24">
+                  <c:v>4</c:v>
+                </c:pt>
+                <c:pt idx="25">
+                  <c:v>3</c:v>
+                </c:pt>
+                <c:pt idx="26">
+                  <c:v>2</c:v>
+                </c:pt>
+                <c:pt idx="27">
+                  <c:v>1</c:v>
+                </c:pt>
+              </c:numCache>
+            </c:numRef>
+          </c:xVal>
+          <c:yVal>
+            <c:numRef>
+              <c:f>sum!$F$1:$F$28</c:f>
+              <c:numCache>
+                <c:formatCode>General</c:formatCode>
+                <c:ptCount val="28"/>
+                <c:pt idx="0">
+                  <c:v>1</c:v>
+                </c:pt>
+                <c:pt idx="1">
+                  <c:v>1</c:v>
+                </c:pt>
+                <c:pt idx="2">
+                  <c:v>1</c:v>
+                </c:pt>
+                <c:pt idx="3">
+                  <c:v>1</c:v>
+                </c:pt>
+                <c:pt idx="4">
+                  <c:v>1</c:v>
+                </c:pt>
+                <c:pt idx="5">
+                  <c:v>1</c:v>
+                </c:pt>
+                <c:pt idx="6">
+                  <c:v>1</c:v>
+                </c:pt>
+                <c:pt idx="7">
+                  <c:v>1</c:v>
+                </c:pt>
+                <c:pt idx="8">
+                  <c:v>1</c:v>
+                </c:pt>
+                <c:pt idx="9">
+                  <c:v>1</c:v>
+                </c:pt>
+                <c:pt idx="10">
+                  <c:v>1</c:v>
+                </c:pt>
+                <c:pt idx="11">
+                  <c:v>1</c:v>
+                </c:pt>
+                <c:pt idx="12">
+                  <c:v>1</c:v>
+                </c:pt>
+                <c:pt idx="13">
+                  <c:v>1</c:v>
+                </c:pt>
+                <c:pt idx="14">
+                  <c:v>1</c:v>
+                </c:pt>
+                <c:pt idx="15">
+                  <c:v>1</c:v>
+                </c:pt>
+                <c:pt idx="16">
+                  <c:v>1</c:v>
+                </c:pt>
+                <c:pt idx="17">
+                  <c:v>1</c:v>
+                </c:pt>
+                <c:pt idx="18">
+                  <c:v>1</c:v>
+                </c:pt>
+                <c:pt idx="19">
+                  <c:v>1</c:v>
+                </c:pt>
+                <c:pt idx="20">
+                  <c:v>1</c:v>
+                </c:pt>
+                <c:pt idx="21">
+                  <c:v>1</c:v>
+                </c:pt>
+                <c:pt idx="22">
+                  <c:v>1</c:v>
+                </c:pt>
+                <c:pt idx="23">
+                  <c:v>1</c:v>
+                </c:pt>
+                <c:pt idx="24">
+                  <c:v>1</c:v>
+                </c:pt>
+                <c:pt idx="25">
+                  <c:v>1</c:v>
+                </c:pt>
+                <c:pt idx="26">
+                  <c:v>1</c:v>
+                </c:pt>
+                <c:pt idx="27">
+                  <c:v>1</c:v>
+                </c:pt>
+              </c:numCache>
+            </c:numRef>
+          </c:yVal>
+          <c:smooth val="0"/>
+          <c:extLst>
+            <c:ext xmlns:c16="http://schemas.microsoft.com/office/drawing/2014/chart" uri="{C3380CC4-5D6E-409C-BE32-E72D297353CC}">
+              <c16:uniqueId val="{00000004-F385-4994-92D3-6FA389E9907C}"/>
+            </c:ext>
+          </c:extLst>
+        </c:ser>
+        <c:ser>
+          <c:idx val="5"/>
+          <c:order val="5"/>
+          <c:spPr>
+            <a:ln w="19050" cap="rnd">
+              <a:solidFill>
+                <a:schemeClr val="accent6"/>
+              </a:solidFill>
+              <a:round/>
+            </a:ln>
+            <a:effectLst/>
+          </c:spPr>
+          <c:marker>
+            <c:symbol val="circle"/>
+            <c:size val="5"/>
+            <c:spPr>
+              <a:solidFill>
+                <a:schemeClr val="accent6"/>
+              </a:solidFill>
+              <a:ln w="9525">
+                <a:solidFill>
+                  <a:schemeClr val="accent6"/>
+                </a:solidFill>
+              </a:ln>
+              <a:effectLst/>
+            </c:spPr>
+          </c:marker>
+          <c:xVal>
+            <c:numRef>
+              <c:f>sum!$A$1:$A$28</c:f>
+              <c:numCache>
+                <c:formatCode>General</c:formatCode>
+                <c:ptCount val="28"/>
+                <c:pt idx="0">
+                  <c:v>3827</c:v>
+                </c:pt>
+                <c:pt idx="1">
+                  <c:v>1000</c:v>
+                </c:pt>
+                <c:pt idx="2">
+                  <c:v>800</c:v>
+                </c:pt>
+                <c:pt idx="3">
+                  <c:v>640</c:v>
+                </c:pt>
+                <c:pt idx="4">
+                  <c:v>512</c:v>
+                </c:pt>
+                <c:pt idx="5">
+                  <c:v>409</c:v>
+                </c:pt>
+                <c:pt idx="6">
+                  <c:v>327</c:v>
+                </c:pt>
+                <c:pt idx="7">
+                  <c:v>261</c:v>
+                </c:pt>
+                <c:pt idx="8">
+                  <c:v>208</c:v>
+                </c:pt>
+                <c:pt idx="9">
+                  <c:v>166</c:v>
+                </c:pt>
+                <c:pt idx="10">
+                  <c:v>132</c:v>
+                </c:pt>
+                <c:pt idx="11">
+                  <c:v>105</c:v>
+                </c:pt>
+                <c:pt idx="12">
+                  <c:v>84</c:v>
+                </c:pt>
+                <c:pt idx="13">
+                  <c:v>67</c:v>
+                </c:pt>
+                <c:pt idx="14">
+                  <c:v>53</c:v>
+                </c:pt>
+                <c:pt idx="15">
+                  <c:v>42</c:v>
+                </c:pt>
+                <c:pt idx="16">
+                  <c:v>33</c:v>
+                </c:pt>
+                <c:pt idx="17">
+                  <c:v>26</c:v>
+                </c:pt>
+                <c:pt idx="18">
+                  <c:v>20</c:v>
+                </c:pt>
+                <c:pt idx="19">
+                  <c:v>16</c:v>
+                </c:pt>
+                <c:pt idx="20">
+                  <c:v>12</c:v>
+                </c:pt>
+                <c:pt idx="21">
+                  <c:v>9</c:v>
+                </c:pt>
+                <c:pt idx="22">
+                  <c:v>7</c:v>
+                </c:pt>
+                <c:pt idx="23">
+                  <c:v>5</c:v>
+                </c:pt>
+                <c:pt idx="24">
+                  <c:v>4</c:v>
+                </c:pt>
+                <c:pt idx="25">
+                  <c:v>3</c:v>
+                </c:pt>
+                <c:pt idx="26">
+                  <c:v>2</c:v>
+                </c:pt>
+                <c:pt idx="27">
+                  <c:v>1</c:v>
+                </c:pt>
+              </c:numCache>
+            </c:numRef>
+          </c:xVal>
+          <c:yVal>
+            <c:numRef>
+              <c:f>sum!$G$1:$G$28</c:f>
+              <c:numCache>
+                <c:formatCode>General</c:formatCode>
+                <c:ptCount val="28"/>
+                <c:pt idx="0">
+                  <c:v>1</c:v>
+                </c:pt>
+                <c:pt idx="1">
+                  <c:v>1</c:v>
+                </c:pt>
+                <c:pt idx="2">
+                  <c:v>1</c:v>
+                </c:pt>
+                <c:pt idx="3">
+                  <c:v>1</c:v>
+                </c:pt>
+                <c:pt idx="4">
+                  <c:v>1</c:v>
+                </c:pt>
+                <c:pt idx="5">
+                  <c:v>0.99997499999999995</c:v>
+                </c:pt>
+                <c:pt idx="6">
+                  <c:v>1</c:v>
+                </c:pt>
+                <c:pt idx="7">
+                  <c:v>1</c:v>
+                </c:pt>
+                <c:pt idx="8">
+                  <c:v>1</c:v>
+                </c:pt>
+                <c:pt idx="9">
+                  <c:v>1</c:v>
+                </c:pt>
+                <c:pt idx="10">
+                  <c:v>1</c:v>
+                </c:pt>
+                <c:pt idx="11">
+                  <c:v>1</c:v>
+                </c:pt>
+                <c:pt idx="12">
+                  <c:v>1</c:v>
+                </c:pt>
+                <c:pt idx="13">
+                  <c:v>1</c:v>
+                </c:pt>
+                <c:pt idx="14">
+                  <c:v>1</c:v>
+                </c:pt>
+                <c:pt idx="15">
+                  <c:v>1</c:v>
+                </c:pt>
+                <c:pt idx="16">
+                  <c:v>1</c:v>
+                </c:pt>
+                <c:pt idx="17">
+                  <c:v>1</c:v>
+                </c:pt>
+                <c:pt idx="18">
+                  <c:v>1</c:v>
+                </c:pt>
+                <c:pt idx="19">
+                  <c:v>1</c:v>
+                </c:pt>
+                <c:pt idx="20">
+                  <c:v>1</c:v>
+                </c:pt>
+                <c:pt idx="21">
+                  <c:v>1</c:v>
+                </c:pt>
+                <c:pt idx="22">
+                  <c:v>1</c:v>
+                </c:pt>
+                <c:pt idx="23">
+                  <c:v>1</c:v>
+                </c:pt>
+                <c:pt idx="24">
+                  <c:v>1</c:v>
+                </c:pt>
+                <c:pt idx="25">
+                  <c:v>1</c:v>
+                </c:pt>
+                <c:pt idx="26">
+                  <c:v>1</c:v>
+                </c:pt>
+                <c:pt idx="27">
+                  <c:v>1</c:v>
+                </c:pt>
+              </c:numCache>
+            </c:numRef>
+          </c:yVal>
+          <c:smooth val="0"/>
+          <c:extLst>
+            <c:ext xmlns:c16="http://schemas.microsoft.com/office/drawing/2014/chart" uri="{C3380CC4-5D6E-409C-BE32-E72D297353CC}">
+              <c16:uniqueId val="{00000005-F385-4994-92D3-6FA389E9907C}"/>
+            </c:ext>
+          </c:extLst>
+        </c:ser>
+        <c:ser>
+          <c:idx val="6"/>
+          <c:order val="6"/>
+          <c:spPr>
+            <a:ln w="19050" cap="rnd">
+              <a:solidFill>
+                <a:schemeClr val="accent1">
+                  <a:lumMod val="60000"/>
+                </a:schemeClr>
+              </a:solidFill>
+              <a:round/>
+            </a:ln>
+            <a:effectLst/>
+          </c:spPr>
+          <c:marker>
+            <c:symbol val="circle"/>
+            <c:size val="5"/>
+            <c:spPr>
+              <a:solidFill>
+                <a:schemeClr val="accent1">
+                  <a:lumMod val="60000"/>
+                </a:schemeClr>
+              </a:solidFill>
+              <a:ln w="9525">
+                <a:solidFill>
+                  <a:schemeClr val="accent1">
+                    <a:lumMod val="60000"/>
+                  </a:schemeClr>
+                </a:solidFill>
+              </a:ln>
+              <a:effectLst/>
+            </c:spPr>
+          </c:marker>
+          <c:xVal>
+            <c:numRef>
+              <c:f>sum!$A$1:$A$28</c:f>
+              <c:numCache>
+                <c:formatCode>General</c:formatCode>
+                <c:ptCount val="28"/>
+                <c:pt idx="0">
+                  <c:v>3827</c:v>
+                </c:pt>
+                <c:pt idx="1">
+                  <c:v>1000</c:v>
+                </c:pt>
+                <c:pt idx="2">
+                  <c:v>800</c:v>
+                </c:pt>
+                <c:pt idx="3">
+                  <c:v>640</c:v>
+                </c:pt>
+                <c:pt idx="4">
+                  <c:v>512</c:v>
+                </c:pt>
+                <c:pt idx="5">
+                  <c:v>409</c:v>
+                </c:pt>
+                <c:pt idx="6">
+                  <c:v>327</c:v>
+                </c:pt>
+                <c:pt idx="7">
+                  <c:v>261</c:v>
+                </c:pt>
+                <c:pt idx="8">
+                  <c:v>208</c:v>
+                </c:pt>
+                <c:pt idx="9">
+                  <c:v>166</c:v>
+                </c:pt>
+                <c:pt idx="10">
+                  <c:v>132</c:v>
+                </c:pt>
+                <c:pt idx="11">
+                  <c:v>105</c:v>
+                </c:pt>
+                <c:pt idx="12">
+                  <c:v>84</c:v>
+                </c:pt>
+                <c:pt idx="13">
+                  <c:v>67</c:v>
+                </c:pt>
+                <c:pt idx="14">
+                  <c:v>53</c:v>
+                </c:pt>
+                <c:pt idx="15">
+                  <c:v>42</c:v>
+                </c:pt>
+                <c:pt idx="16">
+                  <c:v>33</c:v>
+                </c:pt>
+                <c:pt idx="17">
+                  <c:v>26</c:v>
+                </c:pt>
+                <c:pt idx="18">
+                  <c:v>20</c:v>
+                </c:pt>
+                <c:pt idx="19">
+                  <c:v>16</c:v>
+                </c:pt>
+                <c:pt idx="20">
+                  <c:v>12</c:v>
+                </c:pt>
+                <c:pt idx="21">
+                  <c:v>9</c:v>
+                </c:pt>
+                <c:pt idx="22">
+                  <c:v>7</c:v>
+                </c:pt>
+                <c:pt idx="23">
+                  <c:v>5</c:v>
+                </c:pt>
+                <c:pt idx="24">
+                  <c:v>4</c:v>
+                </c:pt>
+                <c:pt idx="25">
+                  <c:v>3</c:v>
+                </c:pt>
+                <c:pt idx="26">
+                  <c:v>2</c:v>
+                </c:pt>
+                <c:pt idx="27">
+                  <c:v>1</c:v>
+                </c:pt>
+              </c:numCache>
+            </c:numRef>
+          </c:xVal>
+          <c:yVal>
+            <c:numRef>
+              <c:f>sum!$H$1:$H$28</c:f>
+              <c:numCache>
+                <c:formatCode>General</c:formatCode>
+                <c:ptCount val="28"/>
+                <c:pt idx="0">
+                  <c:v>1</c:v>
+                </c:pt>
+                <c:pt idx="1">
+                  <c:v>1</c:v>
+                </c:pt>
+                <c:pt idx="2">
+                  <c:v>1</c:v>
+                </c:pt>
+                <c:pt idx="3">
+                  <c:v>1</c:v>
+                </c:pt>
+                <c:pt idx="4">
+                  <c:v>1</c:v>
+                </c:pt>
+                <c:pt idx="5">
+                  <c:v>0.99997499999999995</c:v>
+                </c:pt>
+                <c:pt idx="6">
+                  <c:v>1</c:v>
+                </c:pt>
+                <c:pt idx="7">
+                  <c:v>1</c:v>
+                </c:pt>
+                <c:pt idx="8">
+                  <c:v>1</c:v>
+                </c:pt>
+                <c:pt idx="9">
+                  <c:v>1</c:v>
+                </c:pt>
+                <c:pt idx="10">
+                  <c:v>1</c:v>
+                </c:pt>
+                <c:pt idx="11">
+                  <c:v>1</c:v>
+                </c:pt>
+                <c:pt idx="12">
+                  <c:v>1</c:v>
+                </c:pt>
+                <c:pt idx="13">
+                  <c:v>1</c:v>
+                </c:pt>
+                <c:pt idx="14">
+                  <c:v>1</c:v>
+                </c:pt>
+                <c:pt idx="15">
+                  <c:v>1</c:v>
+                </c:pt>
+                <c:pt idx="16">
+                  <c:v>1</c:v>
+                </c:pt>
+                <c:pt idx="17">
+                  <c:v>1</c:v>
+                </c:pt>
+                <c:pt idx="18">
+                  <c:v>1</c:v>
+                </c:pt>
+                <c:pt idx="19">
+                  <c:v>1</c:v>
+                </c:pt>
+                <c:pt idx="20">
+                  <c:v>1</c:v>
+                </c:pt>
+                <c:pt idx="21">
+                  <c:v>1</c:v>
+                </c:pt>
+                <c:pt idx="22">
+                  <c:v>1</c:v>
+                </c:pt>
+                <c:pt idx="23">
+                  <c:v>1</c:v>
+                </c:pt>
+                <c:pt idx="24">
+                  <c:v>1</c:v>
+                </c:pt>
+                <c:pt idx="25">
+                  <c:v>1</c:v>
+                </c:pt>
+                <c:pt idx="26">
+                  <c:v>1</c:v>
+                </c:pt>
+                <c:pt idx="27">
+                  <c:v>1</c:v>
+                </c:pt>
+              </c:numCache>
+            </c:numRef>
+          </c:yVal>
+          <c:smooth val="0"/>
+          <c:extLst>
+            <c:ext xmlns:c16="http://schemas.microsoft.com/office/drawing/2014/chart" uri="{C3380CC4-5D6E-409C-BE32-E72D297353CC}">
+              <c16:uniqueId val="{00000006-F385-4994-92D3-6FA389E9907C}"/>
+            </c:ext>
+          </c:extLst>
+        </c:ser>
+        <c:ser>
+          <c:idx val="7"/>
+          <c:order val="7"/>
+          <c:spPr>
+            <a:ln w="19050" cap="rnd">
+              <a:solidFill>
+                <a:schemeClr val="accent2">
+                  <a:lumMod val="60000"/>
+                </a:schemeClr>
+              </a:solidFill>
+              <a:round/>
+            </a:ln>
+            <a:effectLst/>
+          </c:spPr>
+          <c:marker>
+            <c:symbol val="circle"/>
+            <c:size val="5"/>
+            <c:spPr>
+              <a:solidFill>
+                <a:schemeClr val="accent2">
+                  <a:lumMod val="60000"/>
+                </a:schemeClr>
+              </a:solidFill>
+              <a:ln w="9525">
+                <a:solidFill>
+                  <a:schemeClr val="accent2">
+                    <a:lumMod val="60000"/>
+                  </a:schemeClr>
+                </a:solidFill>
+              </a:ln>
+              <a:effectLst/>
+            </c:spPr>
+          </c:marker>
+          <c:xVal>
+            <c:numRef>
+              <c:f>sum!$A$1:$A$28</c:f>
+              <c:numCache>
+                <c:formatCode>General</c:formatCode>
+                <c:ptCount val="28"/>
+                <c:pt idx="0">
+                  <c:v>3827</c:v>
+                </c:pt>
+                <c:pt idx="1">
+                  <c:v>1000</c:v>
+                </c:pt>
+                <c:pt idx="2">
+                  <c:v>800</c:v>
+                </c:pt>
+                <c:pt idx="3">
+                  <c:v>640</c:v>
+                </c:pt>
+                <c:pt idx="4">
+                  <c:v>512</c:v>
+                </c:pt>
+                <c:pt idx="5">
+                  <c:v>409</c:v>
+                </c:pt>
+                <c:pt idx="6">
+                  <c:v>327</c:v>
+                </c:pt>
+                <c:pt idx="7">
+                  <c:v>261</c:v>
+                </c:pt>
+                <c:pt idx="8">
+                  <c:v>208</c:v>
+                </c:pt>
+                <c:pt idx="9">
+                  <c:v>166</c:v>
+                </c:pt>
+                <c:pt idx="10">
+                  <c:v>132</c:v>
+                </c:pt>
+                <c:pt idx="11">
+                  <c:v>105</c:v>
+                </c:pt>
+                <c:pt idx="12">
+                  <c:v>84</c:v>
+                </c:pt>
+                <c:pt idx="13">
+                  <c:v>67</c:v>
+                </c:pt>
+                <c:pt idx="14">
+                  <c:v>53</c:v>
+                </c:pt>
+                <c:pt idx="15">
+                  <c:v>42</c:v>
+                </c:pt>
+                <c:pt idx="16">
+                  <c:v>33</c:v>
+                </c:pt>
+                <c:pt idx="17">
+                  <c:v>26</c:v>
+                </c:pt>
+                <c:pt idx="18">
+                  <c:v>20</c:v>
+                </c:pt>
+                <c:pt idx="19">
+                  <c:v>16</c:v>
+                </c:pt>
+                <c:pt idx="20">
+                  <c:v>12</c:v>
+                </c:pt>
+                <c:pt idx="21">
+                  <c:v>9</c:v>
+                </c:pt>
+                <c:pt idx="22">
+                  <c:v>7</c:v>
+                </c:pt>
+                <c:pt idx="23">
+                  <c:v>5</c:v>
+                </c:pt>
+                <c:pt idx="24">
+                  <c:v>4</c:v>
+                </c:pt>
+                <c:pt idx="25">
+                  <c:v>3</c:v>
+                </c:pt>
+                <c:pt idx="26">
+                  <c:v>2</c:v>
+                </c:pt>
+                <c:pt idx="27">
+                  <c:v>1</c:v>
+                </c:pt>
+              </c:numCache>
+            </c:numRef>
+          </c:xVal>
+          <c:yVal>
+            <c:numRef>
+              <c:f>sum!$I$1:$I$28</c:f>
+              <c:numCache>
+                <c:formatCode>General</c:formatCode>
+                <c:ptCount val="28"/>
+                <c:pt idx="0">
+                  <c:v>1</c:v>
+                </c:pt>
+                <c:pt idx="1">
+                  <c:v>1</c:v>
+                </c:pt>
+                <c:pt idx="2">
+                  <c:v>1</c:v>
+                </c:pt>
+                <c:pt idx="3">
+                  <c:v>1</c:v>
+                </c:pt>
+                <c:pt idx="4">
+                  <c:v>1</c:v>
+                </c:pt>
+                <c:pt idx="5">
+                  <c:v>0.99997499999999995</c:v>
+                </c:pt>
+                <c:pt idx="6">
+                  <c:v>1</c:v>
+                </c:pt>
+                <c:pt idx="7">
+                  <c:v>1</c:v>
+                </c:pt>
+                <c:pt idx="8">
+                  <c:v>1</c:v>
+                </c:pt>
+                <c:pt idx="9">
+                  <c:v>1</c:v>
+                </c:pt>
+                <c:pt idx="10">
+                  <c:v>1</c:v>
+                </c:pt>
+                <c:pt idx="11">
+                  <c:v>1</c:v>
+                </c:pt>
+                <c:pt idx="12">
+                  <c:v>1</c:v>
+                </c:pt>
+                <c:pt idx="13">
+                  <c:v>1</c:v>
+                </c:pt>
+                <c:pt idx="14">
+                  <c:v>1</c:v>
+                </c:pt>
+                <c:pt idx="15">
+                  <c:v>1</c:v>
+                </c:pt>
+                <c:pt idx="16">
+                  <c:v>1</c:v>
+                </c:pt>
+                <c:pt idx="17">
+                  <c:v>1</c:v>
+                </c:pt>
+                <c:pt idx="18">
+                  <c:v>1</c:v>
+                </c:pt>
+                <c:pt idx="19">
+                  <c:v>1</c:v>
+                </c:pt>
+                <c:pt idx="20">
+                  <c:v>1</c:v>
+                </c:pt>
+                <c:pt idx="21">
+                  <c:v>1</c:v>
+                </c:pt>
+                <c:pt idx="22">
+                  <c:v>1</c:v>
+                </c:pt>
+                <c:pt idx="23">
+                  <c:v>1</c:v>
+                </c:pt>
+                <c:pt idx="24">
+                  <c:v>1</c:v>
+                </c:pt>
+                <c:pt idx="25">
+                  <c:v>1</c:v>
+                </c:pt>
+                <c:pt idx="26">
+                  <c:v>1</c:v>
+                </c:pt>
+                <c:pt idx="27">
+                  <c:v>1</c:v>
+                </c:pt>
+              </c:numCache>
+            </c:numRef>
+          </c:yVal>
+          <c:smooth val="0"/>
+          <c:extLst>
+            <c:ext xmlns:c16="http://schemas.microsoft.com/office/drawing/2014/chart" uri="{C3380CC4-5D6E-409C-BE32-E72D297353CC}">
+              <c16:uniqueId val="{00000007-F385-4994-92D3-6FA389E9907C}"/>
+            </c:ext>
+          </c:extLst>
+        </c:ser>
+        <c:ser>
+          <c:idx val="8"/>
+          <c:order val="8"/>
+          <c:spPr>
+            <a:ln w="19050" cap="rnd">
+              <a:solidFill>
+                <a:schemeClr val="accent3">
+                  <a:lumMod val="60000"/>
+                </a:schemeClr>
+              </a:solidFill>
+              <a:round/>
+            </a:ln>
+            <a:effectLst/>
+          </c:spPr>
+          <c:marker>
+            <c:symbol val="circle"/>
+            <c:size val="5"/>
+            <c:spPr>
+              <a:solidFill>
+                <a:schemeClr val="accent3">
+                  <a:lumMod val="60000"/>
+                </a:schemeClr>
+              </a:solidFill>
+              <a:ln w="9525">
+                <a:solidFill>
+                  <a:schemeClr val="accent3">
+                    <a:lumMod val="60000"/>
+                  </a:schemeClr>
+                </a:solidFill>
+              </a:ln>
+              <a:effectLst/>
+            </c:spPr>
+          </c:marker>
+          <c:xVal>
+            <c:numRef>
+              <c:f>sum!$A$1:$A$28</c:f>
+              <c:numCache>
+                <c:formatCode>General</c:formatCode>
+                <c:ptCount val="28"/>
+                <c:pt idx="0">
+                  <c:v>3827</c:v>
+                </c:pt>
+                <c:pt idx="1">
+                  <c:v>1000</c:v>
+                </c:pt>
+                <c:pt idx="2">
+                  <c:v>800</c:v>
+                </c:pt>
+                <c:pt idx="3">
+                  <c:v>640</c:v>
+                </c:pt>
+                <c:pt idx="4">
+                  <c:v>512</c:v>
+                </c:pt>
+                <c:pt idx="5">
+                  <c:v>409</c:v>
+                </c:pt>
+                <c:pt idx="6">
+                  <c:v>327</c:v>
+                </c:pt>
+                <c:pt idx="7">
+                  <c:v>261</c:v>
+                </c:pt>
+                <c:pt idx="8">
+                  <c:v>208</c:v>
+                </c:pt>
+                <c:pt idx="9">
+                  <c:v>166</c:v>
+                </c:pt>
+                <c:pt idx="10">
+                  <c:v>132</c:v>
+                </c:pt>
+                <c:pt idx="11">
+                  <c:v>105</c:v>
+                </c:pt>
+                <c:pt idx="12">
+                  <c:v>84</c:v>
+                </c:pt>
+                <c:pt idx="13">
+                  <c:v>67</c:v>
+                </c:pt>
+                <c:pt idx="14">
+                  <c:v>53</c:v>
+                </c:pt>
+                <c:pt idx="15">
+                  <c:v>42</c:v>
+                </c:pt>
+                <c:pt idx="16">
+                  <c:v>33</c:v>
+                </c:pt>
+                <c:pt idx="17">
+                  <c:v>26</c:v>
+                </c:pt>
+                <c:pt idx="18">
+                  <c:v>20</c:v>
+                </c:pt>
+                <c:pt idx="19">
+                  <c:v>16</c:v>
+                </c:pt>
+                <c:pt idx="20">
+                  <c:v>12</c:v>
+                </c:pt>
+                <c:pt idx="21">
+                  <c:v>9</c:v>
+                </c:pt>
+                <c:pt idx="22">
+                  <c:v>7</c:v>
+                </c:pt>
+                <c:pt idx="23">
+                  <c:v>5</c:v>
+                </c:pt>
+                <c:pt idx="24">
+                  <c:v>4</c:v>
+                </c:pt>
+                <c:pt idx="25">
+                  <c:v>3</c:v>
+                </c:pt>
+                <c:pt idx="26">
+                  <c:v>2</c:v>
+                </c:pt>
+                <c:pt idx="27">
+                  <c:v>1</c:v>
+                </c:pt>
+              </c:numCache>
+            </c:numRef>
+          </c:xVal>
+          <c:yVal>
+            <c:numRef>
+              <c:f>sum!$J$1:$J$28</c:f>
+              <c:numCache>
+                <c:formatCode>General</c:formatCode>
+                <c:ptCount val="28"/>
+                <c:pt idx="0">
+                  <c:v>1</c:v>
+                </c:pt>
+                <c:pt idx="1">
+                  <c:v>1</c:v>
+                </c:pt>
+                <c:pt idx="2">
+                  <c:v>1</c:v>
+                </c:pt>
+                <c:pt idx="3">
+                  <c:v>1</c:v>
+                </c:pt>
+                <c:pt idx="4">
+                  <c:v>1</c:v>
+                </c:pt>
+                <c:pt idx="5">
+                  <c:v>0.99997499999999995</c:v>
+                </c:pt>
+                <c:pt idx="6">
+                  <c:v>1</c:v>
+                </c:pt>
+                <c:pt idx="7">
+                  <c:v>1</c:v>
+                </c:pt>
+                <c:pt idx="8">
+                  <c:v>1</c:v>
+                </c:pt>
+                <c:pt idx="9">
+                  <c:v>1</c:v>
+                </c:pt>
+                <c:pt idx="10">
+                  <c:v>1</c:v>
+                </c:pt>
+                <c:pt idx="11">
+                  <c:v>1</c:v>
+                </c:pt>
+                <c:pt idx="12">
+                  <c:v>1</c:v>
+                </c:pt>
+                <c:pt idx="13">
+                  <c:v>1</c:v>
+                </c:pt>
+                <c:pt idx="14">
+                  <c:v>1</c:v>
+                </c:pt>
+                <c:pt idx="15">
+                  <c:v>1</c:v>
+                </c:pt>
+                <c:pt idx="16">
+                  <c:v>1</c:v>
+                </c:pt>
+                <c:pt idx="17">
+                  <c:v>1</c:v>
+                </c:pt>
+                <c:pt idx="18">
+                  <c:v>1</c:v>
+                </c:pt>
+                <c:pt idx="19">
+                  <c:v>1</c:v>
+                </c:pt>
+                <c:pt idx="20">
+                  <c:v>1</c:v>
+                </c:pt>
+                <c:pt idx="21">
+                  <c:v>1</c:v>
+                </c:pt>
+                <c:pt idx="22">
+                  <c:v>1</c:v>
+                </c:pt>
+                <c:pt idx="23">
+                  <c:v>1</c:v>
+                </c:pt>
+                <c:pt idx="24">
+                  <c:v>1</c:v>
+                </c:pt>
+                <c:pt idx="25">
+                  <c:v>1</c:v>
+                </c:pt>
+                <c:pt idx="26">
+                  <c:v>1</c:v>
+                </c:pt>
+                <c:pt idx="27">
+                  <c:v>1</c:v>
+                </c:pt>
+              </c:numCache>
+            </c:numRef>
+          </c:yVal>
+          <c:smooth val="0"/>
+          <c:extLst>
+            <c:ext xmlns:c16="http://schemas.microsoft.com/office/drawing/2014/chart" uri="{C3380CC4-5D6E-409C-BE32-E72D297353CC}">
+              <c16:uniqueId val="{00000008-F385-4994-92D3-6FA389E9907C}"/>
+            </c:ext>
+          </c:extLst>
+        </c:ser>
+        <c:ser>
+          <c:idx val="9"/>
+          <c:order val="9"/>
+          <c:spPr>
+            <a:ln w="19050" cap="rnd">
+              <a:solidFill>
+                <a:schemeClr val="accent4">
+                  <a:lumMod val="60000"/>
+                </a:schemeClr>
+              </a:solidFill>
+              <a:round/>
+            </a:ln>
+            <a:effectLst/>
+          </c:spPr>
+          <c:marker>
+            <c:symbol val="circle"/>
+            <c:size val="5"/>
+            <c:spPr>
+              <a:solidFill>
+                <a:schemeClr val="accent4">
+                  <a:lumMod val="60000"/>
+                </a:schemeClr>
+              </a:solidFill>
+              <a:ln w="9525">
+                <a:solidFill>
+                  <a:schemeClr val="accent4">
+                    <a:lumMod val="60000"/>
+                  </a:schemeClr>
+                </a:solidFill>
+              </a:ln>
+              <a:effectLst/>
+            </c:spPr>
+          </c:marker>
+          <c:xVal>
+            <c:numRef>
+              <c:f>sum!$A$1:$A$28</c:f>
+              <c:numCache>
+                <c:formatCode>General</c:formatCode>
+                <c:ptCount val="28"/>
+                <c:pt idx="0">
+                  <c:v>3827</c:v>
+                </c:pt>
+                <c:pt idx="1">
+                  <c:v>1000</c:v>
+                </c:pt>
+                <c:pt idx="2">
+                  <c:v>800</c:v>
+                </c:pt>
+                <c:pt idx="3">
+                  <c:v>640</c:v>
+                </c:pt>
+                <c:pt idx="4">
+                  <c:v>512</c:v>
+                </c:pt>
+                <c:pt idx="5">
+                  <c:v>409</c:v>
+                </c:pt>
+                <c:pt idx="6">
+                  <c:v>327</c:v>
+                </c:pt>
+                <c:pt idx="7">
+                  <c:v>261</c:v>
+                </c:pt>
+                <c:pt idx="8">
+                  <c:v>208</c:v>
+                </c:pt>
+                <c:pt idx="9">
+                  <c:v>166</c:v>
+                </c:pt>
+                <c:pt idx="10">
+                  <c:v>132</c:v>
+                </c:pt>
+                <c:pt idx="11">
+                  <c:v>105</c:v>
+                </c:pt>
+                <c:pt idx="12">
+                  <c:v>84</c:v>
+                </c:pt>
+                <c:pt idx="13">
+                  <c:v>67</c:v>
+                </c:pt>
+                <c:pt idx="14">
+                  <c:v>53</c:v>
+                </c:pt>
+                <c:pt idx="15">
+                  <c:v>42</c:v>
+                </c:pt>
+                <c:pt idx="16">
+                  <c:v>33</c:v>
+                </c:pt>
+                <c:pt idx="17">
+                  <c:v>26</c:v>
+                </c:pt>
+                <c:pt idx="18">
+                  <c:v>20</c:v>
+                </c:pt>
+                <c:pt idx="19">
+                  <c:v>16</c:v>
+                </c:pt>
+                <c:pt idx="20">
+                  <c:v>12</c:v>
+                </c:pt>
+                <c:pt idx="21">
+                  <c:v>9</c:v>
+                </c:pt>
+                <c:pt idx="22">
+                  <c:v>7</c:v>
+                </c:pt>
+                <c:pt idx="23">
+                  <c:v>5</c:v>
+                </c:pt>
+                <c:pt idx="24">
+                  <c:v>4</c:v>
+                </c:pt>
+                <c:pt idx="25">
+                  <c:v>3</c:v>
+                </c:pt>
+                <c:pt idx="26">
+                  <c:v>2</c:v>
+                </c:pt>
+                <c:pt idx="27">
+                  <c:v>1</c:v>
+                </c:pt>
+              </c:numCache>
+            </c:numRef>
+          </c:xVal>
+          <c:yVal>
+            <c:numRef>
+              <c:f>sum!$K$1:$K$28</c:f>
+              <c:numCache>
+                <c:formatCode>General</c:formatCode>
+                <c:ptCount val="28"/>
+                <c:pt idx="0">
+                  <c:v>1</c:v>
+                </c:pt>
+                <c:pt idx="1">
+                  <c:v>1</c:v>
+                </c:pt>
+                <c:pt idx="2">
+                  <c:v>1</c:v>
+                </c:pt>
+                <c:pt idx="3">
+                  <c:v>1</c:v>
+                </c:pt>
+                <c:pt idx="4">
+                  <c:v>1</c:v>
+                </c:pt>
+                <c:pt idx="5">
+                  <c:v>0.99997499999999995</c:v>
+                </c:pt>
+                <c:pt idx="6">
+                  <c:v>1</c:v>
+                </c:pt>
+                <c:pt idx="7">
+                  <c:v>1</c:v>
+                </c:pt>
+                <c:pt idx="8">
+                  <c:v>1</c:v>
+                </c:pt>
+                <c:pt idx="9">
+                  <c:v>1</c:v>
+                </c:pt>
+                <c:pt idx="10">
+                  <c:v>1</c:v>
+                </c:pt>
+                <c:pt idx="11">
+                  <c:v>1</c:v>
+                </c:pt>
+                <c:pt idx="12">
+                  <c:v>1</c:v>
+                </c:pt>
+                <c:pt idx="13">
+                  <c:v>1</c:v>
+                </c:pt>
+                <c:pt idx="14">
+                  <c:v>1</c:v>
+                </c:pt>
+                <c:pt idx="15">
+                  <c:v>1</c:v>
+                </c:pt>
+                <c:pt idx="16">
+                  <c:v>1</c:v>
+                </c:pt>
+                <c:pt idx="17">
+                  <c:v>1</c:v>
+                </c:pt>
+                <c:pt idx="18">
+                  <c:v>1</c:v>
+                </c:pt>
+                <c:pt idx="19">
+                  <c:v>1</c:v>
+                </c:pt>
+                <c:pt idx="20">
+                  <c:v>1</c:v>
+                </c:pt>
+                <c:pt idx="21">
+                  <c:v>1</c:v>
+                </c:pt>
+                <c:pt idx="22">
+                  <c:v>1</c:v>
+                </c:pt>
+                <c:pt idx="23">
+                  <c:v>1</c:v>
+                </c:pt>
+                <c:pt idx="24">
+                  <c:v>1</c:v>
+                </c:pt>
+                <c:pt idx="25">
+                  <c:v>1</c:v>
+                </c:pt>
+                <c:pt idx="26">
+                  <c:v>1</c:v>
+                </c:pt>
+                <c:pt idx="27">
+                  <c:v>1</c:v>
+                </c:pt>
+              </c:numCache>
+            </c:numRef>
+          </c:yVal>
+          <c:smooth val="0"/>
+          <c:extLst>
+            <c:ext xmlns:c16="http://schemas.microsoft.com/office/drawing/2014/chart" uri="{C3380CC4-5D6E-409C-BE32-E72D297353CC}">
+              <c16:uniqueId val="{00000009-F385-4994-92D3-6FA389E9907C}"/>
+            </c:ext>
+          </c:extLst>
+        </c:ser>
+        <c:dLbls>
+          <c:showLegendKey val="0"/>
+          <c:showVal val="0"/>
+          <c:showCatName val="0"/>
+          <c:showSerName val="0"/>
+          <c:showPercent val="0"/>
+          <c:showBubbleSize val="0"/>
+        </c:dLbls>
+        <c:axId val="598717088"/>
+        <c:axId val="598715448"/>
+      </c:scatterChart>
+      <c:valAx>
+        <c:axId val="598717088"/>
+        <c:scaling>
+          <c:logBase val="10"/>
+          <c:orientation val="minMax"/>
+        </c:scaling>
+        <c:delete val="0"/>
+        <c:axPos val="b"/>
+        <c:title>
+          <c:tx>
+            <c:rich>
+              <a:bodyPr rot="0" spcFirstLastPara="1" vertOverflow="ellipsis" vert="horz" wrap="square" anchor="ctr" anchorCtr="1"/>
+              <a:lstStyle/>
+              <a:p>
+                <a:pPr marL="0" marR="0" lvl="0" indent="0" algn="ctr" defTabSz="914400" rtl="0" eaLnBrk="1" fontAlgn="auto" latinLnBrk="0" hangingPunct="1">
+                  <a:lnSpc>
+                    <a:spcPct val="100000"/>
+                  </a:lnSpc>
+                  <a:spcBef>
+                    <a:spcPts val="0"/>
+                  </a:spcBef>
+                  <a:spcAft>
+                    <a:spcPts val="0"/>
+                  </a:spcAft>
+                  <a:buClrTx/>
+                  <a:buSzTx/>
+                  <a:buFontTx/>
+                  <a:buNone/>
+                  <a:tabLst/>
+                  <a:defRPr sz="1050" b="0" i="0" u="none" strike="noStrike" kern="1200" baseline="0">
+                    <a:solidFill>
+                      <a:sysClr val="windowText" lastClr="000000">
+                        <a:lumMod val="65000"/>
+                        <a:lumOff val="35000"/>
+                      </a:sysClr>
+                    </a:solidFill>
+                    <a:latin typeface="+mn-lt"/>
+                    <a:ea typeface="+mn-ea"/>
+                    <a:cs typeface="+mn-cs"/>
+                  </a:defRPr>
+                </a:pPr>
+                <a:r>
+                  <a:rPr lang="en-US" sz="1050" b="0" i="0" baseline="0" dirty="0">
+                    <a:effectLst/>
+                  </a:rPr>
+                  <a:t>21-bps Sequence Variables</a:t>
+                </a:r>
+                <a:endParaRPr lang="en-NL" sz="1050" dirty="0">
+                  <a:effectLst/>
+                </a:endParaRPr>
+              </a:p>
+            </c:rich>
+          </c:tx>
+          <c:overlay val="0"/>
+          <c:spPr>
+            <a:noFill/>
+            <a:ln>
+              <a:noFill/>
+            </a:ln>
+            <a:effectLst/>
+          </c:spPr>
+          <c:txPr>
+            <a:bodyPr rot="0" spcFirstLastPara="1" vertOverflow="ellipsis" vert="horz" wrap="square" anchor="ctr" anchorCtr="1"/>
+            <a:lstStyle/>
+            <a:p>
+              <a:pPr marL="0" marR="0" lvl="0" indent="0" algn="ctr" defTabSz="914400" rtl="0" eaLnBrk="1" fontAlgn="auto" latinLnBrk="0" hangingPunct="1">
+                <a:lnSpc>
+                  <a:spcPct val="100000"/>
+                </a:lnSpc>
+                <a:spcBef>
+                  <a:spcPts val="0"/>
+                </a:spcBef>
+                <a:spcAft>
+                  <a:spcPts val="0"/>
+                </a:spcAft>
+                <a:buClrTx/>
+                <a:buSzTx/>
+                <a:buFontTx/>
+                <a:buNone/>
+                <a:tabLst/>
+                <a:defRPr sz="1050" b="0" i="0" u="none" strike="noStrike" kern="1200" baseline="0">
+                  <a:solidFill>
+                    <a:sysClr val="windowText" lastClr="000000">
+                      <a:lumMod val="65000"/>
+                      <a:lumOff val="35000"/>
+                    </a:sysClr>
+                  </a:solidFill>
+                  <a:latin typeface="+mn-lt"/>
+                  <a:ea typeface="+mn-ea"/>
+                  <a:cs typeface="+mn-cs"/>
+                </a:defRPr>
+              </a:pPr>
+              <a:endParaRPr lang="en-US"/>
+            </a:p>
+          </c:txPr>
+        </c:title>
+        <c:numFmt formatCode="General" sourceLinked="1"/>
+        <c:majorTickMark val="none"/>
+        <c:minorTickMark val="none"/>
+        <c:tickLblPos val="nextTo"/>
+        <c:spPr>
+          <a:noFill/>
+          <a:ln w="9525" cap="flat" cmpd="sng" algn="ctr">
+            <a:solidFill>
+              <a:schemeClr val="tx1">
+                <a:lumMod val="25000"/>
+                <a:lumOff val="75000"/>
+              </a:schemeClr>
+            </a:solidFill>
+            <a:round/>
+          </a:ln>
+          <a:effectLst/>
+        </c:spPr>
+        <c:txPr>
+          <a:bodyPr rot="-60000000" spcFirstLastPara="1" vertOverflow="ellipsis" vert="horz" wrap="square" anchor="ctr" anchorCtr="1"/>
+          <a:lstStyle/>
+          <a:p>
+            <a:pPr>
+              <a:defRPr sz="900" b="0" i="0" u="none" strike="noStrike" kern="1200" baseline="0">
+                <a:solidFill>
+                  <a:schemeClr val="tx1">
+                    <a:lumMod val="65000"/>
+                    <a:lumOff val="35000"/>
+                  </a:schemeClr>
+                </a:solidFill>
+                <a:latin typeface="+mn-lt"/>
+                <a:ea typeface="+mn-ea"/>
+                <a:cs typeface="+mn-cs"/>
+              </a:defRPr>
+            </a:pPr>
+            <a:endParaRPr lang="en-US"/>
+          </a:p>
+        </c:txPr>
+        <c:crossAx val="598715448"/>
+        <c:crosses val="autoZero"/>
+        <c:crossBetween val="midCat"/>
+      </c:valAx>
+      <c:valAx>
+        <c:axId val="598715448"/>
+        <c:scaling>
+          <c:orientation val="minMax"/>
+          <c:min val="0.99"/>
+        </c:scaling>
+        <c:delete val="0"/>
+        <c:axPos val="l"/>
+        <c:majorGridlines>
+          <c:spPr>
+            <a:ln w="9525" cap="flat" cmpd="sng" algn="ctr">
+              <a:solidFill>
+                <a:schemeClr val="tx1">
+                  <a:lumMod val="15000"/>
+                  <a:lumOff val="85000"/>
+                </a:schemeClr>
+              </a:solidFill>
+              <a:round/>
+            </a:ln>
+            <a:effectLst/>
+          </c:spPr>
+        </c:majorGridlines>
+        <c:title>
+          <c:tx>
+            <c:rich>
+              <a:bodyPr rot="-5400000" spcFirstLastPara="1" vertOverflow="ellipsis" vert="horz" wrap="square" anchor="ctr" anchorCtr="1"/>
+              <a:lstStyle/>
+              <a:p>
+                <a:pPr>
+                  <a:defRPr sz="1000" b="0" i="0" u="none" strike="noStrike" kern="1200" baseline="0">
+                    <a:solidFill>
+                      <a:schemeClr val="tx1">
+                        <a:lumMod val="65000"/>
+                        <a:lumOff val="35000"/>
+                      </a:schemeClr>
+                    </a:solidFill>
+                    <a:latin typeface="+mn-lt"/>
+                    <a:ea typeface="+mn-ea"/>
+                    <a:cs typeface="+mn-cs"/>
+                  </a:defRPr>
+                </a:pPr>
+                <a:r>
+                  <a:rPr lang="en-US" dirty="0"/>
+                  <a:t>Accuracy</a:t>
+                </a:r>
+              </a:p>
+            </c:rich>
+          </c:tx>
+          <c:overlay val="0"/>
+          <c:spPr>
+            <a:noFill/>
+            <a:ln>
+              <a:noFill/>
+            </a:ln>
+            <a:effectLst/>
+          </c:spPr>
+          <c:txPr>
+            <a:bodyPr rot="-5400000" spcFirstLastPara="1" vertOverflow="ellipsis" vert="horz" wrap="square" anchor="ctr" anchorCtr="1"/>
+            <a:lstStyle/>
+            <a:p>
+              <a:pPr>
+                <a:defRPr sz="1000" b="0" i="0" u="none" strike="noStrike" kern="1200" baseline="0">
+                  <a:solidFill>
+                    <a:schemeClr val="tx1">
+                      <a:lumMod val="65000"/>
+                      <a:lumOff val="35000"/>
+                    </a:schemeClr>
+                  </a:solidFill>
+                  <a:latin typeface="+mn-lt"/>
+                  <a:ea typeface="+mn-ea"/>
+                  <a:cs typeface="+mn-cs"/>
+                </a:defRPr>
+              </a:pPr>
+              <a:endParaRPr lang="en-US"/>
+            </a:p>
+          </c:txPr>
+        </c:title>
+        <c:numFmt formatCode="General" sourceLinked="1"/>
+        <c:majorTickMark val="none"/>
+        <c:minorTickMark val="none"/>
+        <c:tickLblPos val="nextTo"/>
+        <c:spPr>
+          <a:noFill/>
+          <a:ln w="9525" cap="flat" cmpd="sng" algn="ctr">
+            <a:solidFill>
+              <a:schemeClr val="tx1">
+                <a:lumMod val="25000"/>
+                <a:lumOff val="75000"/>
+              </a:schemeClr>
+            </a:solidFill>
+            <a:round/>
+          </a:ln>
+          <a:effectLst/>
+        </c:spPr>
+        <c:txPr>
+          <a:bodyPr rot="-60000000" spcFirstLastPara="1" vertOverflow="ellipsis" vert="horz" wrap="square" anchor="ctr" anchorCtr="1"/>
+          <a:lstStyle/>
+          <a:p>
+            <a:pPr>
+              <a:defRPr sz="900" b="0" i="0" u="none" strike="noStrike" kern="1200" baseline="0">
+                <a:solidFill>
+                  <a:schemeClr val="tx1">
+                    <a:lumMod val="65000"/>
+                    <a:lumOff val="35000"/>
+                  </a:schemeClr>
+                </a:solidFill>
+                <a:latin typeface="+mn-lt"/>
+                <a:ea typeface="+mn-ea"/>
+                <a:cs typeface="+mn-cs"/>
+              </a:defRPr>
+            </a:pPr>
+            <a:endParaRPr lang="en-US"/>
+          </a:p>
+        </c:txPr>
+        <c:crossAx val="598717088"/>
+        <c:crosses val="autoZero"/>
+        <c:crossBetween val="midCat"/>
+      </c:valAx>
+      <c:spPr>
+        <a:noFill/>
+        <a:ln>
+          <a:noFill/>
+        </a:ln>
+        <a:effectLst/>
+      </c:spPr>
+    </c:plotArea>
+    <c:plotVisOnly val="1"/>
+    <c:dispBlanksAs val="gap"/>
+    <c:extLst>
+      <c:ext xmlns:c16r3="http://schemas.microsoft.com/office/drawing/2017/03/chart" uri="{56B9EC1D-385E-4148-901F-78D8002777C0}">
+        <c16r3:dataDisplayOptions16>
+          <c16r3:dispNaAsBlank val="1"/>
+        </c16r3:dataDisplayOptions16>
+      </c:ext>
+    </c:extLst>
+    <c:showDLblsOverMax val="0"/>
+  </c:chart>
+  <c:spPr>
+    <a:noFill/>
+    <a:ln>
+      <a:noFill/>
+    </a:ln>
+    <a:effectLst/>
+  </c:spPr>
+  <c:txPr>
+    <a:bodyPr/>
+    <a:lstStyle/>
+    <a:p>
+      <a:pPr>
+        <a:defRPr/>
+      </a:pPr>
+      <a:endParaRPr lang="en-US"/>
+    </a:p>
+  </c:txPr>
+  <c:externalData r:id="rId3">
+    <c:autoUpdate val="0"/>
+  </c:externalData>
+</c:chartSpace>
+</file>
+
+<file path=ppt/charts/colors1.xml><?xml version="1.0" encoding="utf-8"?>
+<cs:colorStyle xmlns:cs="http://schemas.microsoft.com/office/drawing/2012/chartStyle" xmlns:a="http://schemas.openxmlformats.org/drawingml/2006/main" meth="cycle" id="10">
+  <a:schemeClr val="accent1"/>
+  <a:schemeClr val="accent2"/>
+  <a:schemeClr val="accent3"/>
+  <a:schemeClr val="accent4"/>
+  <a:schemeClr val="accent5"/>
+  <a:schemeClr val="accent6"/>
+  <cs:variation/>
+  <cs:variation>
+    <a:lumMod val="60000"/>
+  </cs:variation>
+  <cs:variation>
+    <a:lumMod val="80000"/>
+    <a:lumOff val="20000"/>
+  </cs:variation>
+  <cs:variation>
+    <a:lumMod val="80000"/>
+  </cs:variation>
+  <cs:variation>
+    <a:lumMod val="60000"/>
+    <a:lumOff val="40000"/>
+  </cs:variation>
+  <cs:variation>
+    <a:lumMod val="50000"/>
+  </cs:variation>
+  <cs:variation>
+    <a:lumMod val="70000"/>
+    <a:lumOff val="30000"/>
+  </cs:variation>
+  <cs:variation>
+    <a:lumMod val="70000"/>
+  </cs:variation>
+  <cs:variation>
+    <a:lumMod val="50000"/>
+    <a:lumOff val="50000"/>
+  </cs:variation>
+</cs:colorStyle>
+</file>
+
+<file path=ppt/charts/style1.xml><?xml version="1.0" encoding="utf-8"?>
+<cs:chartStyle xmlns:cs="http://schemas.microsoft.com/office/drawing/2012/chartStyle" xmlns:a="http://schemas.openxmlformats.org/drawingml/2006/main" id="240">
+  <cs:axisTitle>
+    <cs:lnRef idx="0"/>
+    <cs:fillRef idx="0"/>
+    <cs:effectRef idx="0"/>
+    <cs:fontRef idx="minor">
+      <a:schemeClr val="tx1">
+        <a:lumMod val="65000"/>
+        <a:lumOff val="35000"/>
+      </a:schemeClr>
+    </cs:fontRef>
+    <cs:defRPr sz="1000" kern="1200"/>
+  </cs:axisTitle>
+  <cs:categoryAxis>
+    <cs:lnRef idx="0"/>
+    <cs:fillRef idx="0"/>
+    <cs:effectRef idx="0"/>
+    <cs:fontRef idx="minor">
+      <a:schemeClr val="tx1">
+        <a:lumMod val="65000"/>
+        <a:lumOff val="35000"/>
+      </a:schemeClr>
+    </cs:fontRef>
+    <cs:spPr>
+      <a:ln w="9525" cap="flat" cmpd="sng" algn="ctr">
+        <a:solidFill>
+          <a:schemeClr val="tx1">
+            <a:lumMod val="25000"/>
+            <a:lumOff val="75000"/>
+          </a:schemeClr>
+        </a:solidFill>
+        <a:round/>
+      </a:ln>
+    </cs:spPr>
+    <cs:defRPr sz="900" kern="1200"/>
+  </cs:categoryAxis>
+  <cs:chartArea mods="allowNoFillOverride allowNoLineOverride">
+    <cs:lnRef idx="0"/>
+    <cs:fillRef idx="0"/>
+    <cs:effectRef idx="0"/>
+    <cs:fontRef idx="minor">
+      <a:schemeClr val="tx1"/>
+    </cs:fontRef>
+    <cs:spPr>
+      <a:solidFill>
+        <a:schemeClr val="bg1"/>
+      </a:solidFill>
+      <a:ln w="9525" cap="flat" cmpd="sng" algn="ctr">
+        <a:solidFill>
+          <a:schemeClr val="tx1">
+            <a:lumMod val="15000"/>
+            <a:lumOff val="85000"/>
+          </a:schemeClr>
+        </a:solidFill>
+        <a:round/>
+      </a:ln>
+    </cs:spPr>
+    <cs:defRPr sz="1000" kern="1200"/>
+  </cs:chartArea>
+  <cs:dataLabel>
+    <cs:lnRef idx="0"/>
+    <cs:fillRef idx="0"/>
+    <cs:effectRef idx="0"/>
+    <cs:fontRef idx="minor">
+      <a:schemeClr val="tx1">
+        <a:lumMod val="75000"/>
+        <a:lumOff val="25000"/>
+      </a:schemeClr>
+    </cs:fontRef>
+    <cs:defRPr sz="900" kern="1200"/>
+  </cs:dataLabel>
+  <cs:dataLabelCallout>
+    <cs:lnRef idx="0"/>
+    <cs:fillRef idx="0"/>
+    <cs:effectRef idx="0"/>
+    <cs:fontRef idx="minor">
+      <a:schemeClr val="dk1">
+        <a:lumMod val="65000"/>
+        <a:lumOff val="35000"/>
+      </a:schemeClr>
+    </cs:fontRef>
+    <cs:spPr>
+      <a:solidFill>
+        <a:schemeClr val="lt1"/>
+      </a:solidFill>
+      <a:ln>
+        <a:solidFill>
+          <a:schemeClr val="dk1">
+            <a:lumMod val="25000"/>
+            <a:lumOff val="75000"/>
+          </a:schemeClr>
+        </a:solidFill>
+      </a:ln>
+    </cs:spPr>
+    <cs:defRPr sz="900" kern="1200"/>
+    <cs:bodyPr rot="0" spcFirstLastPara="1" vertOverflow="clip" horzOverflow="clip" vert="horz" wrap="square" lIns="36576" tIns="18288" rIns="36576" bIns="18288" anchor="ctr" anchorCtr="1">
+      <a:spAutoFit/>
+    </cs:bodyPr>
+  </cs:dataLabelCallout>
+  <cs:dataPoint>
+    <cs:lnRef idx="0"/>
+    <cs:fillRef idx="1">
+      <cs:styleClr val="auto"/>
+    </cs:fillRef>
+    <cs:effectRef idx="0"/>
+    <cs:fontRef idx="minor">
+      <a:schemeClr val="tx1"/>
+    </cs:fontRef>
+  </cs:dataPoint>
+  <cs:dataPoint3D>
+    <cs:lnRef idx="0"/>
+    <cs:fillRef idx="1">
+      <cs:styleClr val="auto"/>
+    </cs:fillRef>
+    <cs:effectRef idx="0"/>
+    <cs:fontRef idx="minor">
+      <a:schemeClr val="tx1"/>
+    </cs:fontRef>
+  </cs:dataPoint3D>
+  <cs:dataPointLine>
+    <cs:lnRef idx="0">
+      <cs:styleClr val="auto"/>
+    </cs:lnRef>
+    <cs:fillRef idx="1"/>
+    <cs:effectRef idx="0"/>
+    <cs:fontRef idx="minor">
+      <a:schemeClr val="tx1"/>
+    </cs:fontRef>
+    <cs:spPr>
+      <a:ln w="19050" cap="rnd">
+        <a:solidFill>
+          <a:schemeClr val="phClr"/>
+        </a:solidFill>
+        <a:round/>
+      </a:ln>
+    </cs:spPr>
+  </cs:dataPointLine>
+  <cs:dataPointMarker>
+    <cs:lnRef idx="0">
+      <cs:styleClr val="auto"/>
+    </cs:lnRef>
+    <cs:fillRef idx="1">
+      <cs:styleClr val="auto"/>
+    </cs:fillRef>
+    <cs:effectRef idx="0"/>
+    <cs:fontRef idx="minor">
+      <a:schemeClr val="tx1"/>
+    </cs:fontRef>
+    <cs:spPr>
+      <a:ln w="9525">
+        <a:solidFill>
+          <a:schemeClr val="phClr"/>
+        </a:solidFill>
+      </a:ln>
+    </cs:spPr>
+  </cs:dataPointMarker>
+  <cs:dataPointMarkerLayout symbol="circle" size="5"/>
+  <cs:dataPointWireframe>
+    <cs:lnRef idx="0">
+      <cs:styleClr val="auto"/>
+    </cs:lnRef>
+    <cs:fillRef idx="0"/>
+    <cs:effectRef idx="0"/>
+    <cs:fontRef idx="minor">
+      <a:schemeClr val="dk1"/>
+    </cs:fontRef>
+    <cs:spPr>
+      <a:ln w="9525" cap="rnd">
+        <a:solidFill>
+          <a:schemeClr val="phClr"/>
+        </a:solidFill>
+        <a:round/>
+      </a:ln>
+    </cs:spPr>
+  </cs:dataPointWireframe>
+  <cs:dataTable>
+    <cs:lnRef idx="0"/>
+    <cs:fillRef idx="0"/>
+    <cs:effectRef idx="0"/>
+    <cs:fontRef idx="minor">
+      <a:schemeClr val="tx1">
+        <a:lumMod val="65000"/>
+        <a:lumOff val="35000"/>
+      </a:schemeClr>
+    </cs:fontRef>
+    <cs:spPr>
+      <a:noFill/>
+      <a:ln w="9525" cap="flat" cmpd="sng" algn="ctr">
+        <a:solidFill>
+          <a:schemeClr val="tx1">
+            <a:lumMod val="15000"/>
+            <a:lumOff val="85000"/>
+          </a:schemeClr>
+        </a:solidFill>
+        <a:round/>
+      </a:ln>
+    </cs:spPr>
+    <cs:defRPr sz="900" kern="1200"/>
+  </cs:dataTable>
+  <cs:downBar>
+    <cs:lnRef idx="0"/>
+    <cs:fillRef idx="0"/>
+    <cs:effectRef idx="0"/>
+    <cs:fontRef idx="minor">
+      <a:schemeClr val="tx1"/>
+    </cs:fontRef>
+    <cs:spPr>
+      <a:solidFill>
+        <a:schemeClr val="dk1">
+          <a:lumMod val="75000"/>
+          <a:lumOff val="25000"/>
+        </a:schemeClr>
+      </a:solidFill>
+      <a:ln w="9525" cap="flat" cmpd="sng" algn="ctr">
+        <a:solidFill>
+          <a:schemeClr val="tx1">
+            <a:lumMod val="65000"/>
+            <a:lumOff val="35000"/>
+          </a:schemeClr>
+        </a:solidFill>
+        <a:round/>
+      </a:ln>
+    </cs:spPr>
+  </cs:downBar>
+  <cs:dropLine>
+    <cs:lnRef idx="0"/>
+    <cs:fillRef idx="0"/>
+    <cs:effectRef idx="0"/>
+    <cs:fontRef idx="minor">
+      <a:schemeClr val="tx1"/>
+    </cs:fontRef>
+    <cs:spPr>
+      <a:ln w="9525" cap="flat" cmpd="sng" algn="ctr">
+        <a:solidFill>
+          <a:schemeClr val="tx1">
+            <a:lumMod val="35000"/>
+            <a:lumOff val="65000"/>
+          </a:schemeClr>
+        </a:solidFill>
+        <a:round/>
+      </a:ln>
+    </cs:spPr>
+  </cs:dropLine>
+  <cs:errorBar>
+    <cs:lnRef idx="0"/>
+    <cs:fillRef idx="0"/>
+    <cs:effectRef idx="0"/>
+    <cs:fontRef idx="minor">
+      <a:schemeClr val="tx1"/>
+    </cs:fontRef>
+    <cs:spPr>
+      <a:ln w="9525" cap="flat" cmpd="sng" algn="ctr">
+        <a:solidFill>
+          <a:schemeClr val="tx1">
+            <a:lumMod val="65000"/>
+            <a:lumOff val="35000"/>
+          </a:schemeClr>
+        </a:solidFill>
+        <a:round/>
+      </a:ln>
+    </cs:spPr>
+  </cs:errorBar>
+  <cs:floor>
+    <cs:lnRef idx="0"/>
+    <cs:fillRef idx="0"/>
+    <cs:effectRef idx="0"/>
+    <cs:fontRef idx="minor">
+      <a:schemeClr val="tx1"/>
+    </cs:fontRef>
+    <cs:spPr>
+      <a:noFill/>
+      <a:ln>
+        <a:noFill/>
+      </a:ln>
+    </cs:spPr>
+  </cs:floor>
+  <cs:gridlineMajor>
+    <cs:lnRef idx="0"/>
+    <cs:fillRef idx="0"/>
+    <cs:effectRef idx="0"/>
+    <cs:fontRef idx="minor">
+      <a:schemeClr val="tx1"/>
+    </cs:fontRef>
+    <cs:spPr>
+      <a:ln w="9525" cap="flat" cmpd="sng" algn="ctr">
+        <a:solidFill>
+          <a:schemeClr val="tx1">
+            <a:lumMod val="15000"/>
+            <a:lumOff val="85000"/>
+          </a:schemeClr>
+        </a:solidFill>
+        <a:round/>
+      </a:ln>
+    </cs:spPr>
+  </cs:gridlineMajor>
+  <cs:gridlineMinor>
+    <cs:lnRef idx="0"/>
+    <cs:fillRef idx="0"/>
+    <cs:effectRef idx="0"/>
+    <cs:fontRef idx="minor">
+      <a:schemeClr val="tx1"/>
+    </cs:fontRef>
+    <cs:spPr>
+      <a:ln w="9525" cap="flat" cmpd="sng" algn="ctr">
+        <a:solidFill>
+          <a:schemeClr val="tx1">
+            <a:lumMod val="5000"/>
+            <a:lumOff val="95000"/>
+          </a:schemeClr>
+        </a:solidFill>
+        <a:round/>
+      </a:ln>
+    </cs:spPr>
+  </cs:gridlineMinor>
+  <cs:hiLoLine>
+    <cs:lnRef idx="0"/>
+    <cs:fillRef idx="0"/>
+    <cs:effectRef idx="0"/>
+    <cs:fontRef idx="minor">
+      <a:schemeClr val="tx1"/>
+    </cs:fontRef>
+    <cs:spPr>
+      <a:ln w="9525" cap="flat" cmpd="sng" algn="ctr">
+        <a:solidFill>
+          <a:schemeClr val="tx1">
+            <a:lumMod val="50000"/>
+            <a:lumOff val="50000"/>
+          </a:schemeClr>
+        </a:solidFill>
+        <a:round/>
+      </a:ln>
+    </cs:spPr>
+  </cs:hiLoLine>
+  <cs:leaderLine>
+    <cs:lnRef idx="0"/>
+    <cs:fillRef idx="0"/>
+    <cs:effectRef idx="0"/>
+    <cs:fontRef idx="minor">
+      <a:schemeClr val="tx1"/>
+    </cs:fontRef>
+    <cs:spPr>
+      <a:ln w="9525" cap="flat" cmpd="sng" algn="ctr">
+        <a:solidFill>
+          <a:schemeClr val="tx1">
+            <a:lumMod val="35000"/>
+            <a:lumOff val="65000"/>
+          </a:schemeClr>
+        </a:solidFill>
+        <a:round/>
+      </a:ln>
+    </cs:spPr>
+  </cs:leaderLine>
+  <cs:legend>
+    <cs:lnRef idx="0"/>
+    <cs:fillRef idx="0"/>
+    <cs:effectRef idx="0"/>
+    <cs:fontRef idx="minor">
+      <a:schemeClr val="tx1">
+        <a:lumMod val="65000"/>
+        <a:lumOff val="35000"/>
+      </a:schemeClr>
+    </cs:fontRef>
+    <cs:defRPr sz="900" kern="1200"/>
+  </cs:legend>
+  <cs:plotArea mods="allowNoFillOverride allowNoLineOverride">
+    <cs:lnRef idx="0"/>
+    <cs:fillRef idx="0"/>
+    <cs:effectRef idx="0"/>
+    <cs:fontRef idx="minor">
+      <a:schemeClr val="tx1"/>
+    </cs:fontRef>
+  </cs:plotArea>
+  <cs:plotArea3D mods="allowNoFillOverride allowNoLineOverride">
+    <cs:lnRef idx="0"/>
+    <cs:fillRef idx="0"/>
+    <cs:effectRef idx="0"/>
+    <cs:fontRef idx="minor">
+      <a:schemeClr val="tx1"/>
+    </cs:fontRef>
+  </cs:plotArea3D>
+  <cs:seriesAxis>
+    <cs:lnRef idx="0"/>
+    <cs:fillRef idx="0"/>
+    <cs:effectRef idx="0"/>
+    <cs:fontRef idx="minor">
+      <a:schemeClr val="tx1">
+        <a:lumMod val="65000"/>
+        <a:lumOff val="35000"/>
+      </a:schemeClr>
+    </cs:fontRef>
+    <cs:defRPr sz="900" kern="1200"/>
+  </cs:seriesAxis>
+  <cs:seriesLine>
+    <cs:lnRef idx="0"/>
+    <cs:fillRef idx="0"/>
+    <cs:effectRef idx="0"/>
+    <cs:fontRef idx="minor">
+      <a:schemeClr val="tx1"/>
+    </cs:fontRef>
+    <cs:spPr>
+      <a:ln w="9525" cap="flat" cmpd="sng" algn="ctr">
+        <a:solidFill>
+          <a:schemeClr val="tx1">
+            <a:lumMod val="35000"/>
+            <a:lumOff val="65000"/>
+          </a:schemeClr>
+        </a:solidFill>
+        <a:round/>
+      </a:ln>
+    </cs:spPr>
+  </cs:seriesLine>
+  <cs:title>
+    <cs:lnRef idx="0"/>
+    <cs:fillRef idx="0"/>
+    <cs:effectRef idx="0"/>
+    <cs:fontRef idx="minor">
+      <a:schemeClr val="tx1">
+        <a:lumMod val="65000"/>
+        <a:lumOff val="35000"/>
+      </a:schemeClr>
+    </cs:fontRef>
+    <cs:defRPr sz="1400" b="0" kern="1200" spc="0" baseline="0"/>
+  </cs:title>
+  <cs:trendline>
+    <cs:lnRef idx="0">
+      <cs:styleClr val="auto"/>
+    </cs:lnRef>
+    <cs:fillRef idx="0"/>
+    <cs:effectRef idx="0"/>
+    <cs:fontRef idx="minor">
+      <a:schemeClr val="tx1"/>
+    </cs:fontRef>
+    <cs:spPr>
+      <a:ln w="19050" cap="rnd">
+        <a:solidFill>
+          <a:schemeClr val="phClr"/>
+        </a:solidFill>
+        <a:prstDash val="sysDot"/>
+      </a:ln>
+    </cs:spPr>
+  </cs:trendline>
+  <cs:trendlineLabel>
+    <cs:lnRef idx="0"/>
+    <cs:fillRef idx="0"/>
+    <cs:effectRef idx="0"/>
+    <cs:fontRef idx="minor">
+      <a:schemeClr val="tx1">
+        <a:lumMod val="65000"/>
+        <a:lumOff val="35000"/>
+      </a:schemeClr>
+    </cs:fontRef>
+    <cs:defRPr sz="900" kern="1200"/>
+  </cs:trendlineLabel>
+  <cs:upBar>
+    <cs:lnRef idx="0"/>
+    <cs:fillRef idx="0"/>
+    <cs:effectRef idx="0"/>
+    <cs:fontRef idx="minor">
+      <a:schemeClr val="tx1"/>
+    </cs:fontRef>
+    <cs:spPr>
+      <a:solidFill>
+        <a:schemeClr val="lt1"/>
+      </a:solidFill>
+      <a:ln w="9525" cap="flat" cmpd="sng" algn="ctr">
+        <a:solidFill>
+          <a:schemeClr val="tx1">
+            <a:lumMod val="65000"/>
+            <a:lumOff val="35000"/>
+          </a:schemeClr>
+        </a:solidFill>
+        <a:round/>
+      </a:ln>
+    </cs:spPr>
+  </cs:upBar>
+  <cs:valueAxis>
+    <cs:lnRef idx="0"/>
+    <cs:fillRef idx="0"/>
+    <cs:effectRef idx="0"/>
+    <cs:fontRef idx="minor">
+      <a:schemeClr val="tx1">
+        <a:lumMod val="65000"/>
+        <a:lumOff val="35000"/>
+      </a:schemeClr>
+    </cs:fontRef>
+    <cs:spPr>
+      <a:ln w="9525" cap="flat" cmpd="sng" algn="ctr">
+        <a:solidFill>
+          <a:schemeClr val="tx1">
+            <a:lumMod val="25000"/>
+            <a:lumOff val="75000"/>
+          </a:schemeClr>
+        </a:solidFill>
+        <a:round/>
+      </a:ln>
+    </cs:spPr>
+    <cs:defRPr sz="900" kern="1200"/>
+  </cs:valueAxis>
+  <cs:wall>
+    <cs:lnRef idx="0"/>
+    <cs:fillRef idx="0"/>
+    <cs:effectRef idx="0"/>
+    <cs:fontRef idx="minor">
+      <a:schemeClr val="tx1"/>
+    </cs:fontRef>
+    <cs:spPr>
+      <a:noFill/>
+      <a:ln>
+        <a:noFill/>
+      </a:ln>
+    </cs:spPr>
+  </cs:wall>
+</cs:chartStyle>
+</file>
+
 <file path=ppt/slideLayouts/slideLayout1.xml><?xml version="1.0" encoding="utf-8"?>
 <p:sldLayout xmlns:a="http://schemas.openxmlformats.org/drawingml/2006/main" xmlns:r="http://schemas.openxmlformats.org/officeDocument/2006/relationships" xmlns:p="http://schemas.openxmlformats.org/presentationml/2006/main" preserve="1" userDrawn="1">
   <p:cSld name="Diapositive de titre - Version 1">
@@ -1395,16 +4512,7 @@
                 </a:solidFill>
                 <a:latin typeface="+mn-lt"/>
               </a:rPr>
-              <a:t>TITLE OF THE PRESENTATION HERE (MODIFY IN VIEW -&gt; MASK</a:t>
-            </a:r>
-            <a:r>
-              <a:rPr lang="it-IT" sz="1000" baseline="0" dirty="0">
-                <a:solidFill>
-                  <a:srgbClr val="275662"/>
-                </a:solidFill>
-                <a:latin typeface="+mn-lt"/>
-              </a:rPr>
-              <a:t> / AFFICHAGE -&gt; MASQUE DE DIAPOSITIVES) </a:t>
+              <a:t>CONVOLUTIONAL NEURAL NETWORK FOR THE CLASSIFICATION OF SARS-CoV-2 AND PRIMER CREATION</a:t>
             </a:r>
             <a:endParaRPr lang="fr-FR" sz="1000" dirty="0">
               <a:solidFill>
@@ -1817,13 +4925,13 @@
         <p:spPr/>
         <p:txBody>
           <a:bodyPr>
-            <a:normAutofit/>
+            <a:noAutofit/>
           </a:bodyPr>
           <a:lstStyle/>
           <a:p>
             <a:r>
               <a:rPr lang="it-IT" dirty="0"/>
-              <a:t>This is an example of a title, it should be bigger!</a:t>
+              <a:t>Convolutional Neural Network for the Classification of SARS-CoV-2 and Primer Creation</a:t>
             </a:r>
             <a:endParaRPr lang="fr-FR" dirty="0"/>
           </a:p>
@@ -1894,6 +5002,229 @@
     <p:extLst>
       <p:ext uri="{BB962C8B-B14F-4D97-AF65-F5344CB8AC3E}">
         <p14:creationId xmlns:p14="http://schemas.microsoft.com/office/powerpoint/2010/main" val="1056445254"/>
+      </p:ext>
+    </p:extLst>
+  </p:cSld>
+  <p:clrMapOvr>
+    <a:masterClrMapping/>
+  </p:clrMapOvr>
+</p:sld>
+</file>
+
+<file path=ppt/slides/slide10.xml><?xml version="1.0" encoding="utf-8"?>
+<p:sld xmlns:a="http://schemas.openxmlformats.org/drawingml/2006/main" xmlns:r="http://schemas.openxmlformats.org/officeDocument/2006/relationships" xmlns:p="http://schemas.openxmlformats.org/presentationml/2006/main">
+  <p:cSld>
+    <p:spTree>
+      <p:nvGrpSpPr>
+        <p:cNvPr id="1" name=""/>
+        <p:cNvGrpSpPr/>
+        <p:nvPr/>
+      </p:nvGrpSpPr>
+      <p:grpSpPr>
+        <a:xfrm>
+          <a:off x="0" y="0"/>
+          <a:ext cx="0" cy="0"/>
+          <a:chOff x="0" y="0"/>
+          <a:chExt cx="0" cy="0"/>
+        </a:xfrm>
+      </p:grpSpPr>
+      <p:sp>
+        <p:nvSpPr>
+          <p:cNvPr id="2" name="Titre 1">
+            <a:extLst>
+              <a:ext uri="{FF2B5EF4-FFF2-40B4-BE49-F238E27FC236}">
+                <a16:creationId xmlns:a16="http://schemas.microsoft.com/office/drawing/2014/main" id="{82BA0A87-7B36-4E47-89B4-702864CA06E6}"/>
+              </a:ext>
+            </a:extLst>
+          </p:cNvPr>
+          <p:cNvSpPr>
+            <a:spLocks noGrp="1"/>
+          </p:cNvSpPr>
+          <p:nvPr>
+            <p:ph type="title"/>
+          </p:nvPr>
+        </p:nvSpPr>
+        <p:spPr/>
+        <p:txBody>
+          <a:bodyPr/>
+          <a:lstStyle/>
+          <a:p>
+            <a:r>
+              <a:rPr lang="en-US" dirty="0"/>
+              <a:t>Great success!</a:t>
+            </a:r>
+          </a:p>
+        </p:txBody>
+      </p:sp>
+      <p:sp>
+        <p:nvSpPr>
+          <p:cNvPr id="3" name="Espace réservé du texte 2">
+            <a:extLst>
+              <a:ext uri="{FF2B5EF4-FFF2-40B4-BE49-F238E27FC236}">
+                <a16:creationId xmlns:a16="http://schemas.microsoft.com/office/drawing/2014/main" id="{9EE0299C-DA7C-4C98-8841-DFA905C9E470}"/>
+              </a:ext>
+            </a:extLst>
+          </p:cNvPr>
+          <p:cNvSpPr>
+            <a:spLocks noGrp="1"/>
+          </p:cNvSpPr>
+          <p:nvPr>
+            <p:ph type="body" sz="quarter" idx="10"/>
+          </p:nvPr>
+        </p:nvSpPr>
+        <p:spPr/>
+        <p:txBody>
+          <a:bodyPr/>
+          <a:lstStyle/>
+          <a:p>
+            <a:r>
+              <a:rPr lang="en-US" dirty="0"/>
+              <a:t>It works!</a:t>
+            </a:r>
+          </a:p>
+        </p:txBody>
+      </p:sp>
+    </p:spTree>
+    <p:extLst>
+      <p:ext uri="{BB962C8B-B14F-4D97-AF65-F5344CB8AC3E}">
+        <p14:creationId xmlns:p14="http://schemas.microsoft.com/office/powerpoint/2010/main" val="4241389376"/>
+      </p:ext>
+    </p:extLst>
+  </p:cSld>
+  <p:clrMapOvr>
+    <a:masterClrMapping/>
+  </p:clrMapOvr>
+</p:sld>
+</file>
+
+<file path=ppt/slides/slide11.xml><?xml version="1.0" encoding="utf-8"?>
+<p:sld xmlns:a="http://schemas.openxmlformats.org/drawingml/2006/main" xmlns:r="http://schemas.openxmlformats.org/officeDocument/2006/relationships" xmlns:p="http://schemas.openxmlformats.org/presentationml/2006/main">
+  <p:cSld>
+    <p:spTree>
+      <p:nvGrpSpPr>
+        <p:cNvPr id="1" name=""/>
+        <p:cNvGrpSpPr/>
+        <p:nvPr/>
+      </p:nvGrpSpPr>
+      <p:grpSpPr>
+        <a:xfrm>
+          <a:off x="0" y="0"/>
+          <a:ext cx="0" cy="0"/>
+          <a:chOff x="0" y="0"/>
+          <a:chExt cx="0" cy="0"/>
+        </a:xfrm>
+      </p:grpSpPr>
+      <p:sp>
+        <p:nvSpPr>
+          <p:cNvPr id="2" name="Titre 1">
+            <a:extLst>
+              <a:ext uri="{FF2B5EF4-FFF2-40B4-BE49-F238E27FC236}">
+                <a16:creationId xmlns:a16="http://schemas.microsoft.com/office/drawing/2014/main" id="{82BA0A87-7B36-4E47-89B4-702864CA06E6}"/>
+              </a:ext>
+            </a:extLst>
+          </p:cNvPr>
+          <p:cNvSpPr>
+            <a:spLocks noGrp="1"/>
+          </p:cNvSpPr>
+          <p:nvPr>
+            <p:ph type="title"/>
+          </p:nvPr>
+        </p:nvSpPr>
+        <p:spPr/>
+        <p:txBody>
+          <a:bodyPr/>
+          <a:lstStyle/>
+          <a:p>
+            <a:r>
+              <a:rPr lang="en-US" dirty="0"/>
+              <a:t>Great success…?</a:t>
+            </a:r>
+          </a:p>
+        </p:txBody>
+      </p:sp>
+      <p:sp>
+        <p:nvSpPr>
+          <p:cNvPr id="3" name="Espace réservé du texte 2">
+            <a:extLst>
+              <a:ext uri="{FF2B5EF4-FFF2-40B4-BE49-F238E27FC236}">
+                <a16:creationId xmlns:a16="http://schemas.microsoft.com/office/drawing/2014/main" id="{9EE0299C-DA7C-4C98-8841-DFA905C9E470}"/>
+              </a:ext>
+            </a:extLst>
+          </p:cNvPr>
+          <p:cNvSpPr>
+            <a:spLocks noGrp="1"/>
+          </p:cNvSpPr>
+          <p:nvPr>
+            <p:ph type="body" sz="quarter" idx="10"/>
+          </p:nvPr>
+        </p:nvSpPr>
+        <p:spPr/>
+        <p:txBody>
+          <a:bodyPr/>
+          <a:lstStyle/>
+          <a:p>
+            <a:r>
+              <a:rPr lang="en-US" dirty="0"/>
+              <a:t>Later, same results obtained with simpler methods</a:t>
+            </a:r>
+          </a:p>
+          <a:p>
+            <a:pPr lvl="1"/>
+            <a:r>
+              <a:rPr lang="en-US" dirty="0"/>
+              <a:t>But they required more thinking and expert knowledge</a:t>
+            </a:r>
+          </a:p>
+          <a:p>
+            <a:pPr lvl="1"/>
+            <a:r>
+              <a:rPr lang="en-US" dirty="0"/>
+              <a:t>ML/DL can be good for first approach</a:t>
+            </a:r>
+          </a:p>
+          <a:p>
+            <a:pPr lvl="1"/>
+            <a:r>
+              <a:rPr lang="en-US" dirty="0"/>
+              <a:t>It also works for SARS-CoV-2 variants!</a:t>
+            </a:r>
+          </a:p>
+        </p:txBody>
+      </p:sp>
+      <p:pic>
+        <p:nvPicPr>
+          <p:cNvPr id="5" name="Image 4">
+            <a:extLst>
+              <a:ext uri="{FF2B5EF4-FFF2-40B4-BE49-F238E27FC236}">
+                <a16:creationId xmlns:a16="http://schemas.microsoft.com/office/drawing/2014/main" id="{66026EF2-F2A8-43F5-AFE2-82B8A3AC69DC}"/>
+              </a:ext>
+            </a:extLst>
+          </p:cNvPr>
+          <p:cNvPicPr>
+            <a:picLocks noChangeAspect="1"/>
+          </p:cNvPicPr>
+          <p:nvPr/>
+        </p:nvPicPr>
+        <p:blipFill>
+          <a:blip r:embed="rId2"/>
+          <a:stretch>
+            <a:fillRect/>
+          </a:stretch>
+        </p:blipFill>
+        <p:spPr>
+          <a:xfrm>
+            <a:off x="7152640" y="3271471"/>
+            <a:ext cx="4201160" cy="2827704"/>
+          </a:xfrm>
+          <a:prstGeom prst="rect">
+            <a:avLst/>
+          </a:prstGeom>
+        </p:spPr>
+      </p:pic>
+    </p:spTree>
+    <p:extLst>
+      <p:ext uri="{BB962C8B-B14F-4D97-AF65-F5344CB8AC3E}">
+        <p14:creationId xmlns:p14="http://schemas.microsoft.com/office/powerpoint/2010/main" val="278388172"/>
       </p:ext>
     </p:extLst>
   </p:cSld>
@@ -1935,7 +5266,11 @@
           <a:bodyPr/>
           <a:lstStyle/>
           <a:p>
-            <a:endParaRPr lang="fr-FR"/>
+            <a:r>
+              <a:rPr lang="fr-FR" dirty="0" err="1"/>
+              <a:t>Outline</a:t>
+            </a:r>
+            <a:endParaRPr lang="fr-FR" dirty="0"/>
           </a:p>
         </p:txBody>
       </p:sp>
@@ -1956,22 +5291,34 @@
           <a:p>
             <a:r>
               <a:rPr lang="it-IT" dirty="0"/>
-              <a:t>This is a new thing</a:t>
-            </a:r>
-          </a:p>
-          <a:p>
-            <a:pPr lvl="1"/>
+              <a:t>Application</a:t>
+            </a:r>
+          </a:p>
+          <a:p>
             <a:r>
               <a:rPr lang="it-IT" dirty="0"/>
-              <a:t>Ciao</a:t>
-            </a:r>
-          </a:p>
-          <a:p>
-            <a:pPr lvl="2"/>
+              <a:t>Formalization</a:t>
+            </a:r>
+          </a:p>
+          <a:p>
             <a:r>
               <a:rPr lang="it-IT" dirty="0"/>
-              <a:t>Ciaooooooooooooooo</a:t>
-            </a:r>
+              <a:t>Classification results</a:t>
+            </a:r>
+          </a:p>
+          <a:p>
+            <a:r>
+              <a:rPr lang="it-IT" dirty="0"/>
+              <a:t>Extracting information from filters</a:t>
+            </a:r>
+          </a:p>
+          <a:p>
+            <a:r>
+              <a:rPr lang="it-IT" dirty="0"/>
+              <a:t>A new primer</a:t>
+            </a:r>
+          </a:p>
+          <a:p>
             <a:endParaRPr lang="fr-FR" dirty="0"/>
           </a:p>
         </p:txBody>
@@ -1980,6 +5327,2493 @@
     <p:extLst>
       <p:ext uri="{BB962C8B-B14F-4D97-AF65-F5344CB8AC3E}">
         <p14:creationId xmlns:p14="http://schemas.microsoft.com/office/powerpoint/2010/main" val="454349701"/>
+      </p:ext>
+    </p:extLst>
+  </p:cSld>
+  <p:clrMapOvr>
+    <a:masterClrMapping/>
+  </p:clrMapOvr>
+</p:sld>
+</file>
+
+<file path=ppt/slides/slide3.xml><?xml version="1.0" encoding="utf-8"?>
+<p:sld xmlns:a="http://schemas.openxmlformats.org/drawingml/2006/main" xmlns:r="http://schemas.openxmlformats.org/officeDocument/2006/relationships" xmlns:p="http://schemas.openxmlformats.org/presentationml/2006/main">
+  <p:cSld>
+    <p:spTree>
+      <p:nvGrpSpPr>
+        <p:cNvPr id="1" name=""/>
+        <p:cNvGrpSpPr/>
+        <p:nvPr/>
+      </p:nvGrpSpPr>
+      <p:grpSpPr>
+        <a:xfrm>
+          <a:off x="0" y="0"/>
+          <a:ext cx="0" cy="0"/>
+          <a:chOff x="0" y="0"/>
+          <a:chExt cx="0" cy="0"/>
+        </a:xfrm>
+      </p:grpSpPr>
+      <p:sp>
+        <p:nvSpPr>
+          <p:cNvPr id="2" name="Titre 1">
+            <a:extLst>
+              <a:ext uri="{FF2B5EF4-FFF2-40B4-BE49-F238E27FC236}">
+                <a16:creationId xmlns:a16="http://schemas.microsoft.com/office/drawing/2014/main" id="{CACFF50D-B1DF-42C6-B507-886874F07577}"/>
+              </a:ext>
+            </a:extLst>
+          </p:cNvPr>
+          <p:cNvSpPr>
+            <a:spLocks noGrp="1"/>
+          </p:cNvSpPr>
+          <p:nvPr>
+            <p:ph type="title"/>
+          </p:nvPr>
+        </p:nvSpPr>
+        <p:spPr/>
+        <p:txBody>
+          <a:bodyPr/>
+          <a:lstStyle/>
+          <a:p>
+            <a:r>
+              <a:rPr lang="en-US" dirty="0"/>
+              <a:t>Application</a:t>
+            </a:r>
+          </a:p>
+        </p:txBody>
+      </p:sp>
+      <p:sp>
+        <p:nvSpPr>
+          <p:cNvPr id="3" name="Espace réservé du texte 2">
+            <a:extLst>
+              <a:ext uri="{FF2B5EF4-FFF2-40B4-BE49-F238E27FC236}">
+                <a16:creationId xmlns:a16="http://schemas.microsoft.com/office/drawing/2014/main" id="{DC26F0B1-4099-4C49-85D0-5BF3CE0C4D12}"/>
+              </a:ext>
+            </a:extLst>
+          </p:cNvPr>
+          <p:cNvSpPr>
+            <a:spLocks noGrp="1"/>
+          </p:cNvSpPr>
+          <p:nvPr>
+            <p:ph type="body" sz="quarter" idx="10"/>
+          </p:nvPr>
+        </p:nvSpPr>
+        <p:spPr/>
+        <p:txBody>
+          <a:bodyPr/>
+          <a:lstStyle/>
+          <a:p>
+            <a:r>
+              <a:rPr lang="en-US" dirty="0"/>
+              <a:t>Separate genomic samples of SARS-CoV-2 from others</a:t>
+            </a:r>
+          </a:p>
+          <a:p>
+            <a:pPr lvl="1"/>
+            <a:r>
+              <a:rPr lang="en-US" dirty="0"/>
+              <a:t>SARS-CoV-2 belongs to the Coronavirus family</a:t>
+            </a:r>
+          </a:p>
+          <a:p>
+            <a:pPr lvl="1"/>
+            <a:r>
+              <a:rPr lang="en-US" dirty="0"/>
+              <a:t>Lots of “relatives” that are </a:t>
+            </a:r>
+            <a:r>
+              <a:rPr lang="en-US" dirty="0" err="1"/>
+              <a:t>genomically</a:t>
+            </a:r>
+            <a:r>
+              <a:rPr lang="en-US" dirty="0"/>
+              <a:t> similar</a:t>
+            </a:r>
+          </a:p>
+          <a:p>
+            <a:pPr lvl="1"/>
+            <a:r>
+              <a:rPr lang="en-US" dirty="0"/>
+              <a:t>For example, the regular flu!</a:t>
+            </a:r>
+          </a:p>
+          <a:p>
+            <a:endParaRPr lang="en-US" dirty="0"/>
+          </a:p>
+          <a:p>
+            <a:r>
+              <a:rPr lang="en-US" dirty="0"/>
+              <a:t>During the pandemic, collective effort to share data</a:t>
+            </a:r>
+          </a:p>
+          <a:p>
+            <a:pPr lvl="1"/>
+            <a:r>
+              <a:rPr lang="en-US" dirty="0"/>
+              <a:t>Open repositories with genomic sequences from all the world</a:t>
+            </a:r>
+          </a:p>
+          <a:p>
+            <a:pPr lvl="1"/>
+            <a:r>
+              <a:rPr lang="en-US" dirty="0"/>
+              <a:t>Fast and reliable genomic sequences from high-throughput</a:t>
+            </a:r>
+          </a:p>
+        </p:txBody>
+      </p:sp>
+    </p:spTree>
+    <p:extLst>
+      <p:ext uri="{BB962C8B-B14F-4D97-AF65-F5344CB8AC3E}">
+        <p14:creationId xmlns:p14="http://schemas.microsoft.com/office/powerpoint/2010/main" val="878268616"/>
+      </p:ext>
+    </p:extLst>
+  </p:cSld>
+  <p:clrMapOvr>
+    <a:masterClrMapping/>
+  </p:clrMapOvr>
+</p:sld>
+</file>
+
+<file path=ppt/slides/slide4.xml><?xml version="1.0" encoding="utf-8"?>
+<p:sld xmlns:a="http://schemas.openxmlformats.org/drawingml/2006/main" xmlns:r="http://schemas.openxmlformats.org/officeDocument/2006/relationships" xmlns:p="http://schemas.openxmlformats.org/presentationml/2006/main">
+  <p:cSld>
+    <p:spTree>
+      <p:nvGrpSpPr>
+        <p:cNvPr id="1" name=""/>
+        <p:cNvGrpSpPr/>
+        <p:nvPr/>
+      </p:nvGrpSpPr>
+      <p:grpSpPr>
+        <a:xfrm>
+          <a:off x="0" y="0"/>
+          <a:ext cx="0" cy="0"/>
+          <a:chOff x="0" y="0"/>
+          <a:chExt cx="0" cy="0"/>
+        </a:xfrm>
+      </p:grpSpPr>
+      <p:sp>
+        <p:nvSpPr>
+          <p:cNvPr id="2" name="Titre 1">
+            <a:extLst>
+              <a:ext uri="{FF2B5EF4-FFF2-40B4-BE49-F238E27FC236}">
+                <a16:creationId xmlns:a16="http://schemas.microsoft.com/office/drawing/2014/main" id="{69463002-3E64-42FD-BB81-0E071ED2F078}"/>
+              </a:ext>
+            </a:extLst>
+          </p:cNvPr>
+          <p:cNvSpPr>
+            <a:spLocks noGrp="1"/>
+          </p:cNvSpPr>
+          <p:nvPr>
+            <p:ph type="title"/>
+          </p:nvPr>
+        </p:nvSpPr>
+        <p:spPr/>
+        <p:txBody>
+          <a:bodyPr/>
+          <a:lstStyle/>
+          <a:p>
+            <a:r>
+              <a:rPr lang="en-US" dirty="0"/>
+              <a:t>Formalization</a:t>
+            </a:r>
+          </a:p>
+        </p:txBody>
+      </p:sp>
+      <p:sp>
+        <p:nvSpPr>
+          <p:cNvPr id="3" name="Espace réservé du texte 2">
+            <a:extLst>
+              <a:ext uri="{FF2B5EF4-FFF2-40B4-BE49-F238E27FC236}">
+                <a16:creationId xmlns:a16="http://schemas.microsoft.com/office/drawing/2014/main" id="{76034A47-D0B9-4CE1-B490-639E259510CC}"/>
+              </a:ext>
+            </a:extLst>
+          </p:cNvPr>
+          <p:cNvSpPr>
+            <a:spLocks noGrp="1"/>
+          </p:cNvSpPr>
+          <p:nvPr>
+            <p:ph type="body" sz="quarter" idx="10"/>
+          </p:nvPr>
+        </p:nvSpPr>
+        <p:spPr/>
+        <p:txBody>
+          <a:bodyPr/>
+          <a:lstStyle/>
+          <a:p>
+            <a:r>
+              <a:rPr lang="en-US" dirty="0"/>
+              <a:t>Basically a classification problem</a:t>
+            </a:r>
+          </a:p>
+          <a:p>
+            <a:pPr lvl="1"/>
+            <a:r>
+              <a:rPr lang="en-US" dirty="0"/>
+              <a:t>Input: sequence of variable size (RNA, cDNA)</a:t>
+            </a:r>
+          </a:p>
+          <a:p>
+            <a:pPr lvl="1"/>
+            <a:r>
+              <a:rPr lang="en-US" dirty="0"/>
+              <a:t>Output: class</a:t>
+            </a:r>
+          </a:p>
+        </p:txBody>
+      </p:sp>
+      <p:pic>
+        <p:nvPicPr>
+          <p:cNvPr id="4" name="Picture 4" descr="A screenshot of a cell phone&#10;&#10;Description automatically generated">
+            <a:extLst>
+              <a:ext uri="{FF2B5EF4-FFF2-40B4-BE49-F238E27FC236}">
+                <a16:creationId xmlns:a16="http://schemas.microsoft.com/office/drawing/2014/main" id="{0B93F776-81B6-48ED-AD52-3BC6FA493BF8}"/>
+              </a:ext>
+            </a:extLst>
+          </p:cNvPr>
+          <p:cNvPicPr>
+            <a:picLocks noChangeAspect="1"/>
+          </p:cNvPicPr>
+          <p:nvPr/>
+        </p:nvPicPr>
+        <p:blipFill>
+          <a:blip r:embed="rId2">
+            <a:extLst>
+              <a:ext uri="{28A0092B-C50C-407E-A947-70E740481C1C}">
+                <a14:useLocalDpi xmlns:a14="http://schemas.microsoft.com/office/drawing/2010/main" val="0"/>
+              </a:ext>
+            </a:extLst>
+          </a:blip>
+          <a:stretch>
+            <a:fillRect/>
+          </a:stretch>
+        </p:blipFill>
+        <p:spPr>
+          <a:xfrm>
+            <a:off x="1185126" y="2934374"/>
+            <a:ext cx="10425063" cy="4008467"/>
+          </a:xfrm>
+          <a:prstGeom prst="rect">
+            <a:avLst/>
+          </a:prstGeom>
+        </p:spPr>
+      </p:pic>
+    </p:spTree>
+    <p:extLst>
+      <p:ext uri="{BB962C8B-B14F-4D97-AF65-F5344CB8AC3E}">
+        <p14:creationId xmlns:p14="http://schemas.microsoft.com/office/powerpoint/2010/main" val="19541460"/>
+      </p:ext>
+    </p:extLst>
+  </p:cSld>
+  <p:clrMapOvr>
+    <a:masterClrMapping/>
+  </p:clrMapOvr>
+</p:sld>
+</file>
+
+<file path=ppt/slides/slide5.xml><?xml version="1.0" encoding="utf-8"?>
+<p:sld xmlns:a="http://schemas.openxmlformats.org/drawingml/2006/main" xmlns:r="http://schemas.openxmlformats.org/officeDocument/2006/relationships" xmlns:p="http://schemas.openxmlformats.org/presentationml/2006/main">
+  <p:cSld>
+    <p:spTree>
+      <p:nvGrpSpPr>
+        <p:cNvPr id="1" name=""/>
+        <p:cNvGrpSpPr/>
+        <p:nvPr/>
+      </p:nvGrpSpPr>
+      <p:grpSpPr>
+        <a:xfrm>
+          <a:off x="0" y="0"/>
+          <a:ext cx="0" cy="0"/>
+          <a:chOff x="0" y="0"/>
+          <a:chExt cx="0" cy="0"/>
+        </a:xfrm>
+      </p:grpSpPr>
+      <p:sp>
+        <p:nvSpPr>
+          <p:cNvPr id="2" name="Titre 1">
+            <a:extLst>
+              <a:ext uri="{FF2B5EF4-FFF2-40B4-BE49-F238E27FC236}">
+                <a16:creationId xmlns:a16="http://schemas.microsoft.com/office/drawing/2014/main" id="{F0B8AC7C-D591-43F2-BF5E-13617508D43A}"/>
+              </a:ext>
+            </a:extLst>
+          </p:cNvPr>
+          <p:cNvSpPr>
+            <a:spLocks noGrp="1"/>
+          </p:cNvSpPr>
+          <p:nvPr>
+            <p:ph type="title"/>
+          </p:nvPr>
+        </p:nvSpPr>
+        <p:spPr/>
+        <p:txBody>
+          <a:bodyPr/>
+          <a:lstStyle/>
+          <a:p>
+            <a:r>
+              <a:rPr lang="en-US" dirty="0"/>
+              <a:t>Formalization</a:t>
+            </a:r>
+          </a:p>
+        </p:txBody>
+      </p:sp>
+      <p:sp>
+        <p:nvSpPr>
+          <p:cNvPr id="3" name="Espace réservé du texte 2">
+            <a:extLst>
+              <a:ext uri="{FF2B5EF4-FFF2-40B4-BE49-F238E27FC236}">
+                <a16:creationId xmlns:a16="http://schemas.microsoft.com/office/drawing/2014/main" id="{FC6F10FC-0C71-475E-A348-7A548FF6C86A}"/>
+              </a:ext>
+            </a:extLst>
+          </p:cNvPr>
+          <p:cNvSpPr>
+            <a:spLocks noGrp="1"/>
+          </p:cNvSpPr>
+          <p:nvPr>
+            <p:ph type="body" sz="quarter" idx="10"/>
+          </p:nvPr>
+        </p:nvSpPr>
+        <p:spPr/>
+        <p:txBody>
+          <a:bodyPr/>
+          <a:lstStyle/>
+          <a:p>
+            <a:r>
+              <a:rPr lang="en-US" dirty="0"/>
+              <a:t>Data: a few hundred samples</a:t>
+            </a:r>
+          </a:p>
+        </p:txBody>
+      </p:sp>
+      <p:pic>
+        <p:nvPicPr>
+          <p:cNvPr id="4" name="Picture 4" descr="A screenshot of a cell phone&#10;&#10;Description automatically generated">
+            <a:extLst>
+              <a:ext uri="{FF2B5EF4-FFF2-40B4-BE49-F238E27FC236}">
+                <a16:creationId xmlns:a16="http://schemas.microsoft.com/office/drawing/2014/main" id="{A0B2A856-B379-4633-9384-3107A7A74A9F}"/>
+              </a:ext>
+            </a:extLst>
+          </p:cNvPr>
+          <p:cNvPicPr>
+            <a:picLocks noChangeAspect="1"/>
+          </p:cNvPicPr>
+          <p:nvPr/>
+        </p:nvPicPr>
+        <p:blipFill>
+          <a:blip r:embed="rId2"/>
+          <a:stretch>
+            <a:fillRect/>
+          </a:stretch>
+        </p:blipFill>
+        <p:spPr>
+          <a:xfrm>
+            <a:off x="3879575" y="2547856"/>
+            <a:ext cx="4432849" cy="2886786"/>
+          </a:xfrm>
+          <a:prstGeom prst="rect">
+            <a:avLst/>
+          </a:prstGeom>
+        </p:spPr>
+      </p:pic>
+    </p:spTree>
+    <p:extLst>
+      <p:ext uri="{BB962C8B-B14F-4D97-AF65-F5344CB8AC3E}">
+        <p14:creationId xmlns:p14="http://schemas.microsoft.com/office/powerpoint/2010/main" val="2589685038"/>
+      </p:ext>
+    </p:extLst>
+  </p:cSld>
+  <p:clrMapOvr>
+    <a:masterClrMapping/>
+  </p:clrMapOvr>
+</p:sld>
+</file>
+
+<file path=ppt/slides/slide6.xml><?xml version="1.0" encoding="utf-8"?>
+<p:sld xmlns:a="http://schemas.openxmlformats.org/drawingml/2006/main" xmlns:r="http://schemas.openxmlformats.org/officeDocument/2006/relationships" xmlns:p="http://schemas.openxmlformats.org/presentationml/2006/main">
+  <p:cSld>
+    <p:spTree>
+      <p:nvGrpSpPr>
+        <p:cNvPr id="1" name=""/>
+        <p:cNvGrpSpPr/>
+        <p:nvPr/>
+      </p:nvGrpSpPr>
+      <p:grpSpPr>
+        <a:xfrm>
+          <a:off x="0" y="0"/>
+          <a:ext cx="0" cy="0"/>
+          <a:chOff x="0" y="0"/>
+          <a:chExt cx="0" cy="0"/>
+        </a:xfrm>
+      </p:grpSpPr>
+      <p:sp>
+        <p:nvSpPr>
+          <p:cNvPr id="2" name="Titre 1">
+            <a:extLst>
+              <a:ext uri="{FF2B5EF4-FFF2-40B4-BE49-F238E27FC236}">
+                <a16:creationId xmlns:a16="http://schemas.microsoft.com/office/drawing/2014/main" id="{A417680C-0761-4FF3-B497-EA4DBA60B7D7}"/>
+              </a:ext>
+            </a:extLst>
+          </p:cNvPr>
+          <p:cNvSpPr>
+            <a:spLocks noGrp="1"/>
+          </p:cNvSpPr>
+          <p:nvPr>
+            <p:ph type="title"/>
+          </p:nvPr>
+        </p:nvSpPr>
+        <p:spPr/>
+        <p:txBody>
+          <a:bodyPr/>
+          <a:lstStyle/>
+          <a:p>
+            <a:r>
+              <a:rPr lang="en-US" dirty="0"/>
+              <a:t>Classification results</a:t>
+            </a:r>
+          </a:p>
+        </p:txBody>
+      </p:sp>
+      <p:sp>
+        <p:nvSpPr>
+          <p:cNvPr id="3" name="Espace réservé du texte 2">
+            <a:extLst>
+              <a:ext uri="{FF2B5EF4-FFF2-40B4-BE49-F238E27FC236}">
+                <a16:creationId xmlns:a16="http://schemas.microsoft.com/office/drawing/2014/main" id="{8AE7B163-9662-4554-BA17-E04EEADCC69E}"/>
+              </a:ext>
+            </a:extLst>
+          </p:cNvPr>
+          <p:cNvSpPr>
+            <a:spLocks noGrp="1"/>
+          </p:cNvSpPr>
+          <p:nvPr>
+            <p:ph type="body" sz="quarter" idx="10"/>
+          </p:nvPr>
+        </p:nvSpPr>
+        <p:spPr/>
+        <p:txBody>
+          <a:bodyPr/>
+          <a:lstStyle/>
+          <a:p>
+            <a:endParaRPr lang="en-US"/>
+          </a:p>
+        </p:txBody>
+      </p:sp>
+      <p:pic>
+        <p:nvPicPr>
+          <p:cNvPr id="4" name="Picture 4" descr="A screenshot of a cell phone&#10;&#10;Description automatically generated">
+            <a:extLst>
+              <a:ext uri="{FF2B5EF4-FFF2-40B4-BE49-F238E27FC236}">
+                <a16:creationId xmlns:a16="http://schemas.microsoft.com/office/drawing/2014/main" id="{1BE3DFCD-5B6A-4FF8-AA53-0C17206960A8}"/>
+              </a:ext>
+            </a:extLst>
+          </p:cNvPr>
+          <p:cNvPicPr>
+            <a:picLocks noChangeAspect="1"/>
+          </p:cNvPicPr>
+          <p:nvPr/>
+        </p:nvPicPr>
+        <p:blipFill>
+          <a:blip r:embed="rId2">
+            <a:extLst>
+              <a:ext uri="{28A0092B-C50C-407E-A947-70E740481C1C}">
+                <a14:useLocalDpi xmlns:a14="http://schemas.microsoft.com/office/drawing/2010/main" val="0"/>
+              </a:ext>
+            </a:extLst>
+          </a:blip>
+          <a:stretch>
+            <a:fillRect/>
+          </a:stretch>
+        </p:blipFill>
+        <p:spPr>
+          <a:xfrm>
+            <a:off x="643467" y="1870021"/>
+            <a:ext cx="5294716" cy="3971036"/>
+          </a:xfrm>
+          <a:prstGeom prst="rect">
+            <a:avLst/>
+          </a:prstGeom>
+        </p:spPr>
+      </p:pic>
+      <p:pic>
+        <p:nvPicPr>
+          <p:cNvPr id="5" name="Picture 5">
+            <a:extLst>
+              <a:ext uri="{FF2B5EF4-FFF2-40B4-BE49-F238E27FC236}">
+                <a16:creationId xmlns:a16="http://schemas.microsoft.com/office/drawing/2014/main" id="{6570EB8F-CAB0-4892-BA15-6047415C316C}"/>
+              </a:ext>
+            </a:extLst>
+          </p:cNvPr>
+          <p:cNvPicPr>
+            <a:picLocks noChangeAspect="1"/>
+          </p:cNvPicPr>
+          <p:nvPr/>
+        </p:nvPicPr>
+        <p:blipFill>
+          <a:blip r:embed="rId3"/>
+          <a:stretch>
+            <a:fillRect/>
+          </a:stretch>
+        </p:blipFill>
+        <p:spPr>
+          <a:xfrm>
+            <a:off x="6253817" y="1611904"/>
+            <a:ext cx="5294715" cy="4487271"/>
+          </a:xfrm>
+          <a:prstGeom prst="rect">
+            <a:avLst/>
+          </a:prstGeom>
+        </p:spPr>
+      </p:pic>
+    </p:spTree>
+    <p:extLst>
+      <p:ext uri="{BB962C8B-B14F-4D97-AF65-F5344CB8AC3E}">
+        <p14:creationId xmlns:p14="http://schemas.microsoft.com/office/powerpoint/2010/main" val="1698572742"/>
+      </p:ext>
+    </p:extLst>
+  </p:cSld>
+  <p:clrMapOvr>
+    <a:masterClrMapping/>
+  </p:clrMapOvr>
+</p:sld>
+</file>
+
+<file path=ppt/slides/slide7.xml><?xml version="1.0" encoding="utf-8"?>
+<p:sld xmlns:a="http://schemas.openxmlformats.org/drawingml/2006/main" xmlns:r="http://schemas.openxmlformats.org/officeDocument/2006/relationships" xmlns:p="http://schemas.openxmlformats.org/presentationml/2006/main">
+  <p:cSld>
+    <p:spTree>
+      <p:nvGrpSpPr>
+        <p:cNvPr id="1" name=""/>
+        <p:cNvGrpSpPr/>
+        <p:nvPr/>
+      </p:nvGrpSpPr>
+      <p:grpSpPr>
+        <a:xfrm>
+          <a:off x="0" y="0"/>
+          <a:ext cx="0" cy="0"/>
+          <a:chOff x="0" y="0"/>
+          <a:chExt cx="0" cy="0"/>
+        </a:xfrm>
+      </p:grpSpPr>
+      <p:sp>
+        <p:nvSpPr>
+          <p:cNvPr id="2" name="Titre 1">
+            <a:extLst>
+              <a:ext uri="{FF2B5EF4-FFF2-40B4-BE49-F238E27FC236}">
+                <a16:creationId xmlns:a16="http://schemas.microsoft.com/office/drawing/2014/main" id="{7C720623-AFD3-47BF-9B11-AE7581B64873}"/>
+              </a:ext>
+            </a:extLst>
+          </p:cNvPr>
+          <p:cNvSpPr>
+            <a:spLocks noGrp="1"/>
+          </p:cNvSpPr>
+          <p:nvPr>
+            <p:ph type="title"/>
+          </p:nvPr>
+        </p:nvSpPr>
+        <p:spPr/>
+        <p:txBody>
+          <a:bodyPr/>
+          <a:lstStyle/>
+          <a:p>
+            <a:r>
+              <a:rPr lang="en-US" dirty="0"/>
+              <a:t>Classification results</a:t>
+            </a:r>
+          </a:p>
+        </p:txBody>
+      </p:sp>
+      <p:sp>
+        <p:nvSpPr>
+          <p:cNvPr id="3" name="Espace réservé du texte 2">
+            <a:extLst>
+              <a:ext uri="{FF2B5EF4-FFF2-40B4-BE49-F238E27FC236}">
+                <a16:creationId xmlns:a16="http://schemas.microsoft.com/office/drawing/2014/main" id="{853EDD58-1EA2-4043-BBF7-F60CB3BBB6E3}"/>
+              </a:ext>
+            </a:extLst>
+          </p:cNvPr>
+          <p:cNvSpPr>
+            <a:spLocks noGrp="1"/>
+          </p:cNvSpPr>
+          <p:nvPr>
+            <p:ph type="body" sz="quarter" idx="10"/>
+          </p:nvPr>
+        </p:nvSpPr>
+        <p:spPr/>
+        <p:txBody>
+          <a:bodyPr/>
+          <a:lstStyle/>
+          <a:p>
+            <a:r>
+              <a:rPr lang="en-US" dirty="0"/>
+              <a:t>Good! But can we do something more?</a:t>
+            </a:r>
+          </a:p>
+          <a:p>
+            <a:pPr lvl="1"/>
+            <a:r>
+              <a:rPr lang="en-US" dirty="0"/>
+              <a:t>Visualization tell us </a:t>
+            </a:r>
+            <a:r>
+              <a:rPr lang="en-US" b="1" dirty="0"/>
+              <a:t>where</a:t>
+            </a:r>
+            <a:r>
+              <a:rPr lang="en-US" dirty="0"/>
+              <a:t> filters are maximally activated in sample</a:t>
+            </a:r>
+          </a:p>
+          <a:p>
+            <a:pPr lvl="1"/>
+            <a:r>
+              <a:rPr lang="en-US" dirty="0"/>
+              <a:t>By looking at </a:t>
+            </a:r>
+            <a:r>
+              <a:rPr lang="en-US" b="1" dirty="0"/>
+              <a:t>recurring patterns</a:t>
+            </a:r>
+            <a:r>
+              <a:rPr lang="en-US" dirty="0"/>
+              <a:t> for classification of SARS-CoV-2</a:t>
+            </a:r>
+          </a:p>
+        </p:txBody>
+      </p:sp>
+      <p:pic>
+        <p:nvPicPr>
+          <p:cNvPr id="4" name="Picture 4" descr="A screenshot of a cell phone&#10;&#10;Description automatically generated">
+            <a:extLst>
+              <a:ext uri="{FF2B5EF4-FFF2-40B4-BE49-F238E27FC236}">
+                <a16:creationId xmlns:a16="http://schemas.microsoft.com/office/drawing/2014/main" id="{BDF68BA7-8395-4867-A578-14468C3B1A96}"/>
+              </a:ext>
+            </a:extLst>
+          </p:cNvPr>
+          <p:cNvPicPr>
+            <a:picLocks noChangeAspect="1"/>
+          </p:cNvPicPr>
+          <p:nvPr/>
+        </p:nvPicPr>
+        <p:blipFill rotWithShape="1">
+          <a:blip r:embed="rId2">
+            <a:extLst>
+              <a:ext uri="{28A0092B-C50C-407E-A947-70E740481C1C}">
+                <a14:useLocalDpi xmlns:a14="http://schemas.microsoft.com/office/drawing/2010/main" val="0"/>
+              </a:ext>
+            </a:extLst>
+          </a:blip>
+          <a:srcRect t="-771" b="62439"/>
+          <a:stretch/>
+        </p:blipFill>
+        <p:spPr>
+          <a:xfrm>
+            <a:off x="1449076" y="3429000"/>
+            <a:ext cx="10425063" cy="1536569"/>
+          </a:xfrm>
+          <a:prstGeom prst="rect">
+            <a:avLst/>
+          </a:prstGeom>
+        </p:spPr>
+      </p:pic>
+      <p:sp>
+        <p:nvSpPr>
+          <p:cNvPr id="5" name="Ellipse 4">
+            <a:extLst>
+              <a:ext uri="{FF2B5EF4-FFF2-40B4-BE49-F238E27FC236}">
+                <a16:creationId xmlns:a16="http://schemas.microsoft.com/office/drawing/2014/main" id="{2ABE0338-6B98-476F-9B98-4AC123EC40B9}"/>
+              </a:ext>
+            </a:extLst>
+          </p:cNvPr>
+          <p:cNvSpPr/>
+          <p:nvPr/>
+        </p:nvSpPr>
+        <p:spPr>
+          <a:xfrm>
+            <a:off x="4861088" y="4287951"/>
+            <a:ext cx="2265576" cy="649337"/>
+          </a:xfrm>
+          <a:prstGeom prst="ellipse">
+            <a:avLst/>
+          </a:prstGeom>
+          <a:noFill/>
+          <a:ln w="38100">
+            <a:solidFill>
+              <a:srgbClr val="FF0000"/>
+            </a:solidFill>
+          </a:ln>
+        </p:spPr>
+        <p:style>
+          <a:lnRef idx="2">
+            <a:schemeClr val="accent1">
+              <a:shade val="50000"/>
+            </a:schemeClr>
+          </a:lnRef>
+          <a:fillRef idx="1">
+            <a:schemeClr val="accent1"/>
+          </a:fillRef>
+          <a:effectRef idx="0">
+            <a:schemeClr val="accent1"/>
+          </a:effectRef>
+          <a:fontRef idx="minor">
+            <a:schemeClr val="lt1"/>
+          </a:fontRef>
+        </p:style>
+        <p:txBody>
+          <a:bodyPr rtlCol="0" anchor="ctr"/>
+          <a:lstStyle/>
+          <a:p>
+            <a:pPr algn="ctr"/>
+            <a:endParaRPr lang="en-US"/>
+          </a:p>
+        </p:txBody>
+      </p:sp>
+      <p:sp>
+        <p:nvSpPr>
+          <p:cNvPr id="6" name="Rectangle 5">
+            <a:extLst>
+              <a:ext uri="{FF2B5EF4-FFF2-40B4-BE49-F238E27FC236}">
+                <a16:creationId xmlns:a16="http://schemas.microsoft.com/office/drawing/2014/main" id="{0FF2B584-7D40-4874-984E-8D1ED1972A57}"/>
+              </a:ext>
+            </a:extLst>
+          </p:cNvPr>
+          <p:cNvSpPr/>
+          <p:nvPr/>
+        </p:nvSpPr>
+        <p:spPr>
+          <a:xfrm>
+            <a:off x="7428322" y="5269584"/>
+            <a:ext cx="1989055" cy="659876"/>
+          </a:xfrm>
+          <a:prstGeom prst="rect">
+            <a:avLst/>
+          </a:prstGeom>
+          <a:solidFill>
+            <a:schemeClr val="bg1"/>
+          </a:solidFill>
+          <a:ln w="38100">
+            <a:solidFill>
+              <a:srgbClr val="FF0000"/>
+            </a:solidFill>
+          </a:ln>
+        </p:spPr>
+        <p:style>
+          <a:lnRef idx="2">
+            <a:schemeClr val="accent1">
+              <a:shade val="50000"/>
+            </a:schemeClr>
+          </a:lnRef>
+          <a:fillRef idx="1">
+            <a:schemeClr val="accent1"/>
+          </a:fillRef>
+          <a:effectRef idx="0">
+            <a:schemeClr val="accent1"/>
+          </a:effectRef>
+          <a:fontRef idx="minor">
+            <a:schemeClr val="lt1"/>
+          </a:fontRef>
+        </p:style>
+        <p:txBody>
+          <a:bodyPr rtlCol="0" anchor="ctr"/>
+          <a:lstStyle/>
+          <a:p>
+            <a:pPr algn="ctr"/>
+            <a:r>
+              <a:rPr lang="en-US" dirty="0">
+                <a:solidFill>
+                  <a:schemeClr val="tx1"/>
+                </a:solidFill>
+              </a:rPr>
+              <a:t>Why 21?</a:t>
+            </a:r>
+          </a:p>
+        </p:txBody>
+      </p:sp>
+      <p:cxnSp>
+        <p:nvCxnSpPr>
+          <p:cNvPr id="8" name="Connecteur droit 7">
+            <a:extLst>
+              <a:ext uri="{FF2B5EF4-FFF2-40B4-BE49-F238E27FC236}">
+                <a16:creationId xmlns:a16="http://schemas.microsoft.com/office/drawing/2014/main" id="{667247C0-E4F9-4045-A09B-2051B9181B92}"/>
+              </a:ext>
+            </a:extLst>
+          </p:cNvPr>
+          <p:cNvCxnSpPr>
+            <a:stCxn id="6" idx="0"/>
+            <a:endCxn id="5" idx="6"/>
+          </p:cNvCxnSpPr>
+          <p:nvPr/>
+        </p:nvCxnSpPr>
+        <p:spPr>
+          <a:xfrm flipH="1" flipV="1">
+            <a:off x="7126664" y="4612620"/>
+            <a:ext cx="1296186" cy="656964"/>
+          </a:xfrm>
+          <a:prstGeom prst="line">
+            <a:avLst/>
+          </a:prstGeom>
+          <a:noFill/>
+          <a:ln w="38100">
+            <a:solidFill>
+              <a:srgbClr val="FF0000"/>
+            </a:solidFill>
+          </a:ln>
+        </p:spPr>
+        <p:style>
+          <a:lnRef idx="2">
+            <a:schemeClr val="accent1">
+              <a:shade val="50000"/>
+            </a:schemeClr>
+          </a:lnRef>
+          <a:fillRef idx="1">
+            <a:schemeClr val="accent1"/>
+          </a:fillRef>
+          <a:effectRef idx="0">
+            <a:schemeClr val="accent1"/>
+          </a:effectRef>
+          <a:fontRef idx="minor">
+            <a:schemeClr val="lt1"/>
+          </a:fontRef>
+        </p:style>
+      </p:cxnSp>
+    </p:spTree>
+    <p:extLst>
+      <p:ext uri="{BB962C8B-B14F-4D97-AF65-F5344CB8AC3E}">
+        <p14:creationId xmlns:p14="http://schemas.microsoft.com/office/powerpoint/2010/main" val="944211731"/>
+      </p:ext>
+    </p:extLst>
+  </p:cSld>
+  <p:clrMapOvr>
+    <a:masterClrMapping/>
+  </p:clrMapOvr>
+</p:sld>
+</file>
+
+<file path=ppt/slides/slide8.xml><?xml version="1.0" encoding="utf-8"?>
+<p:sld xmlns:a="http://schemas.openxmlformats.org/drawingml/2006/main" xmlns:r="http://schemas.openxmlformats.org/officeDocument/2006/relationships" xmlns:p="http://schemas.openxmlformats.org/presentationml/2006/main">
+  <p:cSld>
+    <p:spTree>
+      <p:nvGrpSpPr>
+        <p:cNvPr id="1" name=""/>
+        <p:cNvGrpSpPr/>
+        <p:nvPr/>
+      </p:nvGrpSpPr>
+      <p:grpSpPr>
+        <a:xfrm>
+          <a:off x="0" y="0"/>
+          <a:ext cx="0" cy="0"/>
+          <a:chOff x="0" y="0"/>
+          <a:chExt cx="0" cy="0"/>
+        </a:xfrm>
+      </p:grpSpPr>
+      <p:sp>
+        <p:nvSpPr>
+          <p:cNvPr id="2" name="Titre 1">
+            <a:extLst>
+              <a:ext uri="{FF2B5EF4-FFF2-40B4-BE49-F238E27FC236}">
+                <a16:creationId xmlns:a16="http://schemas.microsoft.com/office/drawing/2014/main" id="{FBD2C7F8-DCD6-47DE-9830-141CA595134A}"/>
+              </a:ext>
+            </a:extLst>
+          </p:cNvPr>
+          <p:cNvSpPr>
+            <a:spLocks noGrp="1"/>
+          </p:cNvSpPr>
+          <p:nvPr>
+            <p:ph type="title"/>
+          </p:nvPr>
+        </p:nvSpPr>
+        <p:spPr/>
+        <p:txBody>
+          <a:bodyPr/>
+          <a:lstStyle/>
+          <a:p>
+            <a:r>
+              <a:rPr lang="en-US" dirty="0"/>
+              <a:t>Filter activations</a:t>
+            </a:r>
+          </a:p>
+        </p:txBody>
+      </p:sp>
+      <p:pic>
+        <p:nvPicPr>
+          <p:cNvPr id="4" name="Picture 2">
+            <a:extLst>
+              <a:ext uri="{FF2B5EF4-FFF2-40B4-BE49-F238E27FC236}">
+                <a16:creationId xmlns:a16="http://schemas.microsoft.com/office/drawing/2014/main" id="{19235B8C-E6EA-4B32-A68D-D3FE5A386326}"/>
+              </a:ext>
+            </a:extLst>
+          </p:cNvPr>
+          <p:cNvPicPr>
+            <a:picLocks noChangeAspect="1"/>
+          </p:cNvPicPr>
+          <p:nvPr/>
+        </p:nvPicPr>
+        <p:blipFill>
+          <a:blip r:embed="rId2">
+            <a:extLst>
+              <a:ext uri="{28A0092B-C50C-407E-A947-70E740481C1C}">
+                <a14:useLocalDpi xmlns:a14="http://schemas.microsoft.com/office/drawing/2010/main" val="0"/>
+              </a:ext>
+            </a:extLst>
+          </a:blip>
+          <a:stretch>
+            <a:fillRect/>
+          </a:stretch>
+        </p:blipFill>
+        <p:spPr>
+          <a:xfrm>
+            <a:off x="1572626" y="1094661"/>
+            <a:ext cx="9975444" cy="4610500"/>
+          </a:xfrm>
+          <a:prstGeom prst="rect">
+            <a:avLst/>
+          </a:prstGeom>
+        </p:spPr>
+      </p:pic>
+      <p:cxnSp>
+        <p:nvCxnSpPr>
+          <p:cNvPr id="5" name="Straight Arrow Connector 3">
+            <a:extLst>
+              <a:ext uri="{FF2B5EF4-FFF2-40B4-BE49-F238E27FC236}">
+                <a16:creationId xmlns:a16="http://schemas.microsoft.com/office/drawing/2014/main" id="{AC0FEF31-FC58-4558-A04B-88C6F720585B}"/>
+              </a:ext>
+            </a:extLst>
+          </p:cNvPr>
+          <p:cNvCxnSpPr>
+            <a:cxnSpLocks/>
+          </p:cNvCxnSpPr>
+          <p:nvPr/>
+        </p:nvCxnSpPr>
+        <p:spPr>
+          <a:xfrm>
+            <a:off x="4118964" y="5804554"/>
+            <a:ext cx="6012873" cy="0"/>
+          </a:xfrm>
+          <a:prstGeom prst="straightConnector1">
+            <a:avLst/>
+          </a:prstGeom>
+          <a:ln>
+            <a:tailEnd type="triangle"/>
+          </a:ln>
+        </p:spPr>
+        <p:style>
+          <a:lnRef idx="1">
+            <a:schemeClr val="accent1"/>
+          </a:lnRef>
+          <a:fillRef idx="0">
+            <a:schemeClr val="accent1"/>
+          </a:fillRef>
+          <a:effectRef idx="0">
+            <a:schemeClr val="accent1"/>
+          </a:effectRef>
+          <a:fontRef idx="minor">
+            <a:schemeClr val="tx1"/>
+          </a:fontRef>
+        </p:style>
+      </p:cxnSp>
+      <p:sp>
+        <p:nvSpPr>
+          <p:cNvPr id="6" name="TextBox 4">
+            <a:extLst>
+              <a:ext uri="{FF2B5EF4-FFF2-40B4-BE49-F238E27FC236}">
+                <a16:creationId xmlns:a16="http://schemas.microsoft.com/office/drawing/2014/main" id="{BB91DD0E-BFC6-4A47-9D87-56DA6E55B56B}"/>
+              </a:ext>
+            </a:extLst>
+          </p:cNvPr>
+          <p:cNvSpPr txBox="1"/>
+          <p:nvPr/>
+        </p:nvSpPr>
+        <p:spPr>
+          <a:xfrm>
+            <a:off x="6608465" y="5804554"/>
+            <a:ext cx="516936" cy="369332"/>
+          </a:xfrm>
+          <a:prstGeom prst="rect">
+            <a:avLst/>
+          </a:prstGeom>
+          <a:noFill/>
+        </p:spPr>
+        <p:txBody>
+          <a:bodyPr wrap="none" rtlCol="0">
+            <a:spAutoFit/>
+          </a:bodyPr>
+          <a:lstStyle/>
+          <a:p>
+            <a:r>
+              <a:rPr lang="en-US" dirty="0"/>
+              <a:t>bps</a:t>
+            </a:r>
+          </a:p>
+        </p:txBody>
+      </p:sp>
+      <p:sp>
+        <p:nvSpPr>
+          <p:cNvPr id="7" name="TextBox 5">
+            <a:extLst>
+              <a:ext uri="{FF2B5EF4-FFF2-40B4-BE49-F238E27FC236}">
+                <a16:creationId xmlns:a16="http://schemas.microsoft.com/office/drawing/2014/main" id="{BD2A7250-6D62-4EDD-B158-D5F151765FDD}"/>
+              </a:ext>
+            </a:extLst>
+          </p:cNvPr>
+          <p:cNvSpPr txBox="1"/>
+          <p:nvPr/>
+        </p:nvSpPr>
+        <p:spPr>
+          <a:xfrm>
+            <a:off x="284220" y="1191645"/>
+            <a:ext cx="1272015" cy="369332"/>
+          </a:xfrm>
+          <a:prstGeom prst="rect">
+            <a:avLst/>
+          </a:prstGeom>
+          <a:noFill/>
+        </p:spPr>
+        <p:txBody>
+          <a:bodyPr wrap="none" rtlCol="0">
+            <a:spAutoFit/>
+          </a:bodyPr>
+          <a:lstStyle/>
+          <a:p>
+            <a:r>
+              <a:rPr lang="en-US" dirty="0"/>
+              <a:t>SARS-CoV-2</a:t>
+            </a:r>
+          </a:p>
+        </p:txBody>
+      </p:sp>
+      <p:sp>
+        <p:nvSpPr>
+          <p:cNvPr id="8" name="TextBox 6">
+            <a:extLst>
+              <a:ext uri="{FF2B5EF4-FFF2-40B4-BE49-F238E27FC236}">
+                <a16:creationId xmlns:a16="http://schemas.microsoft.com/office/drawing/2014/main" id="{7F472276-700E-4357-92ED-3024AC9E82E2}"/>
+              </a:ext>
+            </a:extLst>
+          </p:cNvPr>
+          <p:cNvSpPr txBox="1"/>
+          <p:nvPr/>
+        </p:nvSpPr>
+        <p:spPr>
+          <a:xfrm>
+            <a:off x="284220" y="2407166"/>
+            <a:ext cx="1168077" cy="369332"/>
+          </a:xfrm>
+          <a:prstGeom prst="rect">
+            <a:avLst/>
+          </a:prstGeom>
+          <a:noFill/>
+        </p:spPr>
+        <p:txBody>
+          <a:bodyPr wrap="none" rtlCol="0">
+            <a:spAutoFit/>
+          </a:bodyPr>
+          <a:lstStyle/>
+          <a:p>
+            <a:r>
+              <a:rPr lang="en-US" dirty="0"/>
+              <a:t>MERS-</a:t>
+            </a:r>
+            <a:r>
+              <a:rPr lang="en-US" dirty="0" err="1"/>
+              <a:t>CoV</a:t>
+            </a:r>
+            <a:endParaRPr lang="en-US" dirty="0"/>
+          </a:p>
+        </p:txBody>
+      </p:sp>
+      <p:sp>
+        <p:nvSpPr>
+          <p:cNvPr id="9" name="TextBox 7">
+            <a:extLst>
+              <a:ext uri="{FF2B5EF4-FFF2-40B4-BE49-F238E27FC236}">
+                <a16:creationId xmlns:a16="http://schemas.microsoft.com/office/drawing/2014/main" id="{F9497618-658A-4F35-A341-C22D69110836}"/>
+              </a:ext>
+            </a:extLst>
+          </p:cNvPr>
+          <p:cNvSpPr txBox="1"/>
+          <p:nvPr/>
+        </p:nvSpPr>
+        <p:spPr>
+          <a:xfrm>
+            <a:off x="284220" y="3913755"/>
+            <a:ext cx="1274516" cy="646331"/>
+          </a:xfrm>
+          <a:prstGeom prst="rect">
+            <a:avLst/>
+          </a:prstGeom>
+          <a:noFill/>
+        </p:spPr>
+        <p:txBody>
+          <a:bodyPr wrap="none" rtlCol="0">
+            <a:spAutoFit/>
+          </a:bodyPr>
+          <a:lstStyle/>
+          <a:p>
+            <a:r>
+              <a:rPr lang="en-US" dirty="0"/>
+              <a:t>HCoV-OC43</a:t>
+            </a:r>
+          </a:p>
+          <a:p>
+            <a:r>
+              <a:rPr lang="en-US" dirty="0"/>
+              <a:t>HCoV-229E</a:t>
+            </a:r>
+          </a:p>
+        </p:txBody>
+      </p:sp>
+      <p:sp>
+        <p:nvSpPr>
+          <p:cNvPr id="10" name="TextBox 8">
+            <a:extLst>
+              <a:ext uri="{FF2B5EF4-FFF2-40B4-BE49-F238E27FC236}">
+                <a16:creationId xmlns:a16="http://schemas.microsoft.com/office/drawing/2014/main" id="{9950A67B-374F-42AB-9395-B91FFE62F6C5}"/>
+              </a:ext>
+            </a:extLst>
+          </p:cNvPr>
+          <p:cNvSpPr txBox="1"/>
+          <p:nvPr/>
+        </p:nvSpPr>
+        <p:spPr>
+          <a:xfrm>
+            <a:off x="284220" y="5729843"/>
+            <a:ext cx="1272015" cy="369332"/>
+          </a:xfrm>
+          <a:prstGeom prst="rect">
+            <a:avLst/>
+          </a:prstGeom>
+          <a:noFill/>
+        </p:spPr>
+        <p:txBody>
+          <a:bodyPr wrap="none" rtlCol="0">
+            <a:spAutoFit/>
+          </a:bodyPr>
+          <a:lstStyle/>
+          <a:p>
+            <a:r>
+              <a:rPr lang="en-US" dirty="0"/>
+              <a:t>SARS-CoV-1</a:t>
+            </a:r>
+          </a:p>
+        </p:txBody>
+      </p:sp>
+      <p:sp>
+        <p:nvSpPr>
+          <p:cNvPr id="11" name="TextBox 9">
+            <a:extLst>
+              <a:ext uri="{FF2B5EF4-FFF2-40B4-BE49-F238E27FC236}">
+                <a16:creationId xmlns:a16="http://schemas.microsoft.com/office/drawing/2014/main" id="{78C5D9C6-DA3B-44E9-BC26-8F5AFCF70650}"/>
+              </a:ext>
+            </a:extLst>
+          </p:cNvPr>
+          <p:cNvSpPr txBox="1"/>
+          <p:nvPr/>
+        </p:nvSpPr>
+        <p:spPr>
+          <a:xfrm>
+            <a:off x="284218" y="4945081"/>
+            <a:ext cx="1290481" cy="646331"/>
+          </a:xfrm>
+          <a:prstGeom prst="rect">
+            <a:avLst/>
+          </a:prstGeom>
+          <a:noFill/>
+        </p:spPr>
+        <p:txBody>
+          <a:bodyPr wrap="none" rtlCol="0">
+            <a:spAutoFit/>
+          </a:bodyPr>
+          <a:lstStyle/>
+          <a:p>
+            <a:r>
+              <a:rPr lang="en-US" dirty="0"/>
+              <a:t>HCoV-NL63</a:t>
+            </a:r>
+          </a:p>
+          <a:p>
+            <a:r>
+              <a:rPr lang="en-US" dirty="0"/>
+              <a:t>HCoV-HKU1</a:t>
+            </a:r>
+          </a:p>
+        </p:txBody>
+      </p:sp>
+      <p:cxnSp>
+        <p:nvCxnSpPr>
+          <p:cNvPr id="12" name="Straight Arrow Connector 10">
+            <a:extLst>
+              <a:ext uri="{FF2B5EF4-FFF2-40B4-BE49-F238E27FC236}">
+                <a16:creationId xmlns:a16="http://schemas.microsoft.com/office/drawing/2014/main" id="{2488DC34-C87D-4FD7-BF01-7AB18AD5A2CA}"/>
+              </a:ext>
+            </a:extLst>
+          </p:cNvPr>
+          <p:cNvCxnSpPr>
+            <a:cxnSpLocks/>
+          </p:cNvCxnSpPr>
+          <p:nvPr/>
+        </p:nvCxnSpPr>
+        <p:spPr>
+          <a:xfrm flipV="1">
+            <a:off x="1445930" y="5656669"/>
+            <a:ext cx="126696" cy="147885"/>
+          </a:xfrm>
+          <a:prstGeom prst="straightConnector1">
+            <a:avLst/>
+          </a:prstGeom>
+          <a:ln>
+            <a:tailEnd type="triangle"/>
+          </a:ln>
+        </p:spPr>
+        <p:style>
+          <a:lnRef idx="1">
+            <a:schemeClr val="accent1"/>
+          </a:lnRef>
+          <a:fillRef idx="0">
+            <a:schemeClr val="accent1"/>
+          </a:fillRef>
+          <a:effectRef idx="0">
+            <a:schemeClr val="accent1"/>
+          </a:effectRef>
+          <a:fontRef idx="minor">
+            <a:schemeClr val="tx1"/>
+          </a:fontRef>
+        </p:style>
+      </p:cxnSp>
+    </p:spTree>
+    <p:extLst>
+      <p:ext uri="{BB962C8B-B14F-4D97-AF65-F5344CB8AC3E}">
+        <p14:creationId xmlns:p14="http://schemas.microsoft.com/office/powerpoint/2010/main" val="2736493244"/>
+      </p:ext>
+    </p:extLst>
+  </p:cSld>
+  <p:clrMapOvr>
+    <a:masterClrMapping/>
+  </p:clrMapOvr>
+</p:sld>
+</file>
+
+<file path=ppt/slides/slide9.xml><?xml version="1.0" encoding="utf-8"?>
+<p:sld xmlns:a="http://schemas.openxmlformats.org/drawingml/2006/main" xmlns:r="http://schemas.openxmlformats.org/officeDocument/2006/relationships" xmlns:p="http://schemas.openxmlformats.org/presentationml/2006/main">
+  <p:cSld>
+    <p:spTree>
+      <p:nvGrpSpPr>
+        <p:cNvPr id="1" name=""/>
+        <p:cNvGrpSpPr/>
+        <p:nvPr/>
+      </p:nvGrpSpPr>
+      <p:grpSpPr>
+        <a:xfrm>
+          <a:off x="0" y="0"/>
+          <a:ext cx="0" cy="0"/>
+          <a:chOff x="0" y="0"/>
+          <a:chExt cx="0" cy="0"/>
+        </a:xfrm>
+      </p:grpSpPr>
+      <p:graphicFrame>
+        <p:nvGraphicFramePr>
+          <p:cNvPr id="31" name="Chart 9">
+            <a:extLst>
+              <a:ext uri="{FF2B5EF4-FFF2-40B4-BE49-F238E27FC236}">
+                <a16:creationId xmlns:a16="http://schemas.microsoft.com/office/drawing/2014/main" id="{6B535B9F-F6E4-4F28-8668-440E0226F2E8}"/>
+              </a:ext>
+            </a:extLst>
+          </p:cNvPr>
+          <p:cNvGraphicFramePr>
+            <a:graphicFrameLocks/>
+          </p:cNvGraphicFramePr>
+          <p:nvPr>
+            <p:extLst>
+              <p:ext uri="{D42A27DB-BD31-4B8C-83A1-F6EECF244321}">
+                <p14:modId xmlns:p14="http://schemas.microsoft.com/office/powerpoint/2010/main" val="2091218725"/>
+              </p:ext>
+            </p:extLst>
+          </p:nvPr>
+        </p:nvGraphicFramePr>
+        <p:xfrm>
+          <a:off x="8339885" y="4182856"/>
+          <a:ext cx="3384586" cy="1744452"/>
+        </p:xfrm>
+        <a:graphic>
+          <a:graphicData uri="http://schemas.openxmlformats.org/drawingml/2006/chart">
+            <c:chart xmlns:c="http://schemas.openxmlformats.org/drawingml/2006/chart" xmlns:r="http://schemas.openxmlformats.org/officeDocument/2006/relationships" r:id="rId2"/>
+          </a:graphicData>
+        </a:graphic>
+      </p:graphicFrame>
+      <p:sp>
+        <p:nvSpPr>
+          <p:cNvPr id="2" name="Titre 1">
+            <a:extLst>
+              <a:ext uri="{FF2B5EF4-FFF2-40B4-BE49-F238E27FC236}">
+                <a16:creationId xmlns:a16="http://schemas.microsoft.com/office/drawing/2014/main" id="{6086AA04-DCD5-46CA-B267-C9D18133E79C}"/>
+              </a:ext>
+            </a:extLst>
+          </p:cNvPr>
+          <p:cNvSpPr>
+            <a:spLocks noGrp="1"/>
+          </p:cNvSpPr>
+          <p:nvPr>
+            <p:ph type="title"/>
+          </p:nvPr>
+        </p:nvSpPr>
+        <p:spPr/>
+        <p:txBody>
+          <a:bodyPr/>
+          <a:lstStyle/>
+          <a:p>
+            <a:r>
+              <a:rPr lang="en-US" dirty="0"/>
+              <a:t>Extracting information from filters</a:t>
+            </a:r>
+          </a:p>
+        </p:txBody>
+      </p:sp>
+      <p:pic>
+        <p:nvPicPr>
+          <p:cNvPr id="4" name="Picture 1">
+            <a:extLst>
+              <a:ext uri="{FF2B5EF4-FFF2-40B4-BE49-F238E27FC236}">
+                <a16:creationId xmlns:a16="http://schemas.microsoft.com/office/drawing/2014/main" id="{C088192A-2B2B-43FB-8AD8-A82844C3A525}"/>
+              </a:ext>
+            </a:extLst>
+          </p:cNvPr>
+          <p:cNvPicPr>
+            <a:picLocks noChangeAspect="1"/>
+          </p:cNvPicPr>
+          <p:nvPr/>
+        </p:nvPicPr>
+        <p:blipFill>
+          <a:blip r:embed="rId3"/>
+          <a:stretch>
+            <a:fillRect/>
+          </a:stretch>
+        </p:blipFill>
+        <p:spPr>
+          <a:xfrm>
+            <a:off x="308694" y="2014177"/>
+            <a:ext cx="2881607" cy="585705"/>
+          </a:xfrm>
+          <a:prstGeom prst="rect">
+            <a:avLst/>
+          </a:prstGeom>
+        </p:spPr>
+      </p:pic>
+      <p:grpSp>
+        <p:nvGrpSpPr>
+          <p:cNvPr id="5" name="Group 31">
+            <a:extLst>
+              <a:ext uri="{FF2B5EF4-FFF2-40B4-BE49-F238E27FC236}">
+                <a16:creationId xmlns:a16="http://schemas.microsoft.com/office/drawing/2014/main" id="{E6D3A3C8-18A2-4C7C-B1FE-C5C60F6AB166}"/>
+              </a:ext>
+            </a:extLst>
+          </p:cNvPr>
+          <p:cNvGrpSpPr/>
+          <p:nvPr/>
+        </p:nvGrpSpPr>
+        <p:grpSpPr>
+          <a:xfrm>
+            <a:off x="3596295" y="1877630"/>
+            <a:ext cx="3721637" cy="862842"/>
+            <a:chOff x="77625" y="1798858"/>
+            <a:chExt cx="11374701" cy="1940970"/>
+          </a:xfrm>
+        </p:grpSpPr>
+        <p:pic>
+          <p:nvPicPr>
+            <p:cNvPr id="6" name="Picture 17">
+              <a:extLst>
+                <a:ext uri="{FF2B5EF4-FFF2-40B4-BE49-F238E27FC236}">
+                  <a16:creationId xmlns:a16="http://schemas.microsoft.com/office/drawing/2014/main" id="{94411BDC-A173-40B0-8E97-7AB247C75032}"/>
+                </a:ext>
+              </a:extLst>
+            </p:cNvPr>
+            <p:cNvPicPr>
+              <a:picLocks noChangeAspect="1"/>
+            </p:cNvPicPr>
+            <p:nvPr/>
+          </p:nvPicPr>
+          <p:blipFill>
+            <a:blip r:embed="rId4">
+              <a:clrChange>
+                <a:clrFrom>
+                  <a:srgbClr val="FFFFFF"/>
+                </a:clrFrom>
+                <a:clrTo>
+                  <a:srgbClr val="FFFFFF">
+                    <a:alpha val="0"/>
+                  </a:srgbClr>
+                </a:clrTo>
+              </a:clrChange>
+            </a:blip>
+            <a:stretch>
+              <a:fillRect/>
+            </a:stretch>
+          </p:blipFill>
+          <p:spPr>
+            <a:xfrm>
+              <a:off x="77625" y="2520053"/>
+              <a:ext cx="2424591" cy="881388"/>
+            </a:xfrm>
+            <a:prstGeom prst="rect">
+              <a:avLst/>
+            </a:prstGeom>
+          </p:spPr>
+        </p:pic>
+        <p:pic>
+          <p:nvPicPr>
+            <p:cNvPr id="7" name="Picture 18">
+              <a:extLst>
+                <a:ext uri="{FF2B5EF4-FFF2-40B4-BE49-F238E27FC236}">
+                  <a16:creationId xmlns:a16="http://schemas.microsoft.com/office/drawing/2014/main" id="{2EDCF2B4-9815-4DAF-B15F-6B11877A67C5}"/>
+                </a:ext>
+              </a:extLst>
+            </p:cNvPr>
+            <p:cNvPicPr>
+              <a:picLocks noChangeAspect="1"/>
+            </p:cNvPicPr>
+            <p:nvPr/>
+          </p:nvPicPr>
+          <p:blipFill>
+            <a:blip r:embed="rId5">
+              <a:clrChange>
+                <a:clrFrom>
+                  <a:srgbClr val="FFFFFF"/>
+                </a:clrFrom>
+                <a:clrTo>
+                  <a:srgbClr val="FFFFFF">
+                    <a:alpha val="0"/>
+                  </a:srgbClr>
+                </a:clrTo>
+              </a:clrChange>
+            </a:blip>
+            <a:stretch>
+              <a:fillRect/>
+            </a:stretch>
+          </p:blipFill>
+          <p:spPr>
+            <a:xfrm>
+              <a:off x="2676804" y="2247612"/>
+              <a:ext cx="4159002" cy="1314450"/>
+            </a:xfrm>
+            <a:prstGeom prst="rect">
+              <a:avLst/>
+            </a:prstGeom>
+          </p:spPr>
+        </p:pic>
+        <p:pic>
+          <p:nvPicPr>
+            <p:cNvPr id="8" name="Picture 19">
+              <a:extLst>
+                <a:ext uri="{FF2B5EF4-FFF2-40B4-BE49-F238E27FC236}">
+                  <a16:creationId xmlns:a16="http://schemas.microsoft.com/office/drawing/2014/main" id="{7E919776-0D3F-41D6-B169-30582763BEC7}"/>
+                </a:ext>
+              </a:extLst>
+            </p:cNvPr>
+            <p:cNvPicPr>
+              <a:picLocks noChangeAspect="1"/>
+            </p:cNvPicPr>
+            <p:nvPr/>
+          </p:nvPicPr>
+          <p:blipFill>
+            <a:blip r:embed="rId6">
+              <a:clrChange>
+                <a:clrFrom>
+                  <a:srgbClr val="FFFFFF"/>
+                </a:clrFrom>
+                <a:clrTo>
+                  <a:srgbClr val="FFFFFF">
+                    <a:alpha val="0"/>
+                  </a:srgbClr>
+                </a:clrTo>
+              </a:clrChange>
+            </a:blip>
+            <a:stretch>
+              <a:fillRect/>
+            </a:stretch>
+          </p:blipFill>
+          <p:spPr>
+            <a:xfrm>
+              <a:off x="6711436" y="2261955"/>
+              <a:ext cx="2538087" cy="1477873"/>
+            </a:xfrm>
+            <a:prstGeom prst="rect">
+              <a:avLst/>
+            </a:prstGeom>
+          </p:spPr>
+        </p:pic>
+        <p:pic>
+          <p:nvPicPr>
+            <p:cNvPr id="9" name="Picture 20">
+              <a:extLst>
+                <a:ext uri="{FF2B5EF4-FFF2-40B4-BE49-F238E27FC236}">
+                  <a16:creationId xmlns:a16="http://schemas.microsoft.com/office/drawing/2014/main" id="{139407DF-A321-409C-8617-C4B7B57F1F8B}"/>
+                </a:ext>
+              </a:extLst>
+            </p:cNvPr>
+            <p:cNvPicPr>
+              <a:picLocks noChangeAspect="1"/>
+            </p:cNvPicPr>
+            <p:nvPr/>
+          </p:nvPicPr>
+          <p:blipFill>
+            <a:blip r:embed="rId7">
+              <a:clrChange>
+                <a:clrFrom>
+                  <a:srgbClr val="FFFFFF"/>
+                </a:clrFrom>
+                <a:clrTo>
+                  <a:srgbClr val="FFFFFF">
+                    <a:alpha val="0"/>
+                  </a:srgbClr>
+                </a:clrTo>
+              </a:clrChange>
+            </a:blip>
+            <a:stretch>
+              <a:fillRect/>
+            </a:stretch>
+          </p:blipFill>
+          <p:spPr>
+            <a:xfrm>
+              <a:off x="8510359" y="1798858"/>
+              <a:ext cx="2009674" cy="1931880"/>
+            </a:xfrm>
+            <a:prstGeom prst="rect">
+              <a:avLst/>
+            </a:prstGeom>
+          </p:spPr>
+        </p:pic>
+        <p:pic>
+          <p:nvPicPr>
+            <p:cNvPr id="10" name="Picture 21">
+              <a:extLst>
+                <a:ext uri="{FF2B5EF4-FFF2-40B4-BE49-F238E27FC236}">
+                  <a16:creationId xmlns:a16="http://schemas.microsoft.com/office/drawing/2014/main" id="{62FBAA62-3150-4568-89D5-C3FC85B07DD6}"/>
+                </a:ext>
+              </a:extLst>
+            </p:cNvPr>
+            <p:cNvPicPr>
+              <a:picLocks noChangeAspect="1"/>
+            </p:cNvPicPr>
+            <p:nvPr/>
+          </p:nvPicPr>
+          <p:blipFill>
+            <a:blip r:embed="rId8">
+              <a:clrChange>
+                <a:clrFrom>
+                  <a:srgbClr val="FFFFFF"/>
+                </a:clrFrom>
+                <a:clrTo>
+                  <a:srgbClr val="FFFFFF">
+                    <a:alpha val="0"/>
+                  </a:srgbClr>
+                </a:clrTo>
+              </a:clrChange>
+            </a:blip>
+            <a:stretch>
+              <a:fillRect/>
+            </a:stretch>
+          </p:blipFill>
+          <p:spPr>
+            <a:xfrm>
+              <a:off x="10097812" y="2134377"/>
+              <a:ext cx="1354514" cy="1307342"/>
+            </a:xfrm>
+            <a:prstGeom prst="rect">
+              <a:avLst/>
+            </a:prstGeom>
+          </p:spPr>
+        </p:pic>
+        <p:sp>
+          <p:nvSpPr>
+            <p:cNvPr id="11" name="Arrow: Right 22">
+              <a:extLst>
+                <a:ext uri="{FF2B5EF4-FFF2-40B4-BE49-F238E27FC236}">
+                  <a16:creationId xmlns:a16="http://schemas.microsoft.com/office/drawing/2014/main" id="{2EBF2709-0098-4EE1-B33A-F208CD496145}"/>
+                </a:ext>
+              </a:extLst>
+            </p:cNvPr>
+            <p:cNvSpPr/>
+            <p:nvPr/>
+          </p:nvSpPr>
+          <p:spPr>
+            <a:xfrm>
+              <a:off x="8765395" y="2777985"/>
+              <a:ext cx="350668" cy="182762"/>
+            </a:xfrm>
+            <a:prstGeom prst="rightArrow">
+              <a:avLst/>
+            </a:prstGeom>
+          </p:spPr>
+          <p:style>
+            <a:lnRef idx="2">
+              <a:schemeClr val="accent1">
+                <a:shade val="50000"/>
+              </a:schemeClr>
+            </a:lnRef>
+            <a:fillRef idx="1">
+              <a:schemeClr val="accent1"/>
+            </a:fillRef>
+            <a:effectRef idx="0">
+              <a:schemeClr val="accent1"/>
+            </a:effectRef>
+            <a:fontRef idx="minor">
+              <a:schemeClr val="lt1"/>
+            </a:fontRef>
+          </p:style>
+          <p:txBody>
+            <a:bodyPr rtlCol="0" anchor="ctr"/>
+            <a:lstStyle/>
+            <a:p>
+              <a:pPr algn="ctr"/>
+              <a:endParaRPr lang="en-GB"/>
+            </a:p>
+          </p:txBody>
+        </p:sp>
+        <p:sp>
+          <p:nvSpPr>
+            <p:cNvPr id="12" name="Arrow: Right 23">
+              <a:extLst>
+                <a:ext uri="{FF2B5EF4-FFF2-40B4-BE49-F238E27FC236}">
+                  <a16:creationId xmlns:a16="http://schemas.microsoft.com/office/drawing/2014/main" id="{8C6CAC8B-F23C-4A0E-8E4A-0E22AC146C11}"/>
+                </a:ext>
+              </a:extLst>
+            </p:cNvPr>
+            <p:cNvSpPr/>
+            <p:nvPr/>
+          </p:nvSpPr>
+          <p:spPr>
+            <a:xfrm>
+              <a:off x="9978096" y="2777985"/>
+              <a:ext cx="350668" cy="182762"/>
+            </a:xfrm>
+            <a:prstGeom prst="rightArrow">
+              <a:avLst/>
+            </a:prstGeom>
+          </p:spPr>
+          <p:style>
+            <a:lnRef idx="2">
+              <a:schemeClr val="accent1">
+                <a:shade val="50000"/>
+              </a:schemeClr>
+            </a:lnRef>
+            <a:fillRef idx="1">
+              <a:schemeClr val="accent1"/>
+            </a:fillRef>
+            <a:effectRef idx="0">
+              <a:schemeClr val="accent1"/>
+            </a:effectRef>
+            <a:fontRef idx="minor">
+              <a:schemeClr val="lt1"/>
+            </a:fontRef>
+          </p:style>
+          <p:txBody>
+            <a:bodyPr rtlCol="0" anchor="ctr"/>
+            <a:lstStyle/>
+            <a:p>
+              <a:pPr algn="ctr"/>
+              <a:endParaRPr lang="en-GB"/>
+            </a:p>
+          </p:txBody>
+        </p:sp>
+        <p:sp>
+          <p:nvSpPr>
+            <p:cNvPr id="13" name="Arrow: Right 26">
+              <a:extLst>
+                <a:ext uri="{FF2B5EF4-FFF2-40B4-BE49-F238E27FC236}">
+                  <a16:creationId xmlns:a16="http://schemas.microsoft.com/office/drawing/2014/main" id="{DE741FC2-EACA-4813-9CDF-C46A077C0076}"/>
+                </a:ext>
+              </a:extLst>
+            </p:cNvPr>
+            <p:cNvSpPr/>
+            <p:nvPr/>
+          </p:nvSpPr>
+          <p:spPr>
+            <a:xfrm>
+              <a:off x="6684789" y="2813456"/>
+              <a:ext cx="350668" cy="182762"/>
+            </a:xfrm>
+            <a:prstGeom prst="rightArrow">
+              <a:avLst/>
+            </a:prstGeom>
+          </p:spPr>
+          <p:style>
+            <a:lnRef idx="2">
+              <a:schemeClr val="accent1">
+                <a:shade val="50000"/>
+              </a:schemeClr>
+            </a:lnRef>
+            <a:fillRef idx="1">
+              <a:schemeClr val="accent1"/>
+            </a:fillRef>
+            <a:effectRef idx="0">
+              <a:schemeClr val="accent1"/>
+            </a:effectRef>
+            <a:fontRef idx="minor">
+              <a:schemeClr val="lt1"/>
+            </a:fontRef>
+          </p:style>
+          <p:txBody>
+            <a:bodyPr rtlCol="0" anchor="ctr"/>
+            <a:lstStyle/>
+            <a:p>
+              <a:pPr algn="ctr"/>
+              <a:endParaRPr lang="en-GB"/>
+            </a:p>
+          </p:txBody>
+        </p:sp>
+        <p:sp>
+          <p:nvSpPr>
+            <p:cNvPr id="14" name="Arrow: Right 27">
+              <a:extLst>
+                <a:ext uri="{FF2B5EF4-FFF2-40B4-BE49-F238E27FC236}">
+                  <a16:creationId xmlns:a16="http://schemas.microsoft.com/office/drawing/2014/main" id="{CA1297A9-6B00-43EA-BEC8-C52A6135290C}"/>
+                </a:ext>
+              </a:extLst>
+            </p:cNvPr>
+            <p:cNvSpPr/>
+            <p:nvPr/>
+          </p:nvSpPr>
+          <p:spPr>
+            <a:xfrm>
+              <a:off x="2423572" y="2777985"/>
+              <a:ext cx="350668" cy="182762"/>
+            </a:xfrm>
+            <a:prstGeom prst="rightArrow">
+              <a:avLst/>
+            </a:prstGeom>
+          </p:spPr>
+          <p:style>
+            <a:lnRef idx="2">
+              <a:schemeClr val="accent1">
+                <a:shade val="50000"/>
+              </a:schemeClr>
+            </a:lnRef>
+            <a:fillRef idx="1">
+              <a:schemeClr val="accent1"/>
+            </a:fillRef>
+            <a:effectRef idx="0">
+              <a:schemeClr val="accent1"/>
+            </a:effectRef>
+            <a:fontRef idx="minor">
+              <a:schemeClr val="lt1"/>
+            </a:fontRef>
+          </p:style>
+          <p:txBody>
+            <a:bodyPr rtlCol="0" anchor="ctr"/>
+            <a:lstStyle/>
+            <a:p>
+              <a:pPr algn="ctr"/>
+              <a:endParaRPr lang="en-GB"/>
+            </a:p>
+          </p:txBody>
+        </p:sp>
+      </p:grpSp>
+      <p:pic>
+        <p:nvPicPr>
+          <p:cNvPr id="15" name="Picture 42">
+            <a:extLst>
+              <a:ext uri="{FF2B5EF4-FFF2-40B4-BE49-F238E27FC236}">
+                <a16:creationId xmlns:a16="http://schemas.microsoft.com/office/drawing/2014/main" id="{9045A45B-D0C2-4F0B-A81B-CB136FCAE983}"/>
+              </a:ext>
+            </a:extLst>
+          </p:cNvPr>
+          <p:cNvPicPr>
+            <a:picLocks noChangeAspect="1"/>
+          </p:cNvPicPr>
+          <p:nvPr/>
+        </p:nvPicPr>
+        <p:blipFill rotWithShape="1">
+          <a:blip r:embed="rId9"/>
+          <a:srcRect t="34952" b="27515"/>
+          <a:stretch/>
+        </p:blipFill>
+        <p:spPr>
+          <a:xfrm>
+            <a:off x="9218541" y="3480286"/>
+            <a:ext cx="1481265" cy="584776"/>
+          </a:xfrm>
+          <a:prstGeom prst="rect">
+            <a:avLst/>
+          </a:prstGeom>
+        </p:spPr>
+      </p:pic>
+      <p:sp>
+        <p:nvSpPr>
+          <p:cNvPr id="16" name="Arrow: Right 43">
+            <a:extLst>
+              <a:ext uri="{FF2B5EF4-FFF2-40B4-BE49-F238E27FC236}">
+                <a16:creationId xmlns:a16="http://schemas.microsoft.com/office/drawing/2014/main" id="{05E8F718-6E04-4FB0-BD29-3C8BAC5B88E6}"/>
+              </a:ext>
+            </a:extLst>
+          </p:cNvPr>
+          <p:cNvSpPr/>
+          <p:nvPr/>
+        </p:nvSpPr>
+        <p:spPr>
+          <a:xfrm>
+            <a:off x="3346219" y="2217923"/>
+            <a:ext cx="236052" cy="271181"/>
+          </a:xfrm>
+          <a:prstGeom prst="rightArrow">
+            <a:avLst/>
+          </a:prstGeom>
+          <a:solidFill>
+            <a:schemeClr val="accent3">
+              <a:lumMod val="75000"/>
+            </a:schemeClr>
+          </a:solidFill>
+        </p:spPr>
+        <p:style>
+          <a:lnRef idx="2">
+            <a:schemeClr val="accent1">
+              <a:shade val="50000"/>
+            </a:schemeClr>
+          </a:lnRef>
+          <a:fillRef idx="1">
+            <a:schemeClr val="accent1"/>
+          </a:fillRef>
+          <a:effectRef idx="0">
+            <a:schemeClr val="accent1"/>
+          </a:effectRef>
+          <a:fontRef idx="minor">
+            <a:schemeClr val="lt1"/>
+          </a:fontRef>
+        </p:style>
+        <p:txBody>
+          <a:bodyPr rtlCol="0" anchor="ctr"/>
+          <a:lstStyle/>
+          <a:p>
+            <a:pPr algn="ctr"/>
+            <a:endParaRPr lang="en-GB"/>
+          </a:p>
+        </p:txBody>
+      </p:sp>
+      <p:sp>
+        <p:nvSpPr>
+          <p:cNvPr id="17" name="TextBox 46">
+            <a:extLst>
+              <a:ext uri="{FF2B5EF4-FFF2-40B4-BE49-F238E27FC236}">
+                <a16:creationId xmlns:a16="http://schemas.microsoft.com/office/drawing/2014/main" id="{F21F984C-FD79-4787-A242-4B2F5F20F4ED}"/>
+              </a:ext>
+            </a:extLst>
+          </p:cNvPr>
+          <p:cNvSpPr txBox="1"/>
+          <p:nvPr/>
+        </p:nvSpPr>
+        <p:spPr>
+          <a:xfrm>
+            <a:off x="308694" y="2743712"/>
+            <a:ext cx="1143262" cy="338554"/>
+          </a:xfrm>
+          <a:prstGeom prst="rect">
+            <a:avLst/>
+          </a:prstGeom>
+          <a:noFill/>
+        </p:spPr>
+        <p:txBody>
+          <a:bodyPr wrap="none" rtlCol="0">
+            <a:spAutoFit/>
+          </a:bodyPr>
+          <a:lstStyle/>
+          <a:p>
+            <a:r>
+              <a:rPr lang="en-GB" sz="1600" dirty="0"/>
+              <a:t>Sequencing</a:t>
+            </a:r>
+          </a:p>
+        </p:txBody>
+      </p:sp>
+      <p:sp>
+        <p:nvSpPr>
+          <p:cNvPr id="18" name="TextBox 47">
+            <a:extLst>
+              <a:ext uri="{FF2B5EF4-FFF2-40B4-BE49-F238E27FC236}">
+                <a16:creationId xmlns:a16="http://schemas.microsoft.com/office/drawing/2014/main" id="{97F2BF45-0D35-4598-9CA1-7A2756D2AE9D}"/>
+              </a:ext>
+            </a:extLst>
+          </p:cNvPr>
+          <p:cNvSpPr txBox="1"/>
+          <p:nvPr/>
+        </p:nvSpPr>
+        <p:spPr>
+          <a:xfrm>
+            <a:off x="3499998" y="2743712"/>
+            <a:ext cx="2452916" cy="338554"/>
+          </a:xfrm>
+          <a:prstGeom prst="rect">
+            <a:avLst/>
+          </a:prstGeom>
+          <a:noFill/>
+        </p:spPr>
+        <p:txBody>
+          <a:bodyPr wrap="none" rtlCol="0">
+            <a:spAutoFit/>
+          </a:bodyPr>
+          <a:lstStyle/>
+          <a:p>
+            <a:r>
+              <a:rPr lang="en-GB" sz="1600" dirty="0"/>
+              <a:t>Apply Deep Learning (CNN)</a:t>
+            </a:r>
+          </a:p>
+        </p:txBody>
+      </p:sp>
+      <p:sp>
+        <p:nvSpPr>
+          <p:cNvPr id="19" name="TextBox 48">
+            <a:extLst>
+              <a:ext uri="{FF2B5EF4-FFF2-40B4-BE49-F238E27FC236}">
+                <a16:creationId xmlns:a16="http://schemas.microsoft.com/office/drawing/2014/main" id="{05B54F5E-C435-4A3F-A64B-C9DF1D2911D4}"/>
+              </a:ext>
+            </a:extLst>
+          </p:cNvPr>
+          <p:cNvSpPr txBox="1"/>
+          <p:nvPr/>
+        </p:nvSpPr>
+        <p:spPr>
+          <a:xfrm>
+            <a:off x="10758329" y="3430153"/>
+            <a:ext cx="893386" cy="584775"/>
+          </a:xfrm>
+          <a:prstGeom prst="rect">
+            <a:avLst/>
+          </a:prstGeom>
+          <a:noFill/>
+        </p:spPr>
+        <p:txBody>
+          <a:bodyPr wrap="none" rtlCol="0">
+            <a:spAutoFit/>
+          </a:bodyPr>
+          <a:lstStyle/>
+          <a:p>
+            <a:r>
+              <a:rPr lang="en-GB" sz="1600" dirty="0"/>
+              <a:t>Feature</a:t>
+            </a:r>
+          </a:p>
+          <a:p>
+            <a:r>
+              <a:rPr lang="en-GB" sz="1600" dirty="0"/>
+              <a:t>Creation</a:t>
+            </a:r>
+          </a:p>
+        </p:txBody>
+      </p:sp>
+      <p:sp>
+        <p:nvSpPr>
+          <p:cNvPr id="20" name="TextBox 49">
+            <a:extLst>
+              <a:ext uri="{FF2B5EF4-FFF2-40B4-BE49-F238E27FC236}">
+                <a16:creationId xmlns:a16="http://schemas.microsoft.com/office/drawing/2014/main" id="{872CCE2A-2A18-482D-BF91-EDBAC081A78B}"/>
+              </a:ext>
+            </a:extLst>
+          </p:cNvPr>
+          <p:cNvSpPr txBox="1"/>
+          <p:nvPr/>
+        </p:nvSpPr>
+        <p:spPr>
+          <a:xfrm>
+            <a:off x="6835585" y="3831572"/>
+            <a:ext cx="2223237" cy="584775"/>
+          </a:xfrm>
+          <a:prstGeom prst="rect">
+            <a:avLst/>
+          </a:prstGeom>
+          <a:noFill/>
+        </p:spPr>
+        <p:txBody>
+          <a:bodyPr wrap="none" rtlCol="0">
+            <a:spAutoFit/>
+          </a:bodyPr>
+          <a:lstStyle/>
+          <a:p>
+            <a:pPr algn="ctr"/>
+            <a:r>
+              <a:rPr lang="en-GB" sz="1600" dirty="0"/>
+              <a:t>Get SARS-CoV-2 specific </a:t>
+            </a:r>
+          </a:p>
+          <a:p>
+            <a:pPr algn="ctr"/>
+            <a:r>
+              <a:rPr lang="en-GB" sz="1600" dirty="0"/>
+              <a:t>bps sequences</a:t>
+            </a:r>
+          </a:p>
+        </p:txBody>
+      </p:sp>
+      <p:pic>
+        <p:nvPicPr>
+          <p:cNvPr id="21" name="Picture 3" descr="A screen shot of a social media post&#10;&#10;Description automatically generated">
+            <a:extLst>
+              <a:ext uri="{FF2B5EF4-FFF2-40B4-BE49-F238E27FC236}">
+                <a16:creationId xmlns:a16="http://schemas.microsoft.com/office/drawing/2014/main" id="{4A9B6E3C-A2DC-4D64-85B2-49DC5E7FE5BD}"/>
+              </a:ext>
+            </a:extLst>
+          </p:cNvPr>
+          <p:cNvPicPr>
+            <a:picLocks noChangeAspect="1"/>
+          </p:cNvPicPr>
+          <p:nvPr/>
+        </p:nvPicPr>
+        <p:blipFill rotWithShape="1">
+          <a:blip r:embed="rId10">
+            <a:extLst>
+              <a:ext uri="{28A0092B-C50C-407E-A947-70E740481C1C}">
+                <a14:useLocalDpi xmlns:a14="http://schemas.microsoft.com/office/drawing/2010/main" val="0"/>
+              </a:ext>
+            </a:extLst>
+          </a:blip>
+          <a:srcRect l="732" r="18657"/>
+          <a:stretch/>
+        </p:blipFill>
+        <p:spPr>
+          <a:xfrm>
+            <a:off x="3786442" y="4508154"/>
+            <a:ext cx="3515812" cy="1157526"/>
+          </a:xfrm>
+          <a:prstGeom prst="rect">
+            <a:avLst/>
+          </a:prstGeom>
+        </p:spPr>
+      </p:pic>
+      <p:sp>
+        <p:nvSpPr>
+          <p:cNvPr id="22" name="Arrow: Right 24">
+            <a:extLst>
+              <a:ext uri="{FF2B5EF4-FFF2-40B4-BE49-F238E27FC236}">
+                <a16:creationId xmlns:a16="http://schemas.microsoft.com/office/drawing/2014/main" id="{F7052C7B-3CA4-4E8D-AD68-579B108B4ADF}"/>
+              </a:ext>
+            </a:extLst>
+          </p:cNvPr>
+          <p:cNvSpPr/>
+          <p:nvPr/>
+        </p:nvSpPr>
+        <p:spPr>
+          <a:xfrm rot="5400000">
+            <a:off x="10068786" y="3260168"/>
+            <a:ext cx="225271" cy="288211"/>
+          </a:xfrm>
+          <a:prstGeom prst="rightArrow">
+            <a:avLst/>
+          </a:prstGeom>
+          <a:solidFill>
+            <a:schemeClr val="accent3">
+              <a:lumMod val="75000"/>
+            </a:schemeClr>
+          </a:solidFill>
+        </p:spPr>
+        <p:style>
+          <a:lnRef idx="2">
+            <a:schemeClr val="accent1">
+              <a:shade val="50000"/>
+            </a:schemeClr>
+          </a:lnRef>
+          <a:fillRef idx="1">
+            <a:schemeClr val="accent1"/>
+          </a:fillRef>
+          <a:effectRef idx="0">
+            <a:schemeClr val="accent1"/>
+          </a:effectRef>
+          <a:fontRef idx="minor">
+            <a:schemeClr val="lt1"/>
+          </a:fontRef>
+        </p:style>
+        <p:txBody>
+          <a:bodyPr rtlCol="0" anchor="ctr"/>
+          <a:lstStyle/>
+          <a:p>
+            <a:pPr algn="ctr"/>
+            <a:endParaRPr lang="en-GB"/>
+          </a:p>
+        </p:txBody>
+      </p:sp>
+      <p:sp>
+        <p:nvSpPr>
+          <p:cNvPr id="23" name="TextBox 25">
+            <a:extLst>
+              <a:ext uri="{FF2B5EF4-FFF2-40B4-BE49-F238E27FC236}">
+                <a16:creationId xmlns:a16="http://schemas.microsoft.com/office/drawing/2014/main" id="{9127781F-3E44-4438-8D12-94F8E252FE7F}"/>
+              </a:ext>
+            </a:extLst>
+          </p:cNvPr>
+          <p:cNvSpPr txBox="1"/>
+          <p:nvPr/>
+        </p:nvSpPr>
+        <p:spPr>
+          <a:xfrm>
+            <a:off x="3792502" y="5774161"/>
+            <a:ext cx="1353256" cy="338554"/>
+          </a:xfrm>
+          <a:prstGeom prst="rect">
+            <a:avLst/>
+          </a:prstGeom>
+          <a:noFill/>
+        </p:spPr>
+        <p:txBody>
+          <a:bodyPr wrap="none" rtlCol="0">
+            <a:spAutoFit/>
+          </a:bodyPr>
+          <a:lstStyle/>
+          <a:p>
+            <a:r>
+              <a:rPr lang="en-GB" sz="1600" dirty="0"/>
+              <a:t>Primer Design</a:t>
+            </a:r>
+          </a:p>
+        </p:txBody>
+      </p:sp>
+      <p:pic>
+        <p:nvPicPr>
+          <p:cNvPr id="24" name="Picture 4" descr="A screenshot of a cell phone&#10;&#10;Description automatically generated">
+            <a:extLst>
+              <a:ext uri="{FF2B5EF4-FFF2-40B4-BE49-F238E27FC236}">
+                <a16:creationId xmlns:a16="http://schemas.microsoft.com/office/drawing/2014/main" id="{A3100157-30F9-4F84-84C9-FB209D4598AD}"/>
+              </a:ext>
+            </a:extLst>
+          </p:cNvPr>
+          <p:cNvPicPr>
+            <a:picLocks noChangeAspect="1"/>
+          </p:cNvPicPr>
+          <p:nvPr/>
+        </p:nvPicPr>
+        <p:blipFill>
+          <a:blip r:embed="rId11">
+            <a:extLst>
+              <a:ext uri="{28A0092B-C50C-407E-A947-70E740481C1C}">
+                <a14:useLocalDpi xmlns:a14="http://schemas.microsoft.com/office/drawing/2010/main" val="0"/>
+              </a:ext>
+            </a:extLst>
+          </a:blip>
+          <a:stretch>
+            <a:fillRect/>
+          </a:stretch>
+        </p:blipFill>
+        <p:spPr>
+          <a:xfrm>
+            <a:off x="516084" y="4508154"/>
+            <a:ext cx="2763709" cy="1151165"/>
+          </a:xfrm>
+          <a:prstGeom prst="rect">
+            <a:avLst/>
+          </a:prstGeom>
+        </p:spPr>
+      </p:pic>
+      <p:sp>
+        <p:nvSpPr>
+          <p:cNvPr id="25" name="Arrow: Right 28">
+            <a:extLst>
+              <a:ext uri="{FF2B5EF4-FFF2-40B4-BE49-F238E27FC236}">
+                <a16:creationId xmlns:a16="http://schemas.microsoft.com/office/drawing/2014/main" id="{1495F464-ADF8-4453-ABA5-73A00332E130}"/>
+              </a:ext>
+            </a:extLst>
+          </p:cNvPr>
+          <p:cNvSpPr/>
+          <p:nvPr/>
+        </p:nvSpPr>
+        <p:spPr>
+          <a:xfrm rot="10800000">
+            <a:off x="3326152" y="4914458"/>
+            <a:ext cx="413930" cy="338555"/>
+          </a:xfrm>
+          <a:prstGeom prst="rightArrow">
+            <a:avLst/>
+          </a:prstGeom>
+          <a:solidFill>
+            <a:schemeClr val="accent3">
+              <a:lumMod val="75000"/>
+            </a:schemeClr>
+          </a:solidFill>
+        </p:spPr>
+        <p:style>
+          <a:lnRef idx="2">
+            <a:schemeClr val="accent1">
+              <a:shade val="50000"/>
+            </a:schemeClr>
+          </a:lnRef>
+          <a:fillRef idx="1">
+            <a:schemeClr val="accent1"/>
+          </a:fillRef>
+          <a:effectRef idx="0">
+            <a:schemeClr val="accent1"/>
+          </a:effectRef>
+          <a:fontRef idx="minor">
+            <a:schemeClr val="lt1"/>
+          </a:fontRef>
+        </p:style>
+        <p:txBody>
+          <a:bodyPr rtlCol="0" anchor="ctr"/>
+          <a:lstStyle/>
+          <a:p>
+            <a:pPr algn="ctr"/>
+            <a:endParaRPr lang="en-GB"/>
+          </a:p>
+        </p:txBody>
+      </p:sp>
+      <p:sp>
+        <p:nvSpPr>
+          <p:cNvPr id="26" name="TextBox 29">
+            <a:extLst>
+              <a:ext uri="{FF2B5EF4-FFF2-40B4-BE49-F238E27FC236}">
+                <a16:creationId xmlns:a16="http://schemas.microsoft.com/office/drawing/2014/main" id="{874A2063-D58F-45DE-B366-90BB602DE2C9}"/>
+              </a:ext>
+            </a:extLst>
+          </p:cNvPr>
+          <p:cNvSpPr txBox="1"/>
+          <p:nvPr/>
+        </p:nvSpPr>
+        <p:spPr>
+          <a:xfrm>
+            <a:off x="516084" y="5775852"/>
+            <a:ext cx="1718356" cy="338554"/>
+          </a:xfrm>
+          <a:prstGeom prst="rect">
+            <a:avLst/>
+          </a:prstGeom>
+          <a:noFill/>
+        </p:spPr>
+        <p:txBody>
+          <a:bodyPr wrap="none" rtlCol="0">
+            <a:spAutoFit/>
+          </a:bodyPr>
+          <a:lstStyle/>
+          <a:p>
+            <a:r>
+              <a:rPr lang="en-GB" sz="1600" dirty="0"/>
+              <a:t>Laboratory Testing</a:t>
+            </a:r>
+          </a:p>
+        </p:txBody>
+      </p:sp>
+      <p:pic>
+        <p:nvPicPr>
+          <p:cNvPr id="27" name="Picture 5">
+            <a:extLst>
+              <a:ext uri="{FF2B5EF4-FFF2-40B4-BE49-F238E27FC236}">
+                <a16:creationId xmlns:a16="http://schemas.microsoft.com/office/drawing/2014/main" id="{2BDEA8EA-D913-4F8C-9E4B-9C6D87720E28}"/>
+              </a:ext>
+            </a:extLst>
+          </p:cNvPr>
+          <p:cNvPicPr>
+            <a:picLocks noChangeAspect="1"/>
+          </p:cNvPicPr>
+          <p:nvPr/>
+        </p:nvPicPr>
+        <p:blipFill>
+          <a:blip r:embed="rId12">
+            <a:clrChange>
+              <a:clrFrom>
+                <a:srgbClr val="FFFFFF"/>
+              </a:clrFrom>
+              <a:clrTo>
+                <a:srgbClr val="FFFFFF">
+                  <a:alpha val="0"/>
+                </a:srgbClr>
+              </a:clrTo>
+            </a:clrChange>
+          </a:blip>
+          <a:stretch>
+            <a:fillRect/>
+          </a:stretch>
+        </p:blipFill>
+        <p:spPr>
+          <a:xfrm>
+            <a:off x="7689003" y="1331216"/>
+            <a:ext cx="4540343" cy="2066335"/>
+          </a:xfrm>
+          <a:prstGeom prst="rect">
+            <a:avLst/>
+          </a:prstGeom>
+        </p:spPr>
+      </p:pic>
+      <p:sp>
+        <p:nvSpPr>
+          <p:cNvPr id="28" name="Arrow: Right 6">
+            <a:extLst>
+              <a:ext uri="{FF2B5EF4-FFF2-40B4-BE49-F238E27FC236}">
+                <a16:creationId xmlns:a16="http://schemas.microsoft.com/office/drawing/2014/main" id="{5905C70A-F281-44B0-8B45-5F1B2C2866FB}"/>
+              </a:ext>
+            </a:extLst>
+          </p:cNvPr>
+          <p:cNvSpPr/>
+          <p:nvPr/>
+        </p:nvSpPr>
+        <p:spPr>
+          <a:xfrm>
+            <a:off x="7429739" y="2217924"/>
+            <a:ext cx="236052" cy="271181"/>
+          </a:xfrm>
+          <a:prstGeom prst="rightArrow">
+            <a:avLst/>
+          </a:prstGeom>
+          <a:solidFill>
+            <a:schemeClr val="accent3">
+              <a:lumMod val="75000"/>
+            </a:schemeClr>
+          </a:solidFill>
+        </p:spPr>
+        <p:style>
+          <a:lnRef idx="2">
+            <a:schemeClr val="accent1">
+              <a:shade val="50000"/>
+            </a:schemeClr>
+          </a:lnRef>
+          <a:fillRef idx="1">
+            <a:schemeClr val="accent1"/>
+          </a:fillRef>
+          <a:effectRef idx="0">
+            <a:schemeClr val="accent1"/>
+          </a:effectRef>
+          <a:fontRef idx="minor">
+            <a:schemeClr val="lt1"/>
+          </a:fontRef>
+        </p:style>
+        <p:txBody>
+          <a:bodyPr rtlCol="0" anchor="ctr"/>
+          <a:lstStyle/>
+          <a:p>
+            <a:pPr algn="ctr"/>
+            <a:endParaRPr lang="en-GB"/>
+          </a:p>
+        </p:txBody>
+      </p:sp>
+      <p:sp>
+        <p:nvSpPr>
+          <p:cNvPr id="29" name="Arrow: Right 7">
+            <a:extLst>
+              <a:ext uri="{FF2B5EF4-FFF2-40B4-BE49-F238E27FC236}">
+                <a16:creationId xmlns:a16="http://schemas.microsoft.com/office/drawing/2014/main" id="{44777D66-4BC1-4470-B0D4-AB2D9955453A}"/>
+              </a:ext>
+            </a:extLst>
+          </p:cNvPr>
+          <p:cNvSpPr/>
+          <p:nvPr/>
+        </p:nvSpPr>
+        <p:spPr>
+          <a:xfrm rot="10800000">
+            <a:off x="7302254" y="4885803"/>
+            <a:ext cx="1037630" cy="338555"/>
+          </a:xfrm>
+          <a:prstGeom prst="rightArrow">
+            <a:avLst/>
+          </a:prstGeom>
+          <a:solidFill>
+            <a:schemeClr val="accent3">
+              <a:lumMod val="75000"/>
+            </a:schemeClr>
+          </a:solidFill>
+        </p:spPr>
+        <p:style>
+          <a:lnRef idx="2">
+            <a:schemeClr val="accent1">
+              <a:shade val="50000"/>
+            </a:schemeClr>
+          </a:lnRef>
+          <a:fillRef idx="1">
+            <a:schemeClr val="accent1"/>
+          </a:fillRef>
+          <a:effectRef idx="0">
+            <a:schemeClr val="accent1"/>
+          </a:effectRef>
+          <a:fontRef idx="minor">
+            <a:schemeClr val="lt1"/>
+          </a:fontRef>
+        </p:style>
+        <p:txBody>
+          <a:bodyPr rtlCol="0" anchor="ctr"/>
+          <a:lstStyle/>
+          <a:p>
+            <a:pPr algn="ctr"/>
+            <a:endParaRPr lang="en-GB"/>
+          </a:p>
+        </p:txBody>
+      </p:sp>
+      <p:sp>
+        <p:nvSpPr>
+          <p:cNvPr id="30" name="Arrow: Right 8">
+            <a:extLst>
+              <a:ext uri="{FF2B5EF4-FFF2-40B4-BE49-F238E27FC236}">
+                <a16:creationId xmlns:a16="http://schemas.microsoft.com/office/drawing/2014/main" id="{A435BA88-4CB3-4013-A945-66B7F14D0C91}"/>
+              </a:ext>
+            </a:extLst>
+          </p:cNvPr>
+          <p:cNvSpPr/>
+          <p:nvPr/>
+        </p:nvSpPr>
+        <p:spPr>
+          <a:xfrm rot="5400000">
+            <a:off x="10073924" y="4001492"/>
+            <a:ext cx="225271" cy="288211"/>
+          </a:xfrm>
+          <a:prstGeom prst="rightArrow">
+            <a:avLst/>
+          </a:prstGeom>
+          <a:solidFill>
+            <a:schemeClr val="accent3">
+              <a:lumMod val="75000"/>
+            </a:schemeClr>
+          </a:solidFill>
+        </p:spPr>
+        <p:style>
+          <a:lnRef idx="2">
+            <a:schemeClr val="accent1">
+              <a:shade val="50000"/>
+            </a:schemeClr>
+          </a:lnRef>
+          <a:fillRef idx="1">
+            <a:schemeClr val="accent1"/>
+          </a:fillRef>
+          <a:effectRef idx="0">
+            <a:schemeClr val="accent1"/>
+          </a:effectRef>
+          <a:fontRef idx="minor">
+            <a:schemeClr val="lt1"/>
+          </a:fontRef>
+        </p:style>
+        <p:txBody>
+          <a:bodyPr rtlCol="0" anchor="ctr"/>
+          <a:lstStyle/>
+          <a:p>
+            <a:pPr algn="ctr"/>
+            <a:endParaRPr lang="en-GB"/>
+          </a:p>
+        </p:txBody>
+      </p:sp>
+      <p:sp>
+        <p:nvSpPr>
+          <p:cNvPr id="32" name="TextBox 10">
+            <a:extLst>
+              <a:ext uri="{FF2B5EF4-FFF2-40B4-BE49-F238E27FC236}">
+                <a16:creationId xmlns:a16="http://schemas.microsoft.com/office/drawing/2014/main" id="{2A6053F6-B11B-4420-B212-C5C990F49444}"/>
+              </a:ext>
+            </a:extLst>
+          </p:cNvPr>
+          <p:cNvSpPr txBox="1"/>
+          <p:nvPr/>
+        </p:nvSpPr>
+        <p:spPr>
+          <a:xfrm>
+            <a:off x="7647878" y="5756682"/>
+            <a:ext cx="1733936" cy="338554"/>
+          </a:xfrm>
+          <a:prstGeom prst="rect">
+            <a:avLst/>
+          </a:prstGeom>
+          <a:noFill/>
+        </p:spPr>
+        <p:txBody>
+          <a:bodyPr wrap="none" rtlCol="0">
+            <a:spAutoFit/>
+          </a:bodyPr>
+          <a:lstStyle/>
+          <a:p>
+            <a:r>
+              <a:rPr lang="en-GB" sz="1600" dirty="0"/>
+              <a:t>Feature Selection</a:t>
+            </a:r>
+          </a:p>
+        </p:txBody>
+      </p:sp>
+    </p:spTree>
+    <p:extLst>
+      <p:ext uri="{BB962C8B-B14F-4D97-AF65-F5344CB8AC3E}">
+        <p14:creationId xmlns:p14="http://schemas.microsoft.com/office/powerpoint/2010/main" val="2476573220"/>
       </p:ext>
     </p:extLst>
   </p:cSld>

--- a/deep-learning-in-practice-with-pytorch/2-example-cnn-rna.pptx
+++ b/deep-learning-in-practice-with-pytorch/2-example-cnn-rna.pptx
@@ -16,6 +16,7 @@
     <p:sldId id="265" r:id="rId10"/>
     <p:sldId id="266" r:id="rId11"/>
     <p:sldId id="267" r:id="rId12"/>
+    <p:sldId id="405" r:id="rId13"/>
   </p:sldIdLst>
   <p:sldSz cx="12192000" cy="6858000"/>
   <p:notesSz cx="6858000" cy="9144000"/>
@@ -5234,6 +5235,241 @@
 </p:sld>
 </file>
 
+<file path=ppt/slides/slide12.xml><?xml version="1.0" encoding="utf-8"?>
+<p:sld xmlns:a="http://schemas.openxmlformats.org/drawingml/2006/main" xmlns:r="http://schemas.openxmlformats.org/officeDocument/2006/relationships" xmlns:p="http://schemas.openxmlformats.org/presentationml/2006/main">
+  <p:cSld>
+    <p:spTree>
+      <p:nvGrpSpPr>
+        <p:cNvPr id="1" name=""/>
+        <p:cNvGrpSpPr/>
+        <p:nvPr/>
+      </p:nvGrpSpPr>
+      <p:grpSpPr>
+        <a:xfrm>
+          <a:off x="0" y="0"/>
+          <a:ext cx="0" cy="0"/>
+          <a:chOff x="0" y="0"/>
+          <a:chExt cx="0" cy="0"/>
+        </a:xfrm>
+      </p:grpSpPr>
+      <p:sp>
+        <p:nvSpPr>
+          <p:cNvPr id="4" name="Titre 3">
+            <a:extLst>
+              <a:ext uri="{FF2B5EF4-FFF2-40B4-BE49-F238E27FC236}">
+                <a16:creationId xmlns:a16="http://schemas.microsoft.com/office/drawing/2014/main" id="{B53E8A05-42BD-489E-BF5F-958C213739DF}"/>
+              </a:ext>
+            </a:extLst>
+          </p:cNvPr>
+          <p:cNvSpPr>
+            <a:spLocks noGrp="1"/>
+          </p:cNvSpPr>
+          <p:nvPr>
+            <p:ph type="ctrTitle"/>
+          </p:nvPr>
+        </p:nvSpPr>
+        <p:spPr/>
+        <p:txBody>
+          <a:bodyPr/>
+          <a:lstStyle/>
+          <a:p>
+            <a:r>
+              <a:rPr lang="en-US" dirty="0"/>
+              <a:t>Questions?</a:t>
+            </a:r>
+          </a:p>
+        </p:txBody>
+      </p:sp>
+      <p:sp>
+        <p:nvSpPr>
+          <p:cNvPr id="5" name="Sous-titre 4">
+            <a:extLst>
+              <a:ext uri="{FF2B5EF4-FFF2-40B4-BE49-F238E27FC236}">
+                <a16:creationId xmlns:a16="http://schemas.microsoft.com/office/drawing/2014/main" id="{CEB63DBD-0FC0-4057-AC92-1717C1D0ED55}"/>
+              </a:ext>
+            </a:extLst>
+          </p:cNvPr>
+          <p:cNvSpPr>
+            <a:spLocks noGrp="1"/>
+          </p:cNvSpPr>
+          <p:nvPr>
+            <p:ph type="subTitle" idx="1"/>
+          </p:nvPr>
+        </p:nvSpPr>
+        <p:spPr/>
+        <p:txBody>
+          <a:bodyPr>
+            <a:noAutofit/>
+          </a:bodyPr>
+          <a:lstStyle/>
+          <a:p>
+            <a:r>
+              <a:rPr lang="en-US" dirty="0"/>
+              <a:t>Bibliography</a:t>
+            </a:r>
+            <a:br>
+              <a:rPr lang="en-US" dirty="0"/>
+            </a:br>
+            <a:r>
+              <a:rPr lang="en-US" sz="1600" dirty="0"/>
+              <a:t>- Lopez-Rincon, A., Tonda, A., Mendoza-Maldonado, L. et al. Classification and specific primer design for accurate detection of SARS-CoV-2 using deep learning. Sci Rep 11, 947 (2021). </a:t>
+            </a:r>
+            <a:r>
+              <a:rPr lang="en-US" sz="1600" dirty="0">
+                <a:hlinkClick r:id="rId2"/>
+              </a:rPr>
+              <a:t>https://doi.org/10.1038/s41598-020-80363-5</a:t>
+            </a:r>
+            <a:r>
+              <a:rPr lang="en-US" sz="1600" dirty="0"/>
+              <a:t> </a:t>
+            </a:r>
+            <a:br>
+              <a:rPr lang="en-US" sz="1600" dirty="0"/>
+            </a:br>
+            <a:r>
+              <a:rPr lang="en-US" sz="1600" dirty="0"/>
+              <a:t>- Lopez Rincon A., …, and Alberto Tonda. 2021. Design of specific primer sets for SARS-CoV-2 variants using evolutionary algorithms. In Proceedings of the Genetic and Evolutionary Computation Conference (GECCO '21). Association for Computing Machinery, New York, NY, USA, 982–990. </a:t>
+            </a:r>
+            <a:r>
+              <a:rPr lang="en-US" sz="1600" dirty="0">
+                <a:hlinkClick r:id="rId3"/>
+              </a:rPr>
+              <a:t>https://doi.org/10.1145/3449639.3459359</a:t>
+            </a:r>
+            <a:r>
+              <a:rPr lang="en-US" sz="1600" dirty="0"/>
+              <a:t> </a:t>
+            </a:r>
+            <a:br>
+              <a:rPr lang="en-US" sz="1600" dirty="0"/>
+            </a:br>
+            <a:r>
+              <a:rPr lang="en-US" sz="1600" dirty="0"/>
+              <a:t>- Perez-Romero, C.A., Mendoza-Maldonado, L., Tonda, A. et al. An Innovative AI-based primer design tool for precise and accurate detection of SARS-CoV-2 variants of concern. Sci Rep 13, 15782 (2023). </a:t>
+            </a:r>
+            <a:r>
+              <a:rPr lang="en-US" sz="1600" dirty="0">
+                <a:hlinkClick r:id="rId4"/>
+              </a:rPr>
+              <a:t>https://doi.org/10.1038/s41598-023-42348-y</a:t>
+            </a:r>
+            <a:r>
+              <a:rPr lang="en-US" sz="1600" dirty="0"/>
+              <a:t> </a:t>
+            </a:r>
+          </a:p>
+          <a:p>
+            <a:r>
+              <a:rPr lang="en-US" sz="1400" dirty="0"/>
+              <a:t>Images and videos: unless otherwise stated, I stole them from the Internet. I hope they are not copyrighted, or that their use falls under the Fair Use clause, and if not, I am sorry. Please don’t sue me.</a:t>
+            </a:r>
+          </a:p>
+        </p:txBody>
+      </p:sp>
+      <p:pic>
+        <p:nvPicPr>
+          <p:cNvPr id="6" name="Picture 2">
+            <a:extLst>
+              <a:ext uri="{FF2B5EF4-FFF2-40B4-BE49-F238E27FC236}">
+                <a16:creationId xmlns:a16="http://schemas.microsoft.com/office/drawing/2014/main" id="{6E214693-AB7E-4C54-8D7C-0391735F7C4F}"/>
+              </a:ext>
+            </a:extLst>
+          </p:cNvPr>
+          <p:cNvPicPr>
+            <a:picLocks noChangeAspect="1" noChangeArrowheads="1"/>
+          </p:cNvPicPr>
+          <p:nvPr/>
+        </p:nvPicPr>
+        <p:blipFill rotWithShape="1">
+          <a:blip r:embed="rId5" cstate="print">
+            <a:extLst>
+              <a:ext uri="{BEBA8EAE-BF5A-486C-A8C5-ECC9F3942E4B}">
+                <a14:imgProps xmlns:a14="http://schemas.microsoft.com/office/drawing/2010/main">
+                  <a14:imgLayer r:embed="rId6">
+                    <a14:imgEffect>
+                      <a14:backgroundRemoval t="22283" b="75673" l="54554" r="90983"/>
+                    </a14:imgEffect>
+                  </a14:imgLayer>
+                </a14:imgProps>
+              </a:ext>
+              <a:ext uri="{28A0092B-C50C-407E-A947-70E740481C1C}">
+                <a14:useLocalDpi xmlns:a14="http://schemas.microsoft.com/office/drawing/2010/main" val="0"/>
+              </a:ext>
+            </a:extLst>
+          </a:blip>
+          <a:srcRect l="50000" t="15610" r="4463" b="17653"/>
+          <a:stretch/>
+        </p:blipFill>
+        <p:spPr bwMode="auto">
+          <a:xfrm>
+            <a:off x="4938382" y="1037974"/>
+            <a:ext cx="1295445" cy="884352"/>
+          </a:xfrm>
+          <a:prstGeom prst="rect">
+            <a:avLst/>
+          </a:prstGeom>
+          <a:noFill/>
+          <a:extLst>
+            <a:ext uri="{909E8E84-426E-40DD-AFC4-6F175D3DCCD1}">
+              <a14:hiddenFill xmlns:a14="http://schemas.microsoft.com/office/drawing/2010/main">
+                <a:solidFill>
+                  <a:srgbClr val="FFFFFF"/>
+                </a:solidFill>
+              </a14:hiddenFill>
+            </a:ext>
+          </a:extLst>
+        </p:spPr>
+      </p:pic>
+      <p:pic>
+        <p:nvPicPr>
+          <p:cNvPr id="7" name="Image 6">
+            <a:extLst>
+              <a:ext uri="{FF2B5EF4-FFF2-40B4-BE49-F238E27FC236}">
+                <a16:creationId xmlns:a16="http://schemas.microsoft.com/office/drawing/2014/main" id="{414D43F9-35B6-46FA-B5D4-8F2F1AA72ED1}"/>
+              </a:ext>
+            </a:extLst>
+          </p:cNvPr>
+          <p:cNvPicPr>
+            <a:picLocks noChangeAspect="1"/>
+          </p:cNvPicPr>
+          <p:nvPr/>
+        </p:nvPicPr>
+        <p:blipFill>
+          <a:blip r:embed="rId7">
+            <a:extLst>
+              <a:ext uri="{28A0092B-C50C-407E-A947-70E740481C1C}">
+                <a14:useLocalDpi xmlns:a14="http://schemas.microsoft.com/office/drawing/2010/main" val="0"/>
+              </a:ext>
+            </a:extLst>
+          </a:blip>
+          <a:stretch>
+            <a:fillRect/>
+          </a:stretch>
+        </p:blipFill>
+        <p:spPr>
+          <a:xfrm>
+            <a:off x="6383826" y="1073027"/>
+            <a:ext cx="1642424" cy="574848"/>
+          </a:xfrm>
+          <a:prstGeom prst="rect">
+            <a:avLst/>
+          </a:prstGeom>
+        </p:spPr>
+      </p:pic>
+    </p:spTree>
+    <p:extLst>
+      <p:ext uri="{BB962C8B-B14F-4D97-AF65-F5344CB8AC3E}">
+        <p14:creationId xmlns:p14="http://schemas.microsoft.com/office/powerpoint/2010/main" val="938009228"/>
+      </p:ext>
+    </p:extLst>
+  </p:cSld>
+  <p:clrMapOvr>
+    <a:masterClrMapping/>
+  </p:clrMapOvr>
+</p:sld>
+</file>
+
 <file path=ppt/slides/slide2.xml><?xml version="1.0" encoding="utf-8"?>
 <p:sld xmlns:a="http://schemas.openxmlformats.org/drawingml/2006/main" xmlns:r="http://schemas.openxmlformats.org/officeDocument/2006/relationships" xmlns:p="http://schemas.openxmlformats.org/presentationml/2006/main">
   <p:cSld>
